--- a/GraphQL ❤️ .NET.pptx
+++ b/GraphQL ❤️ .NET.pptx
@@ -22,23 +22,30 @@
     <p:sldId id="267" r:id="rId17"/>
     <p:sldId id="268" r:id="rId18"/>
     <p:sldId id="269" r:id="rId19"/>
+    <p:sldId id="270" r:id="rId20"/>
+    <p:sldId id="271" r:id="rId21"/>
+    <p:sldId id="272" r:id="rId22"/>
+    <p:sldId id="273" r:id="rId23"/>
+    <p:sldId id="274" r:id="rId24"/>
+    <p:sldId id="275" r:id="rId25"/>
+    <p:sldId id="276" r:id="rId26"/>
   </p:sldIdLst>
   <p:sldSz cy="5143500" cx="9144000"/>
   <p:notesSz cx="6858000" cy="9144000"/>
   <p:embeddedFontLst>
     <p:embeddedFont>
       <p:font typeface="Roboto"/>
-      <p:regular r:id="rId20"/>
-      <p:bold r:id="rId21"/>
-      <p:italic r:id="rId22"/>
-      <p:boldItalic r:id="rId23"/>
+      <p:regular r:id="rId27"/>
+      <p:bold r:id="rId28"/>
+      <p:italic r:id="rId29"/>
+      <p:boldItalic r:id="rId30"/>
     </p:embeddedFont>
     <p:embeddedFont>
       <p:font typeface="Roboto Mono"/>
-      <p:regular r:id="rId24"/>
-      <p:bold r:id="rId25"/>
-      <p:italic r:id="rId26"/>
-      <p:boldItalic r:id="rId27"/>
+      <p:regular r:id="rId31"/>
+      <p:bold r:id="rId32"/>
+      <p:italic r:id="rId33"/>
+      <p:boldItalic r:id="rId34"/>
     </p:embeddedFont>
   </p:embeddedFontLst>
   <p:defaultTextStyle>
@@ -1732,6 +1739,999 @@
 </p:notes>
 </file>
 
+<file path=ppt/notesSlides/notesSlide15.xml><?xml version="1.0" encoding="utf-8"?>
+<p:notes xmlns:a="http://schemas.openxmlformats.org/drawingml/2006/main" xmlns:r="http://schemas.openxmlformats.org/officeDocument/2006/relationships" xmlns:mc="http://schemas.openxmlformats.org/markup-compatibility/2006" xmlns:mv="urn:schemas-microsoft-com:mac:vml" xmlns:p="http://schemas.openxmlformats.org/presentationml/2006/main" xmlns:c="http://schemas.openxmlformats.org/drawingml/2006/chart" xmlns:dgm="http://schemas.openxmlformats.org/drawingml/2006/diagram" xmlns:o="urn:schemas-microsoft-com:office:office" xmlns:v="urn:schemas-microsoft-com:vml" xmlns:pvml="urn:schemas-microsoft-com:office:powerpoint" xmlns:com="http://schemas.openxmlformats.org/drawingml/2006/compatibility" xmlns:p14="http://schemas.microsoft.com/office/powerpoint/2010/main" xmlns:p15="http://schemas.microsoft.com/office/powerpoint/2012/main" xmlns:ahyp="http://schemas.microsoft.com/office/drawing/2018/hyperlinkcolor" showMasterPhAnim="0" showMasterSp="0">
+  <p:cSld>
+    <p:spTree>
+      <p:nvGrpSpPr>
+        <p:cNvPr id="144" name="Shape 144"/>
+        <p:cNvGrpSpPr/>
+        <p:nvPr/>
+      </p:nvGrpSpPr>
+      <p:grpSpPr>
+        <a:xfrm>
+          <a:off x="0" y="0"/>
+          <a:ext cx="0" cy="0"/>
+          <a:chOff x="0" y="0"/>
+          <a:chExt cx="0" cy="0"/>
+        </a:xfrm>
+      </p:grpSpPr>
+      <p:sp>
+        <p:nvSpPr>
+          <p:cNvPr id="145" name="Google Shape;145;gad81259c5e_0_23:notes"/>
+          <p:cNvSpPr/>
+          <p:nvPr>
+            <p:ph idx="2" type="sldImg"/>
+          </p:nvPr>
+        </p:nvSpPr>
+        <p:spPr>
+          <a:xfrm>
+            <a:off x="381300" y="685800"/>
+            <a:ext cx="6096000" cy="3429000"/>
+          </a:xfrm>
+          <a:custGeom>
+            <a:rect b="b" l="l" r="r" t="t"/>
+            <a:pathLst>
+              <a:path extrusionOk="0" h="120000" w="120000">
+                <a:moveTo>
+                  <a:pt x="0" y="0"/>
+                </a:moveTo>
+                <a:lnTo>
+                  <a:pt x="120000" y="0"/>
+                </a:lnTo>
+                <a:lnTo>
+                  <a:pt x="120000" y="120000"/>
+                </a:lnTo>
+                <a:lnTo>
+                  <a:pt x="0" y="120000"/>
+                </a:lnTo>
+                <a:close/>
+              </a:path>
+            </a:pathLst>
+          </a:custGeom>
+        </p:spPr>
+      </p:sp>
+      <p:sp>
+        <p:nvSpPr>
+          <p:cNvPr id="146" name="Google Shape;146;gad81259c5e_0_23:notes"/>
+          <p:cNvSpPr txBox="1"/>
+          <p:nvPr>
+            <p:ph idx="1" type="body"/>
+          </p:nvPr>
+        </p:nvSpPr>
+        <p:spPr>
+          <a:xfrm>
+            <a:off x="685800" y="4343400"/>
+            <a:ext cx="5486400" cy="4114800"/>
+          </a:xfrm>
+          <a:prstGeom prst="rect">
+            <a:avLst/>
+          </a:prstGeom>
+        </p:spPr>
+        <p:txBody>
+          <a:bodyPr anchorCtr="0" anchor="t" bIns="91425" lIns="91425" spcFirstLastPara="1" rIns="91425" wrap="square" tIns="91425">
+            <a:noAutofit/>
+          </a:bodyPr>
+          <a:lstStyle/>
+          <a:p>
+            <a:pPr indent="0" lvl="0" marL="0" rtl="0" algn="l">
+              <a:spcBef>
+                <a:spcPts val="0"/>
+              </a:spcBef>
+              <a:spcAft>
+                <a:spcPts val="0"/>
+              </a:spcAft>
+              <a:buNone/>
+            </a:pPr>
+            <a:r>
+              <a:rPr lang="ru"/>
+              <a:t>A</a:t>
+            </a:r>
+            <a:r>
+              <a:rPr lang="ru"/>
+              <a:t>lso </a:t>
+            </a:r>
+            <a:r>
+              <a:rPr lang="ru"/>
+              <a:t>called Enums, enumeration types are a special kind of scalar that is restricted to a particular set of allowed values. This allows you to:</a:t>
+            </a:r>
+            <a:endParaRPr/>
+          </a:p>
+          <a:p>
+            <a:pPr indent="0" lvl="0" marL="0" rtl="0" algn="l">
+              <a:spcBef>
+                <a:spcPts val="0"/>
+              </a:spcBef>
+              <a:spcAft>
+                <a:spcPts val="0"/>
+              </a:spcAft>
+              <a:buNone/>
+            </a:pPr>
+            <a:r>
+              <a:t/>
+            </a:r>
+            <a:endParaRPr/>
+          </a:p>
+          <a:p>
+            <a:pPr indent="0" lvl="0" marL="0" rtl="0" algn="l">
+              <a:spcBef>
+                <a:spcPts val="0"/>
+              </a:spcBef>
+              <a:spcAft>
+                <a:spcPts val="0"/>
+              </a:spcAft>
+              <a:buNone/>
+            </a:pPr>
+            <a:r>
+              <a:rPr lang="ru"/>
+              <a:t>Validate that any arguments of this type are one of the allowed values</a:t>
+            </a:r>
+            <a:endParaRPr/>
+          </a:p>
+          <a:p>
+            <a:pPr indent="0" lvl="0" marL="0" rtl="0" algn="l">
+              <a:spcBef>
+                <a:spcPts val="0"/>
+              </a:spcBef>
+              <a:spcAft>
+                <a:spcPts val="0"/>
+              </a:spcAft>
+              <a:buNone/>
+            </a:pPr>
+            <a:r>
+              <a:rPr lang="ru"/>
+              <a:t>Communicate through the type system that a field will always be one of a finite set of values</a:t>
+            </a:r>
+            <a:endParaRPr/>
+          </a:p>
+          <a:p>
+            <a:pPr indent="0" lvl="0" marL="0" rtl="0" algn="l">
+              <a:spcBef>
+                <a:spcPts val="0"/>
+              </a:spcBef>
+              <a:spcAft>
+                <a:spcPts val="0"/>
+              </a:spcAft>
+              <a:buNone/>
+            </a:pPr>
+            <a:r>
+              <a:t/>
+            </a:r>
+            <a:endParaRPr/>
+          </a:p>
+          <a:p>
+            <a:pPr indent="0" lvl="0" marL="0" rtl="0" algn="l">
+              <a:spcBef>
+                <a:spcPts val="0"/>
+              </a:spcBef>
+              <a:spcAft>
+                <a:spcPts val="0"/>
+              </a:spcAft>
+              <a:buNone/>
+            </a:pPr>
+            <a:r>
+              <a:rPr lang="ru"/>
+              <a:t>This means that wherever we use the type Episode in our schema, we expect it to be exactly one of NEWHOPE, EMPIRE, or JEDI.</a:t>
+            </a:r>
+            <a:endParaRPr/>
+          </a:p>
+          <a:p>
+            <a:pPr indent="0" lvl="0" marL="0" rtl="0" algn="l">
+              <a:spcBef>
+                <a:spcPts val="0"/>
+              </a:spcBef>
+              <a:spcAft>
+                <a:spcPts val="0"/>
+              </a:spcAft>
+              <a:buNone/>
+            </a:pPr>
+            <a:r>
+              <a:t/>
+            </a:r>
+            <a:endParaRPr/>
+          </a:p>
+          <a:p>
+            <a:pPr indent="0" lvl="0" marL="0" rtl="0" algn="l">
+              <a:spcBef>
+                <a:spcPts val="0"/>
+              </a:spcBef>
+              <a:spcAft>
+                <a:spcPts val="0"/>
+              </a:spcAft>
+              <a:buNone/>
+            </a:pPr>
+            <a:r>
+              <a:rPr lang="ru"/>
+              <a:t>Note that GraphQL service implementations in various languages will have their own language-specific way to deal with enums. In languages that support enums as a first-class citizen, the implementation might take advantage of that; in a language like JavaScript with no enum support, these values might be internally mapped to a set of integers. However, these details don't leak out to the client, which can operate entirely in terms of the string names of the enum values.</a:t>
+            </a:r>
+            <a:endParaRPr/>
+          </a:p>
+        </p:txBody>
+      </p:sp>
+    </p:spTree>
+  </p:cSld>
+  <p:clrMapOvr>
+    <a:masterClrMapping/>
+  </p:clrMapOvr>
+</p:notes>
+</file>
+
+<file path=ppt/notesSlides/notesSlide16.xml><?xml version="1.0" encoding="utf-8"?>
+<p:notes xmlns:a="http://schemas.openxmlformats.org/drawingml/2006/main" xmlns:r="http://schemas.openxmlformats.org/officeDocument/2006/relationships" xmlns:mc="http://schemas.openxmlformats.org/markup-compatibility/2006" xmlns:mv="urn:schemas-microsoft-com:mac:vml" xmlns:p="http://schemas.openxmlformats.org/presentationml/2006/main" xmlns:c="http://schemas.openxmlformats.org/drawingml/2006/chart" xmlns:dgm="http://schemas.openxmlformats.org/drawingml/2006/diagram" xmlns:o="urn:schemas-microsoft-com:office:office" xmlns:v="urn:schemas-microsoft-com:vml" xmlns:pvml="urn:schemas-microsoft-com:office:powerpoint" xmlns:com="http://schemas.openxmlformats.org/drawingml/2006/compatibility" xmlns:p14="http://schemas.microsoft.com/office/powerpoint/2010/main" xmlns:p15="http://schemas.microsoft.com/office/powerpoint/2012/main" xmlns:ahyp="http://schemas.microsoft.com/office/drawing/2018/hyperlinkcolor" showMasterPhAnim="0" showMasterSp="0">
+  <p:cSld>
+    <p:spTree>
+      <p:nvGrpSpPr>
+        <p:cNvPr id="150" name="Shape 150"/>
+        <p:cNvGrpSpPr/>
+        <p:nvPr/>
+      </p:nvGrpSpPr>
+      <p:grpSpPr>
+        <a:xfrm>
+          <a:off x="0" y="0"/>
+          <a:ext cx="0" cy="0"/>
+          <a:chOff x="0" y="0"/>
+          <a:chExt cx="0" cy="0"/>
+        </a:xfrm>
+      </p:grpSpPr>
+      <p:sp>
+        <p:nvSpPr>
+          <p:cNvPr id="151" name="Google Shape;151;gad81259c5e_0_34:notes"/>
+          <p:cNvSpPr/>
+          <p:nvPr>
+            <p:ph idx="2" type="sldImg"/>
+          </p:nvPr>
+        </p:nvSpPr>
+        <p:spPr>
+          <a:xfrm>
+            <a:off x="381300" y="685800"/>
+            <a:ext cx="6096000" cy="3429000"/>
+          </a:xfrm>
+          <a:custGeom>
+            <a:rect b="b" l="l" r="r" t="t"/>
+            <a:pathLst>
+              <a:path extrusionOk="0" h="120000" w="120000">
+                <a:moveTo>
+                  <a:pt x="0" y="0"/>
+                </a:moveTo>
+                <a:lnTo>
+                  <a:pt x="120000" y="0"/>
+                </a:lnTo>
+                <a:lnTo>
+                  <a:pt x="120000" y="120000"/>
+                </a:lnTo>
+                <a:lnTo>
+                  <a:pt x="0" y="120000"/>
+                </a:lnTo>
+                <a:close/>
+              </a:path>
+            </a:pathLst>
+          </a:custGeom>
+        </p:spPr>
+      </p:sp>
+      <p:sp>
+        <p:nvSpPr>
+          <p:cNvPr id="152" name="Google Shape;152;gad81259c5e_0_34:notes"/>
+          <p:cNvSpPr txBox="1"/>
+          <p:nvPr>
+            <p:ph idx="1" type="body"/>
+          </p:nvPr>
+        </p:nvSpPr>
+        <p:spPr>
+          <a:xfrm>
+            <a:off x="685800" y="4343400"/>
+            <a:ext cx="5486400" cy="4114800"/>
+          </a:xfrm>
+          <a:prstGeom prst="rect">
+            <a:avLst/>
+          </a:prstGeom>
+        </p:spPr>
+        <p:txBody>
+          <a:bodyPr anchorCtr="0" anchor="t" bIns="91425" lIns="91425" spcFirstLastPara="1" rIns="91425" wrap="square" tIns="91425">
+            <a:noAutofit/>
+          </a:bodyPr>
+          <a:lstStyle/>
+          <a:p>
+            <a:pPr indent="0" lvl="0" marL="0" rtl="0" algn="l">
+              <a:spcBef>
+                <a:spcPts val="0"/>
+              </a:spcBef>
+              <a:spcAft>
+                <a:spcPts val="0"/>
+              </a:spcAft>
+              <a:buNone/>
+            </a:pPr>
+            <a:r>
+              <a:rPr lang="ru"/>
+              <a:t>Here, we're using a String type and marking it as Non-Null by adding an exclamation mark, ! after the type name. This means that our server always expects to return a non-null value for this field, and if it ends up getting a null value that will actually trigger a GraphQL execution error, letting the client know that something has gone wrong.</a:t>
+            </a:r>
+            <a:endParaRPr/>
+          </a:p>
+          <a:p>
+            <a:pPr indent="0" lvl="0" marL="0" rtl="0" algn="l">
+              <a:spcBef>
+                <a:spcPts val="0"/>
+              </a:spcBef>
+              <a:spcAft>
+                <a:spcPts val="0"/>
+              </a:spcAft>
+              <a:buNone/>
+            </a:pPr>
+            <a:r>
+              <a:t/>
+            </a:r>
+            <a:endParaRPr/>
+          </a:p>
+          <a:p>
+            <a:pPr indent="0" lvl="0" marL="0" rtl="0" algn="l">
+              <a:spcBef>
+                <a:spcPts val="0"/>
+              </a:spcBef>
+              <a:spcAft>
+                <a:spcPts val="0"/>
+              </a:spcAft>
+              <a:buNone/>
+            </a:pPr>
+            <a:r>
+              <a:rPr lang="ru"/>
+              <a:t>The Non-Null type modifier can also be used when defining arguments for a field, which will cause the GraphQL server to return a validation error if a null value is passed as that argument, whether in the GraphQL string or in the variables.</a:t>
+            </a:r>
+            <a:endParaRPr/>
+          </a:p>
+          <a:p>
+            <a:pPr indent="0" lvl="0" marL="0" rtl="0" algn="l">
+              <a:spcBef>
+                <a:spcPts val="0"/>
+              </a:spcBef>
+              <a:spcAft>
+                <a:spcPts val="0"/>
+              </a:spcAft>
+              <a:buNone/>
+            </a:pPr>
+            <a:r>
+              <a:t/>
+            </a:r>
+            <a:endParaRPr/>
+          </a:p>
+          <a:p>
+            <a:pPr indent="0" lvl="0" marL="0" rtl="0" algn="l">
+              <a:spcBef>
+                <a:spcPts val="0"/>
+              </a:spcBef>
+              <a:spcAft>
+                <a:spcPts val="0"/>
+              </a:spcAft>
+              <a:buNone/>
+            </a:pPr>
+            <a:r>
+              <a:rPr lang="ru"/>
+              <a:t>The Non-Null and List modifiers can be combined. For example, you can have a List of Non-Null Strings:</a:t>
+            </a:r>
+            <a:endParaRPr/>
+          </a:p>
+          <a:p>
+            <a:pPr indent="0" lvl="0" marL="0" rtl="0" algn="l">
+              <a:spcBef>
+                <a:spcPts val="0"/>
+              </a:spcBef>
+              <a:spcAft>
+                <a:spcPts val="0"/>
+              </a:spcAft>
+              <a:buNone/>
+            </a:pPr>
+            <a:r>
+              <a:t/>
+            </a:r>
+            <a:endParaRPr/>
+          </a:p>
+          <a:p>
+            <a:pPr indent="0" lvl="0" marL="0" rtl="0" algn="l">
+              <a:spcBef>
+                <a:spcPts val="0"/>
+              </a:spcBef>
+              <a:spcAft>
+                <a:spcPts val="0"/>
+              </a:spcAft>
+              <a:buNone/>
+            </a:pPr>
+            <a:r>
+              <a:rPr lang="ru"/>
+              <a:t>myField: [String!]</a:t>
+            </a:r>
+            <a:endParaRPr/>
+          </a:p>
+          <a:p>
+            <a:pPr indent="0" lvl="0" marL="0" rtl="0" algn="l">
+              <a:spcBef>
+                <a:spcPts val="0"/>
+              </a:spcBef>
+              <a:spcAft>
+                <a:spcPts val="0"/>
+              </a:spcAft>
+              <a:buNone/>
+            </a:pPr>
+            <a:r>
+              <a:rPr lang="ru"/>
+              <a:t>This means that the list itself can be null, but it can't have any null members. For example, in JSON:</a:t>
+            </a:r>
+            <a:endParaRPr/>
+          </a:p>
+          <a:p>
+            <a:pPr indent="0" lvl="0" marL="0" rtl="0" algn="l">
+              <a:spcBef>
+                <a:spcPts val="0"/>
+              </a:spcBef>
+              <a:spcAft>
+                <a:spcPts val="0"/>
+              </a:spcAft>
+              <a:buNone/>
+            </a:pPr>
+            <a:r>
+              <a:t/>
+            </a:r>
+            <a:endParaRPr/>
+          </a:p>
+          <a:p>
+            <a:pPr indent="0" lvl="0" marL="0" rtl="0" algn="l">
+              <a:spcBef>
+                <a:spcPts val="0"/>
+              </a:spcBef>
+              <a:spcAft>
+                <a:spcPts val="0"/>
+              </a:spcAft>
+              <a:buNone/>
+            </a:pPr>
+            <a:r>
+              <a:rPr lang="ru"/>
+              <a:t>myField: null // valid</a:t>
+            </a:r>
+            <a:endParaRPr/>
+          </a:p>
+          <a:p>
+            <a:pPr indent="0" lvl="0" marL="0" rtl="0" algn="l">
+              <a:spcBef>
+                <a:spcPts val="0"/>
+              </a:spcBef>
+              <a:spcAft>
+                <a:spcPts val="0"/>
+              </a:spcAft>
+              <a:buNone/>
+            </a:pPr>
+            <a:r>
+              <a:rPr lang="ru"/>
+              <a:t>myField: [] // valid</a:t>
+            </a:r>
+            <a:endParaRPr/>
+          </a:p>
+          <a:p>
+            <a:pPr indent="0" lvl="0" marL="0" rtl="0" algn="l">
+              <a:spcBef>
+                <a:spcPts val="0"/>
+              </a:spcBef>
+              <a:spcAft>
+                <a:spcPts val="0"/>
+              </a:spcAft>
+              <a:buNone/>
+            </a:pPr>
+            <a:r>
+              <a:rPr lang="ru"/>
+              <a:t>myField: ['a', 'b'] // valid</a:t>
+            </a:r>
+            <a:endParaRPr/>
+          </a:p>
+          <a:p>
+            <a:pPr indent="0" lvl="0" marL="0" rtl="0" algn="l">
+              <a:spcBef>
+                <a:spcPts val="0"/>
+              </a:spcBef>
+              <a:spcAft>
+                <a:spcPts val="0"/>
+              </a:spcAft>
+              <a:buNone/>
+            </a:pPr>
+            <a:r>
+              <a:rPr lang="ru"/>
+              <a:t>myField: ['a', null, 'b'] // error</a:t>
+            </a:r>
+            <a:endParaRPr/>
+          </a:p>
+          <a:p>
+            <a:pPr indent="0" lvl="0" marL="0" rtl="0" algn="l">
+              <a:spcBef>
+                <a:spcPts val="0"/>
+              </a:spcBef>
+              <a:spcAft>
+                <a:spcPts val="0"/>
+              </a:spcAft>
+              <a:buNone/>
+            </a:pPr>
+            <a:r>
+              <a:rPr lang="ru"/>
+              <a:t>Now, let's say we defined a Non-Null List of Strings:</a:t>
+            </a:r>
+            <a:endParaRPr/>
+          </a:p>
+          <a:p>
+            <a:pPr indent="0" lvl="0" marL="0" rtl="0" algn="l">
+              <a:spcBef>
+                <a:spcPts val="0"/>
+              </a:spcBef>
+              <a:spcAft>
+                <a:spcPts val="0"/>
+              </a:spcAft>
+              <a:buNone/>
+            </a:pPr>
+            <a:r>
+              <a:t/>
+            </a:r>
+            <a:endParaRPr/>
+          </a:p>
+          <a:p>
+            <a:pPr indent="0" lvl="0" marL="0" rtl="0" algn="l">
+              <a:spcBef>
+                <a:spcPts val="0"/>
+              </a:spcBef>
+              <a:spcAft>
+                <a:spcPts val="0"/>
+              </a:spcAft>
+              <a:buNone/>
+            </a:pPr>
+            <a:r>
+              <a:rPr lang="ru"/>
+              <a:t>myField: [String]!</a:t>
+            </a:r>
+            <a:endParaRPr/>
+          </a:p>
+          <a:p>
+            <a:pPr indent="0" lvl="0" marL="0" rtl="0" algn="l">
+              <a:spcBef>
+                <a:spcPts val="0"/>
+              </a:spcBef>
+              <a:spcAft>
+                <a:spcPts val="0"/>
+              </a:spcAft>
+              <a:buNone/>
+            </a:pPr>
+            <a:r>
+              <a:rPr lang="ru"/>
+              <a:t>This means that the list itself cannot be null, but it can contain null values:</a:t>
+            </a:r>
+            <a:endParaRPr/>
+          </a:p>
+          <a:p>
+            <a:pPr indent="0" lvl="0" marL="0" rtl="0" algn="l">
+              <a:spcBef>
+                <a:spcPts val="0"/>
+              </a:spcBef>
+              <a:spcAft>
+                <a:spcPts val="0"/>
+              </a:spcAft>
+              <a:buNone/>
+            </a:pPr>
+            <a:r>
+              <a:t/>
+            </a:r>
+            <a:endParaRPr/>
+          </a:p>
+          <a:p>
+            <a:pPr indent="0" lvl="0" marL="0" rtl="0" algn="l">
+              <a:spcBef>
+                <a:spcPts val="0"/>
+              </a:spcBef>
+              <a:spcAft>
+                <a:spcPts val="0"/>
+              </a:spcAft>
+              <a:buNone/>
+            </a:pPr>
+            <a:r>
+              <a:rPr lang="ru"/>
+              <a:t>myField: null // error</a:t>
+            </a:r>
+            <a:endParaRPr/>
+          </a:p>
+          <a:p>
+            <a:pPr indent="0" lvl="0" marL="0" rtl="0" algn="l">
+              <a:spcBef>
+                <a:spcPts val="0"/>
+              </a:spcBef>
+              <a:spcAft>
+                <a:spcPts val="0"/>
+              </a:spcAft>
+              <a:buNone/>
+            </a:pPr>
+            <a:r>
+              <a:rPr lang="ru"/>
+              <a:t>myField: [] // valid</a:t>
+            </a:r>
+            <a:endParaRPr/>
+          </a:p>
+          <a:p>
+            <a:pPr indent="0" lvl="0" marL="0" rtl="0" algn="l">
+              <a:spcBef>
+                <a:spcPts val="0"/>
+              </a:spcBef>
+              <a:spcAft>
+                <a:spcPts val="0"/>
+              </a:spcAft>
+              <a:buNone/>
+            </a:pPr>
+            <a:r>
+              <a:rPr lang="ru"/>
+              <a:t>myField: ['a', 'b'] // valid</a:t>
+            </a:r>
+            <a:endParaRPr/>
+          </a:p>
+          <a:p>
+            <a:pPr indent="0" lvl="0" marL="0" rtl="0" algn="l">
+              <a:spcBef>
+                <a:spcPts val="0"/>
+              </a:spcBef>
+              <a:spcAft>
+                <a:spcPts val="0"/>
+              </a:spcAft>
+              <a:buNone/>
+            </a:pPr>
+            <a:r>
+              <a:rPr lang="ru"/>
+              <a:t>myField: ['a', null, 'b'] // valid</a:t>
+            </a:r>
+            <a:endParaRPr/>
+          </a:p>
+          <a:p>
+            <a:pPr indent="0" lvl="0" marL="0" rtl="0" algn="l">
+              <a:spcBef>
+                <a:spcPts val="0"/>
+              </a:spcBef>
+              <a:spcAft>
+                <a:spcPts val="0"/>
+              </a:spcAft>
+              <a:buNone/>
+            </a:pPr>
+            <a:r>
+              <a:rPr lang="ru"/>
+              <a:t>You can arbitrarily nest any number of Non-Null and List modifiers, according to your needs.</a:t>
+            </a:r>
+            <a:endParaRPr/>
+          </a:p>
+        </p:txBody>
+      </p:sp>
+    </p:spTree>
+  </p:cSld>
+  <p:clrMapOvr>
+    <a:masterClrMapping/>
+  </p:clrMapOvr>
+</p:notes>
+</file>
+
+<file path=ppt/notesSlides/notesSlide17.xml><?xml version="1.0" encoding="utf-8"?>
+<p:notes xmlns:a="http://schemas.openxmlformats.org/drawingml/2006/main" xmlns:r="http://schemas.openxmlformats.org/officeDocument/2006/relationships" xmlns:mc="http://schemas.openxmlformats.org/markup-compatibility/2006" xmlns:mv="urn:schemas-microsoft-com:mac:vml" xmlns:p="http://schemas.openxmlformats.org/presentationml/2006/main" xmlns:c="http://schemas.openxmlformats.org/drawingml/2006/chart" xmlns:dgm="http://schemas.openxmlformats.org/drawingml/2006/diagram" xmlns:o="urn:schemas-microsoft-com:office:office" xmlns:v="urn:schemas-microsoft-com:vml" xmlns:pvml="urn:schemas-microsoft-com:office:powerpoint" xmlns:com="http://schemas.openxmlformats.org/drawingml/2006/compatibility" xmlns:p14="http://schemas.microsoft.com/office/powerpoint/2010/main" xmlns:p15="http://schemas.microsoft.com/office/powerpoint/2012/main" xmlns:ahyp="http://schemas.microsoft.com/office/drawing/2018/hyperlinkcolor" showMasterPhAnim="0" showMasterSp="0">
+  <p:cSld>
+    <p:spTree>
+      <p:nvGrpSpPr>
+        <p:cNvPr id="157" name="Shape 157"/>
+        <p:cNvGrpSpPr/>
+        <p:nvPr/>
+      </p:nvGrpSpPr>
+      <p:grpSpPr>
+        <a:xfrm>
+          <a:off x="0" y="0"/>
+          <a:ext cx="0" cy="0"/>
+          <a:chOff x="0" y="0"/>
+          <a:chExt cx="0" cy="0"/>
+        </a:xfrm>
+      </p:grpSpPr>
+      <p:sp>
+        <p:nvSpPr>
+          <p:cNvPr id="158" name="Google Shape;158;gad81259c5e_0_50:notes"/>
+          <p:cNvSpPr/>
+          <p:nvPr>
+            <p:ph idx="2" type="sldImg"/>
+          </p:nvPr>
+        </p:nvSpPr>
+        <p:spPr>
+          <a:xfrm>
+            <a:off x="381300" y="685800"/>
+            <a:ext cx="6096000" cy="3429000"/>
+          </a:xfrm>
+          <a:custGeom>
+            <a:rect b="b" l="l" r="r" t="t"/>
+            <a:pathLst>
+              <a:path extrusionOk="0" h="120000" w="120000">
+                <a:moveTo>
+                  <a:pt x="0" y="0"/>
+                </a:moveTo>
+                <a:lnTo>
+                  <a:pt x="120000" y="0"/>
+                </a:lnTo>
+                <a:lnTo>
+                  <a:pt x="120000" y="120000"/>
+                </a:lnTo>
+                <a:lnTo>
+                  <a:pt x="0" y="120000"/>
+                </a:lnTo>
+                <a:close/>
+              </a:path>
+            </a:pathLst>
+          </a:custGeom>
+        </p:spPr>
+      </p:sp>
+      <p:sp>
+        <p:nvSpPr>
+          <p:cNvPr id="159" name="Google Shape;159;gad81259c5e_0_50:notes"/>
+          <p:cNvSpPr txBox="1"/>
+          <p:nvPr>
+            <p:ph idx="1" type="body"/>
+          </p:nvPr>
+        </p:nvSpPr>
+        <p:spPr>
+          <a:xfrm>
+            <a:off x="685800" y="4343400"/>
+            <a:ext cx="5486400" cy="4114800"/>
+          </a:xfrm>
+          <a:prstGeom prst="rect">
+            <a:avLst/>
+          </a:prstGeom>
+        </p:spPr>
+        <p:txBody>
+          <a:bodyPr anchorCtr="0" anchor="t" bIns="91425" lIns="91425" spcFirstLastPara="1" rIns="91425" wrap="square" tIns="91425">
+            <a:noAutofit/>
+          </a:bodyPr>
+          <a:lstStyle/>
+          <a:p>
+            <a:pPr indent="0" lvl="0" marL="0" rtl="0" algn="l">
+              <a:spcBef>
+                <a:spcPts val="0"/>
+              </a:spcBef>
+              <a:spcAft>
+                <a:spcPts val="0"/>
+              </a:spcAft>
+              <a:buNone/>
+            </a:pPr>
+            <a:r>
+              <a:rPr lang="ru"/>
+              <a:t>Like many type systems, GraphQL supports interfaces. An Interface is an abstract type that includes a certain set of fields that a type must include to implement the interface.</a:t>
+            </a:r>
+            <a:endParaRPr/>
+          </a:p>
+        </p:txBody>
+      </p:sp>
+    </p:spTree>
+  </p:cSld>
+  <p:clrMapOvr>
+    <a:masterClrMapping/>
+  </p:clrMapOvr>
+</p:notes>
+</file>
+
+<file path=ppt/notesSlides/notesSlide18.xml><?xml version="1.0" encoding="utf-8"?>
+<p:notes xmlns:a="http://schemas.openxmlformats.org/drawingml/2006/main" xmlns:r="http://schemas.openxmlformats.org/officeDocument/2006/relationships" xmlns:mc="http://schemas.openxmlformats.org/markup-compatibility/2006" xmlns:mv="urn:schemas-microsoft-com:mac:vml" xmlns:p="http://schemas.openxmlformats.org/presentationml/2006/main" xmlns:c="http://schemas.openxmlformats.org/drawingml/2006/chart" xmlns:dgm="http://schemas.openxmlformats.org/drawingml/2006/diagram" xmlns:o="urn:schemas-microsoft-com:office:office" xmlns:v="urn:schemas-microsoft-com:vml" xmlns:pvml="urn:schemas-microsoft-com:office:powerpoint" xmlns:com="http://schemas.openxmlformats.org/drawingml/2006/compatibility" xmlns:p14="http://schemas.microsoft.com/office/powerpoint/2010/main" xmlns:p15="http://schemas.microsoft.com/office/powerpoint/2012/main" xmlns:ahyp="http://schemas.microsoft.com/office/drawing/2018/hyperlinkcolor" showMasterPhAnim="0" showMasterSp="0">
+  <p:cSld>
+    <p:spTree>
+      <p:nvGrpSpPr>
+        <p:cNvPr id="164" name="Shape 164"/>
+        <p:cNvGrpSpPr/>
+        <p:nvPr/>
+      </p:nvGrpSpPr>
+      <p:grpSpPr>
+        <a:xfrm>
+          <a:off x="0" y="0"/>
+          <a:ext cx="0" cy="0"/>
+          <a:chOff x="0" y="0"/>
+          <a:chExt cx="0" cy="0"/>
+        </a:xfrm>
+      </p:grpSpPr>
+      <p:sp>
+        <p:nvSpPr>
+          <p:cNvPr id="165" name="Google Shape;165;gad81259c5e_0_62:notes"/>
+          <p:cNvSpPr/>
+          <p:nvPr>
+            <p:ph idx="2" type="sldImg"/>
+          </p:nvPr>
+        </p:nvSpPr>
+        <p:spPr>
+          <a:xfrm>
+            <a:off x="381300" y="685800"/>
+            <a:ext cx="6096000" cy="3429000"/>
+          </a:xfrm>
+          <a:custGeom>
+            <a:rect b="b" l="l" r="r" t="t"/>
+            <a:pathLst>
+              <a:path extrusionOk="0" h="120000" w="120000">
+                <a:moveTo>
+                  <a:pt x="0" y="0"/>
+                </a:moveTo>
+                <a:lnTo>
+                  <a:pt x="120000" y="0"/>
+                </a:lnTo>
+                <a:lnTo>
+                  <a:pt x="120000" y="120000"/>
+                </a:lnTo>
+                <a:lnTo>
+                  <a:pt x="0" y="120000"/>
+                </a:lnTo>
+                <a:close/>
+              </a:path>
+            </a:pathLst>
+          </a:custGeom>
+        </p:spPr>
+      </p:sp>
+      <p:sp>
+        <p:nvSpPr>
+          <p:cNvPr id="166" name="Google Shape;166;gad81259c5e_0_62:notes"/>
+          <p:cNvSpPr txBox="1"/>
+          <p:nvPr>
+            <p:ph idx="1" type="body"/>
+          </p:nvPr>
+        </p:nvSpPr>
+        <p:spPr>
+          <a:xfrm>
+            <a:off x="685800" y="4343400"/>
+            <a:ext cx="5486400" cy="4114800"/>
+          </a:xfrm>
+          <a:prstGeom prst="rect">
+            <a:avLst/>
+          </a:prstGeom>
+        </p:spPr>
+        <p:txBody>
+          <a:bodyPr anchorCtr="0" anchor="t" bIns="91425" lIns="91425" spcFirstLastPara="1" rIns="91425" wrap="square" tIns="91425">
+            <a:noAutofit/>
+          </a:bodyPr>
+          <a:lstStyle/>
+          <a:p>
+            <a:pPr indent="0" lvl="0" marL="0" rtl="0" algn="l">
+              <a:spcBef>
+                <a:spcPts val="0"/>
+              </a:spcBef>
+              <a:spcAft>
+                <a:spcPts val="0"/>
+              </a:spcAft>
+              <a:buNone/>
+            </a:pPr>
+            <a:r>
+              <a:t/>
+            </a:r>
+            <a:endParaRPr/>
+          </a:p>
+        </p:txBody>
+      </p:sp>
+    </p:spTree>
+  </p:cSld>
+  <p:clrMapOvr>
+    <a:masterClrMapping/>
+  </p:clrMapOvr>
+</p:notes>
+</file>
+
+<file path=ppt/notesSlides/notesSlide19.xml><?xml version="1.0" encoding="utf-8"?>
+<p:notes xmlns:a="http://schemas.openxmlformats.org/drawingml/2006/main" xmlns:r="http://schemas.openxmlformats.org/officeDocument/2006/relationships" xmlns:mc="http://schemas.openxmlformats.org/markup-compatibility/2006" xmlns:mv="urn:schemas-microsoft-com:mac:vml" xmlns:p="http://schemas.openxmlformats.org/presentationml/2006/main" xmlns:c="http://schemas.openxmlformats.org/drawingml/2006/chart" xmlns:dgm="http://schemas.openxmlformats.org/drawingml/2006/diagram" xmlns:o="urn:schemas-microsoft-com:office:office" xmlns:v="urn:schemas-microsoft-com:vml" xmlns:pvml="urn:schemas-microsoft-com:office:powerpoint" xmlns:com="http://schemas.openxmlformats.org/drawingml/2006/compatibility" xmlns:p14="http://schemas.microsoft.com/office/powerpoint/2010/main" xmlns:p15="http://schemas.microsoft.com/office/powerpoint/2012/main" xmlns:ahyp="http://schemas.microsoft.com/office/drawing/2018/hyperlinkcolor" showMasterPhAnim="0" showMasterSp="0">
+  <p:cSld>
+    <p:spTree>
+      <p:nvGrpSpPr>
+        <p:cNvPr id="171" name="Shape 171"/>
+        <p:cNvGrpSpPr/>
+        <p:nvPr/>
+      </p:nvGrpSpPr>
+      <p:grpSpPr>
+        <a:xfrm>
+          <a:off x="0" y="0"/>
+          <a:ext cx="0" cy="0"/>
+          <a:chOff x="0" y="0"/>
+          <a:chExt cx="0" cy="0"/>
+        </a:xfrm>
+      </p:grpSpPr>
+      <p:sp>
+        <p:nvSpPr>
+          <p:cNvPr id="172" name="Google Shape;172;gad81259c5e_0_73:notes"/>
+          <p:cNvSpPr/>
+          <p:nvPr>
+            <p:ph idx="2" type="sldImg"/>
+          </p:nvPr>
+        </p:nvSpPr>
+        <p:spPr>
+          <a:xfrm>
+            <a:off x="381300" y="685800"/>
+            <a:ext cx="6096000" cy="3429000"/>
+          </a:xfrm>
+          <a:custGeom>
+            <a:rect b="b" l="l" r="r" t="t"/>
+            <a:pathLst>
+              <a:path extrusionOk="0" h="120000" w="120000">
+                <a:moveTo>
+                  <a:pt x="0" y="0"/>
+                </a:moveTo>
+                <a:lnTo>
+                  <a:pt x="120000" y="0"/>
+                </a:lnTo>
+                <a:lnTo>
+                  <a:pt x="120000" y="120000"/>
+                </a:lnTo>
+                <a:lnTo>
+                  <a:pt x="0" y="120000"/>
+                </a:lnTo>
+                <a:close/>
+              </a:path>
+            </a:pathLst>
+          </a:custGeom>
+        </p:spPr>
+      </p:sp>
+      <p:sp>
+        <p:nvSpPr>
+          <p:cNvPr id="173" name="Google Shape;173;gad81259c5e_0_73:notes"/>
+          <p:cNvSpPr txBox="1"/>
+          <p:nvPr>
+            <p:ph idx="1" type="body"/>
+          </p:nvPr>
+        </p:nvSpPr>
+        <p:spPr>
+          <a:xfrm>
+            <a:off x="685800" y="4343400"/>
+            <a:ext cx="5486400" cy="4114800"/>
+          </a:xfrm>
+          <a:prstGeom prst="rect">
+            <a:avLst/>
+          </a:prstGeom>
+        </p:spPr>
+        <p:txBody>
+          <a:bodyPr anchorCtr="0" anchor="t" bIns="91425" lIns="91425" spcFirstLastPara="1" rIns="91425" wrap="square" tIns="91425">
+            <a:noAutofit/>
+          </a:bodyPr>
+          <a:lstStyle/>
+          <a:p>
+            <a:pPr indent="0" lvl="0" marL="0" rtl="0" algn="l">
+              <a:spcBef>
+                <a:spcPts val="0"/>
+              </a:spcBef>
+              <a:spcAft>
+                <a:spcPts val="0"/>
+              </a:spcAft>
+              <a:buNone/>
+            </a:pPr>
+            <a:r>
+              <a:rPr lang="ru"/>
+              <a:t>So far, we've only talked about passing scalar values, like enums or strings, as arguments into a field. But you can also easily pass complex objects. This is particularly valuable in the case of mutations, where you might want to pass in a whole object to be created. In the GraphQL schema language, input types look exactly the same as regular object types, but with the keyword input instead of type:</a:t>
+            </a:r>
+            <a:endParaRPr/>
+          </a:p>
+          <a:p>
+            <a:pPr indent="0" lvl="0" marL="0" rtl="0" algn="l">
+              <a:spcBef>
+                <a:spcPts val="0"/>
+              </a:spcBef>
+              <a:spcAft>
+                <a:spcPts val="0"/>
+              </a:spcAft>
+              <a:buNone/>
+            </a:pPr>
+            <a:r>
+              <a:t/>
+            </a:r>
+            <a:endParaRPr/>
+          </a:p>
+          <a:p>
+            <a:pPr indent="0" lvl="0" marL="0" rtl="0" algn="l">
+              <a:spcBef>
+                <a:spcPts val="0"/>
+              </a:spcBef>
+              <a:spcAft>
+                <a:spcPts val="0"/>
+              </a:spcAft>
+              <a:buNone/>
+            </a:pPr>
+            <a:r>
+              <a:rPr lang="ru"/>
+              <a:t>The fields on an input object type can themselves refer to input object types, but you can't mix input and output types in your schema. Input object types also can't have arguments on their fields.</a:t>
+            </a:r>
+            <a:endParaRPr/>
+          </a:p>
+        </p:txBody>
+      </p:sp>
+    </p:spTree>
+  </p:cSld>
+  <p:clrMapOvr>
+    <a:masterClrMapping/>
+  </p:clrMapOvr>
+</p:notes>
+</file>
+
 <file path=ppt/notesSlides/notesSlide2.xml><?xml version="1.0" encoding="utf-8"?>
 <p:notes xmlns:a="http://schemas.openxmlformats.org/drawingml/2006/main" xmlns:r="http://schemas.openxmlformats.org/officeDocument/2006/relationships" xmlns:mc="http://schemas.openxmlformats.org/markup-compatibility/2006" xmlns:mv="urn:schemas-microsoft-com:mac:vml" xmlns:p="http://schemas.openxmlformats.org/presentationml/2006/main" xmlns:c="http://schemas.openxmlformats.org/drawingml/2006/chart" xmlns:dgm="http://schemas.openxmlformats.org/drawingml/2006/diagram" xmlns:o="urn:schemas-microsoft-com:office:office" xmlns:v="urn:schemas-microsoft-com:vml" xmlns:pvml="urn:schemas-microsoft-com:office:powerpoint" xmlns:com="http://schemas.openxmlformats.org/drawingml/2006/compatibility" xmlns:p14="http://schemas.microsoft.com/office/powerpoint/2010/main" xmlns:p15="http://schemas.microsoft.com/office/powerpoint/2012/main" xmlns:ahyp="http://schemas.microsoft.com/office/drawing/2018/hyperlinkcolor" showMasterPhAnim="0" showMasterSp="0">
   <p:cSld>
@@ -1818,6 +2818,320 @@
             </a:pPr>
             <a:r>
               <a:t/>
+            </a:r>
+            <a:endParaRPr/>
+          </a:p>
+        </p:txBody>
+      </p:sp>
+    </p:spTree>
+  </p:cSld>
+  <p:clrMapOvr>
+    <a:masterClrMapping/>
+  </p:clrMapOvr>
+</p:notes>
+</file>
+
+<file path=ppt/notesSlides/notesSlide20.xml><?xml version="1.0" encoding="utf-8"?>
+<p:notes xmlns:a="http://schemas.openxmlformats.org/drawingml/2006/main" xmlns:r="http://schemas.openxmlformats.org/officeDocument/2006/relationships" xmlns:mc="http://schemas.openxmlformats.org/markup-compatibility/2006" xmlns:mv="urn:schemas-microsoft-com:mac:vml" xmlns:p="http://schemas.openxmlformats.org/presentationml/2006/main" xmlns:c="http://schemas.openxmlformats.org/drawingml/2006/chart" xmlns:dgm="http://schemas.openxmlformats.org/drawingml/2006/diagram" xmlns:o="urn:schemas-microsoft-com:office:office" xmlns:v="urn:schemas-microsoft-com:vml" xmlns:pvml="urn:schemas-microsoft-com:office:powerpoint" xmlns:com="http://schemas.openxmlformats.org/drawingml/2006/compatibility" xmlns:p14="http://schemas.microsoft.com/office/powerpoint/2010/main" xmlns:p15="http://schemas.microsoft.com/office/powerpoint/2012/main" xmlns:ahyp="http://schemas.microsoft.com/office/drawing/2018/hyperlinkcolor" showMasterPhAnim="0" showMasterSp="0">
+  <p:cSld>
+    <p:spTree>
+      <p:nvGrpSpPr>
+        <p:cNvPr id="178" name="Shape 178"/>
+        <p:cNvGrpSpPr/>
+        <p:nvPr/>
+      </p:nvGrpSpPr>
+      <p:grpSpPr>
+        <a:xfrm>
+          <a:off x="0" y="0"/>
+          <a:ext cx="0" cy="0"/>
+          <a:chOff x="0" y="0"/>
+          <a:chExt cx="0" cy="0"/>
+        </a:xfrm>
+      </p:grpSpPr>
+      <p:sp>
+        <p:nvSpPr>
+          <p:cNvPr id="179" name="Google Shape;179;gad81259c5e_0_84:notes"/>
+          <p:cNvSpPr/>
+          <p:nvPr>
+            <p:ph idx="2" type="sldImg"/>
+          </p:nvPr>
+        </p:nvSpPr>
+        <p:spPr>
+          <a:xfrm>
+            <a:off x="381300" y="685800"/>
+            <a:ext cx="6096000" cy="3429000"/>
+          </a:xfrm>
+          <a:custGeom>
+            <a:rect b="b" l="l" r="r" t="t"/>
+            <a:pathLst>
+              <a:path extrusionOk="0" h="120000" w="120000">
+                <a:moveTo>
+                  <a:pt x="0" y="0"/>
+                </a:moveTo>
+                <a:lnTo>
+                  <a:pt x="120000" y="0"/>
+                </a:lnTo>
+                <a:lnTo>
+                  <a:pt x="120000" y="120000"/>
+                </a:lnTo>
+                <a:lnTo>
+                  <a:pt x="0" y="120000"/>
+                </a:lnTo>
+                <a:close/>
+              </a:path>
+            </a:pathLst>
+          </a:custGeom>
+        </p:spPr>
+      </p:sp>
+      <p:sp>
+        <p:nvSpPr>
+          <p:cNvPr id="180" name="Google Shape;180;gad81259c5e_0_84:notes"/>
+          <p:cNvSpPr txBox="1"/>
+          <p:nvPr>
+            <p:ph idx="1" type="body"/>
+          </p:nvPr>
+        </p:nvSpPr>
+        <p:spPr>
+          <a:xfrm>
+            <a:off x="685800" y="4343400"/>
+            <a:ext cx="5486400" cy="4114800"/>
+          </a:xfrm>
+          <a:prstGeom prst="rect">
+            <a:avLst/>
+          </a:prstGeom>
+        </p:spPr>
+        <p:txBody>
+          <a:bodyPr anchorCtr="0" anchor="t" bIns="91425" lIns="91425" spcFirstLastPara="1" rIns="91425" wrap="square" tIns="91425">
+            <a:noAutofit/>
+          </a:bodyPr>
+          <a:lstStyle/>
+          <a:p>
+            <a:pPr indent="-298450" lvl="0" marL="457200" rtl="0" algn="l">
+              <a:spcBef>
+                <a:spcPts val="0"/>
+              </a:spcBef>
+              <a:spcAft>
+                <a:spcPts val="0"/>
+              </a:spcAft>
+              <a:buSzPts val="1100"/>
+              <a:buAutoNum type="arabicParenR"/>
+            </a:pPr>
+            <a:r>
+              <a:rPr lang="ru"/>
+              <a:t>obj The previous object, which for a field on the root Query type is often not used.</a:t>
+            </a:r>
+            <a:endParaRPr/>
+          </a:p>
+          <a:p>
+            <a:pPr indent="-298450" lvl="0" marL="457200" rtl="0" algn="l">
+              <a:spcBef>
+                <a:spcPts val="0"/>
+              </a:spcBef>
+              <a:spcAft>
+                <a:spcPts val="0"/>
+              </a:spcAft>
+              <a:buSzPts val="1100"/>
+              <a:buAutoNum type="arabicParenR"/>
+            </a:pPr>
+            <a:r>
+              <a:rPr lang="ru"/>
+              <a:t>args The arguments provided to the field in the GraphQL query.</a:t>
+            </a:r>
+            <a:endParaRPr/>
+          </a:p>
+          <a:p>
+            <a:pPr indent="-298450" lvl="0" marL="457200" rtl="0" algn="l">
+              <a:spcBef>
+                <a:spcPts val="0"/>
+              </a:spcBef>
+              <a:spcAft>
+                <a:spcPts val="0"/>
+              </a:spcAft>
+              <a:buSzPts val="1100"/>
+              <a:buAutoNum type="arabicParenR"/>
+            </a:pPr>
+            <a:r>
+              <a:rPr lang="ru"/>
+              <a:t>context A value which is provided to every resolver and holds important contextual information like the currently logged in user, or access to a database.</a:t>
+            </a:r>
+            <a:endParaRPr/>
+          </a:p>
+          <a:p>
+            <a:pPr indent="-298450" lvl="0" marL="457200" rtl="0" algn="l">
+              <a:spcBef>
+                <a:spcPts val="0"/>
+              </a:spcBef>
+              <a:spcAft>
+                <a:spcPts val="0"/>
+              </a:spcAft>
+              <a:buSzPts val="1100"/>
+              <a:buAutoNum type="arabicParenR"/>
+            </a:pPr>
+            <a:r>
+              <a:rPr lang="ru"/>
+              <a:t>info A value which holds field-specific information relevant to the current query as well as the schema details, also refer to type GraphQLResolveInfo for more details.</a:t>
+            </a:r>
+            <a:endParaRPr/>
+          </a:p>
+        </p:txBody>
+      </p:sp>
+    </p:spTree>
+  </p:cSld>
+  <p:clrMapOvr>
+    <a:masterClrMapping/>
+  </p:clrMapOvr>
+</p:notes>
+</file>
+
+<file path=ppt/notesSlides/notesSlide21.xml><?xml version="1.0" encoding="utf-8"?>
+<p:notes xmlns:a="http://schemas.openxmlformats.org/drawingml/2006/main" xmlns:r="http://schemas.openxmlformats.org/officeDocument/2006/relationships" xmlns:mc="http://schemas.openxmlformats.org/markup-compatibility/2006" xmlns:mv="urn:schemas-microsoft-com:mac:vml" xmlns:p="http://schemas.openxmlformats.org/presentationml/2006/main" xmlns:c="http://schemas.openxmlformats.org/drawingml/2006/chart" xmlns:dgm="http://schemas.openxmlformats.org/drawingml/2006/diagram" xmlns:o="urn:schemas-microsoft-com:office:office" xmlns:v="urn:schemas-microsoft-com:vml" xmlns:pvml="urn:schemas-microsoft-com:office:powerpoint" xmlns:com="http://schemas.openxmlformats.org/drawingml/2006/compatibility" xmlns:p14="http://schemas.microsoft.com/office/powerpoint/2010/main" xmlns:p15="http://schemas.microsoft.com/office/powerpoint/2012/main" xmlns:ahyp="http://schemas.microsoft.com/office/drawing/2018/hyperlinkcolor" showMasterPhAnim="0" showMasterSp="0">
+  <p:cSld>
+    <p:spTree>
+      <p:nvGrpSpPr>
+        <p:cNvPr id="184" name="Shape 184"/>
+        <p:cNvGrpSpPr/>
+        <p:nvPr/>
+      </p:nvGrpSpPr>
+      <p:grpSpPr>
+        <a:xfrm>
+          <a:off x="0" y="0"/>
+          <a:ext cx="0" cy="0"/>
+          <a:chOff x="0" y="0"/>
+          <a:chExt cx="0" cy="0"/>
+        </a:xfrm>
+      </p:grpSpPr>
+      <p:sp>
+        <p:nvSpPr>
+          <p:cNvPr id="185" name="Google Shape;185;gad81259c5e_0_96:notes"/>
+          <p:cNvSpPr/>
+          <p:nvPr>
+            <p:ph idx="2" type="sldImg"/>
+          </p:nvPr>
+        </p:nvSpPr>
+        <p:spPr>
+          <a:xfrm>
+            <a:off x="381300" y="685800"/>
+            <a:ext cx="6096000" cy="3429000"/>
+          </a:xfrm>
+          <a:custGeom>
+            <a:rect b="b" l="l" r="r" t="t"/>
+            <a:pathLst>
+              <a:path extrusionOk="0" h="120000" w="120000">
+                <a:moveTo>
+                  <a:pt x="0" y="0"/>
+                </a:moveTo>
+                <a:lnTo>
+                  <a:pt x="120000" y="0"/>
+                </a:lnTo>
+                <a:lnTo>
+                  <a:pt x="120000" y="120000"/>
+                </a:lnTo>
+                <a:lnTo>
+                  <a:pt x="0" y="120000"/>
+                </a:lnTo>
+                <a:close/>
+              </a:path>
+            </a:pathLst>
+          </a:custGeom>
+        </p:spPr>
+      </p:sp>
+      <p:sp>
+        <p:nvSpPr>
+          <p:cNvPr id="186" name="Google Shape;186;gad81259c5e_0_96:notes"/>
+          <p:cNvSpPr txBox="1"/>
+          <p:nvPr>
+            <p:ph idx="1" type="body"/>
+          </p:nvPr>
+        </p:nvSpPr>
+        <p:spPr>
+          <a:xfrm>
+            <a:off x="685800" y="4343400"/>
+            <a:ext cx="5486400" cy="4114800"/>
+          </a:xfrm>
+          <a:prstGeom prst="rect">
+            <a:avLst/>
+          </a:prstGeom>
+        </p:spPr>
+        <p:txBody>
+          <a:bodyPr anchorCtr="0" anchor="t" bIns="91425" lIns="91425" spcFirstLastPara="1" rIns="91425" wrap="square" tIns="91425">
+            <a:noAutofit/>
+          </a:bodyPr>
+          <a:lstStyle/>
+          <a:p>
+            <a:pPr indent="0" lvl="0" marL="0" rtl="0" algn="l">
+              <a:spcBef>
+                <a:spcPts val="0"/>
+              </a:spcBef>
+              <a:spcAft>
+                <a:spcPts val="0"/>
+              </a:spcAft>
+              <a:buNone/>
+            </a:pPr>
+            <a:r>
+              <a:rPr lang="ru"/>
+              <a:t>A GraphQL server is powered by a type system which is used to determine what to do next. Even before the human field returns anything, GraphQL knows that the next step will be to resolve fields on the Human type since the type system tells it that the human field will return a Human.</a:t>
+            </a:r>
+            <a:endParaRPr/>
+          </a:p>
+          <a:p>
+            <a:pPr indent="0" lvl="0" marL="0" rtl="0" algn="l">
+              <a:spcBef>
+                <a:spcPts val="0"/>
+              </a:spcBef>
+              <a:spcAft>
+                <a:spcPts val="0"/>
+              </a:spcAft>
+              <a:buNone/>
+            </a:pPr>
+            <a:r>
+              <a:t/>
+            </a:r>
+            <a:endParaRPr/>
+          </a:p>
+          <a:p>
+            <a:pPr indent="0" lvl="0" marL="0" rtl="0" algn="l">
+              <a:spcBef>
+                <a:spcPts val="0"/>
+              </a:spcBef>
+              <a:spcAft>
+                <a:spcPts val="0"/>
+              </a:spcAft>
+              <a:buNone/>
+            </a:pPr>
+            <a:r>
+              <a:rPr lang="ru"/>
+              <a:t>Resolving the name in this case is very straight-forward. The name resolver function is called and the obj argument is the new Human object returned from the previous field. In this case, we expect that Human object to have a name property which we can read and return directly.</a:t>
+            </a:r>
+            <a:endParaRPr/>
+          </a:p>
+          <a:p>
+            <a:pPr indent="0" lvl="0" marL="0" rtl="0" algn="l">
+              <a:spcBef>
+                <a:spcPts val="0"/>
+              </a:spcBef>
+              <a:spcAft>
+                <a:spcPts val="0"/>
+              </a:spcAft>
+              <a:buNone/>
+            </a:pPr>
+            <a:r>
+              <a:t/>
+            </a:r>
+            <a:endParaRPr/>
+          </a:p>
+          <a:p>
+            <a:pPr indent="0" lvl="0" marL="0" rtl="0" algn="l">
+              <a:spcBef>
+                <a:spcPts val="0"/>
+              </a:spcBef>
+              <a:spcAft>
+                <a:spcPts val="0"/>
+              </a:spcAft>
+              <a:buNone/>
+            </a:pPr>
+            <a:r>
+              <a:rPr lang="ru"/>
+              <a:t>In fact, many GraphQL libraries will let you omit resolvers this simple and will just assume that if a resolver isn't provided for a field, that a property of the same name should be read and returned.</a:t>
             </a:r>
             <a:endParaRPr/>
           </a:p>
@@ -10321,6 +11635,3711 @@
 </p:sld>
 </file>
 
+<file path=ppt/slides/slide15.xml><?xml version="1.0" encoding="utf-8"?>
+<p:sld xmlns:a="http://schemas.openxmlformats.org/drawingml/2006/main" xmlns:r="http://schemas.openxmlformats.org/officeDocument/2006/relationships" xmlns:mc="http://schemas.openxmlformats.org/markup-compatibility/2006" xmlns:mv="urn:schemas-microsoft-com:mac:vml" xmlns:p="http://schemas.openxmlformats.org/presentationml/2006/main" xmlns:c="http://schemas.openxmlformats.org/drawingml/2006/chart" xmlns:dgm="http://schemas.openxmlformats.org/drawingml/2006/diagram" xmlns:o="urn:schemas-microsoft-com:office:office" xmlns:v="urn:schemas-microsoft-com:vml" xmlns:pvml="urn:schemas-microsoft-com:office:powerpoint" xmlns:com="http://schemas.openxmlformats.org/drawingml/2006/compatibility" xmlns:p14="http://schemas.microsoft.com/office/powerpoint/2010/main" xmlns:p15="http://schemas.microsoft.com/office/powerpoint/2012/main" xmlns:ahyp="http://schemas.microsoft.com/office/drawing/2018/hyperlinkcolor">
+  <p:cSld>
+    <p:spTree>
+      <p:nvGrpSpPr>
+        <p:cNvPr id="147" name="Shape 147"/>
+        <p:cNvGrpSpPr/>
+        <p:nvPr/>
+      </p:nvGrpSpPr>
+      <p:grpSpPr>
+        <a:xfrm>
+          <a:off x="0" y="0"/>
+          <a:ext cx="0" cy="0"/>
+          <a:chOff x="0" y="0"/>
+          <a:chExt cx="0" cy="0"/>
+        </a:xfrm>
+      </p:grpSpPr>
+      <p:sp>
+        <p:nvSpPr>
+          <p:cNvPr id="148" name="Google Shape;148;p27"/>
+          <p:cNvSpPr txBox="1"/>
+          <p:nvPr>
+            <p:ph type="title"/>
+          </p:nvPr>
+        </p:nvSpPr>
+        <p:spPr>
+          <a:xfrm>
+            <a:off x="311700" y="445025"/>
+            <a:ext cx="8520600" cy="572700"/>
+          </a:xfrm>
+          <a:prstGeom prst="rect">
+            <a:avLst/>
+          </a:prstGeom>
+        </p:spPr>
+        <p:txBody>
+          <a:bodyPr anchorCtr="0" anchor="t" bIns="91425" lIns="91425" spcFirstLastPara="1" rIns="91425" wrap="square" tIns="91425">
+            <a:noAutofit/>
+          </a:bodyPr>
+          <a:lstStyle/>
+          <a:p>
+            <a:pPr indent="0" lvl="0" marL="0" rtl="0" algn="l">
+              <a:spcBef>
+                <a:spcPts val="0"/>
+              </a:spcBef>
+              <a:spcAft>
+                <a:spcPts val="0"/>
+              </a:spcAft>
+              <a:buNone/>
+            </a:pPr>
+            <a:r>
+              <a:rPr lang="ru"/>
+              <a:t>Enumeration types</a:t>
+            </a:r>
+            <a:endParaRPr/>
+          </a:p>
+        </p:txBody>
+      </p:sp>
+      <p:sp>
+        <p:nvSpPr>
+          <p:cNvPr id="149" name="Google Shape;149;p27"/>
+          <p:cNvSpPr txBox="1"/>
+          <p:nvPr/>
+        </p:nvSpPr>
+        <p:spPr>
+          <a:xfrm>
+            <a:off x="311700" y="1071750"/>
+            <a:ext cx="3000000" cy="3000000"/>
+          </a:xfrm>
+          <a:prstGeom prst="rect">
+            <a:avLst/>
+          </a:prstGeom>
+          <a:noFill/>
+          <a:ln>
+            <a:noFill/>
+          </a:ln>
+        </p:spPr>
+        <p:txBody>
+          <a:bodyPr anchorCtr="0" anchor="t" bIns="91425" lIns="91425" spcFirstLastPara="1" rIns="91425" wrap="square" tIns="91425">
+            <a:noAutofit/>
+          </a:bodyPr>
+          <a:lstStyle/>
+          <a:p>
+            <a:pPr indent="0" lvl="0" marL="101600" marR="101600" rtl="0" algn="l">
+              <a:lnSpc>
+                <a:spcPct val="127500"/>
+              </a:lnSpc>
+              <a:spcBef>
+                <a:spcPts val="1100"/>
+              </a:spcBef>
+              <a:spcAft>
+                <a:spcPts val="0"/>
+              </a:spcAft>
+              <a:buNone/>
+            </a:pPr>
+            <a:r>
+              <a:rPr lang="ru" sz="1600">
+                <a:solidFill>
+                  <a:srgbClr val="B11A04"/>
+                </a:solidFill>
+                <a:highlight>
+                  <a:srgbClr val="FFFFFF"/>
+                </a:highlight>
+                <a:latin typeface="Roboto Mono"/>
+                <a:ea typeface="Roboto Mono"/>
+                <a:cs typeface="Roboto Mono"/>
+                <a:sym typeface="Roboto Mono"/>
+              </a:rPr>
+              <a:t>enum</a:t>
+            </a:r>
+            <a:r>
+              <a:rPr lang="ru" sz="1600">
+                <a:solidFill>
+                  <a:srgbClr val="202020"/>
+                </a:solidFill>
+                <a:highlight>
+                  <a:srgbClr val="FFFFFF"/>
+                </a:highlight>
+                <a:latin typeface="Roboto Mono"/>
+                <a:ea typeface="Roboto Mono"/>
+                <a:cs typeface="Roboto Mono"/>
+                <a:sym typeface="Roboto Mono"/>
+              </a:rPr>
+              <a:t> Episode </a:t>
+            </a:r>
+            <a:r>
+              <a:rPr lang="ru" sz="1600">
+                <a:solidFill>
+                  <a:srgbClr val="555555"/>
+                </a:solidFill>
+                <a:highlight>
+                  <a:srgbClr val="FFFFFF"/>
+                </a:highlight>
+                <a:latin typeface="Roboto Mono"/>
+                <a:ea typeface="Roboto Mono"/>
+                <a:cs typeface="Roboto Mono"/>
+                <a:sym typeface="Roboto Mono"/>
+              </a:rPr>
+              <a:t>{</a:t>
+            </a:r>
+            <a:endParaRPr sz="1600">
+              <a:solidFill>
+                <a:srgbClr val="555555"/>
+              </a:solidFill>
+              <a:highlight>
+                <a:srgbClr val="FFFFFF"/>
+              </a:highlight>
+              <a:latin typeface="Roboto Mono"/>
+              <a:ea typeface="Roboto Mono"/>
+              <a:cs typeface="Roboto Mono"/>
+              <a:sym typeface="Roboto Mono"/>
+            </a:endParaRPr>
+          </a:p>
+          <a:p>
+            <a:pPr indent="0" lvl="0" marL="101600" marR="101600" rtl="0" algn="l">
+              <a:lnSpc>
+                <a:spcPct val="127500"/>
+              </a:lnSpc>
+              <a:spcBef>
+                <a:spcPts val="1100"/>
+              </a:spcBef>
+              <a:spcAft>
+                <a:spcPts val="0"/>
+              </a:spcAft>
+              <a:buNone/>
+            </a:pPr>
+            <a:r>
+              <a:rPr lang="ru" sz="1600">
+                <a:solidFill>
+                  <a:srgbClr val="202020"/>
+                </a:solidFill>
+                <a:highlight>
+                  <a:srgbClr val="FFFFFF"/>
+                </a:highlight>
+                <a:latin typeface="Roboto Mono"/>
+                <a:ea typeface="Roboto Mono"/>
+                <a:cs typeface="Roboto Mono"/>
+                <a:sym typeface="Roboto Mono"/>
+              </a:rPr>
+              <a:t> NEWHOPE</a:t>
+            </a:r>
+            <a:endParaRPr sz="1600">
+              <a:solidFill>
+                <a:srgbClr val="202020"/>
+              </a:solidFill>
+              <a:highlight>
+                <a:srgbClr val="FFFFFF"/>
+              </a:highlight>
+              <a:latin typeface="Roboto Mono"/>
+              <a:ea typeface="Roboto Mono"/>
+              <a:cs typeface="Roboto Mono"/>
+              <a:sym typeface="Roboto Mono"/>
+            </a:endParaRPr>
+          </a:p>
+          <a:p>
+            <a:pPr indent="0" lvl="0" marL="101600" marR="101600" rtl="0" algn="l">
+              <a:lnSpc>
+                <a:spcPct val="127500"/>
+              </a:lnSpc>
+              <a:spcBef>
+                <a:spcPts val="1100"/>
+              </a:spcBef>
+              <a:spcAft>
+                <a:spcPts val="0"/>
+              </a:spcAft>
+              <a:buNone/>
+            </a:pPr>
+            <a:r>
+              <a:rPr lang="ru" sz="1600">
+                <a:solidFill>
+                  <a:srgbClr val="202020"/>
+                </a:solidFill>
+                <a:highlight>
+                  <a:srgbClr val="FFFFFF"/>
+                </a:highlight>
+                <a:latin typeface="Roboto Mono"/>
+                <a:ea typeface="Roboto Mono"/>
+                <a:cs typeface="Roboto Mono"/>
+                <a:sym typeface="Roboto Mono"/>
+              </a:rPr>
+              <a:t> EMPIRE</a:t>
+            </a:r>
+            <a:endParaRPr sz="1600">
+              <a:solidFill>
+                <a:srgbClr val="202020"/>
+              </a:solidFill>
+              <a:highlight>
+                <a:srgbClr val="FFFFFF"/>
+              </a:highlight>
+              <a:latin typeface="Roboto Mono"/>
+              <a:ea typeface="Roboto Mono"/>
+              <a:cs typeface="Roboto Mono"/>
+              <a:sym typeface="Roboto Mono"/>
+            </a:endParaRPr>
+          </a:p>
+          <a:p>
+            <a:pPr indent="0" lvl="0" marL="101600" marR="101600" rtl="0" algn="l">
+              <a:lnSpc>
+                <a:spcPct val="127500"/>
+              </a:lnSpc>
+              <a:spcBef>
+                <a:spcPts val="1100"/>
+              </a:spcBef>
+              <a:spcAft>
+                <a:spcPts val="0"/>
+              </a:spcAft>
+              <a:buNone/>
+            </a:pPr>
+            <a:r>
+              <a:rPr lang="ru" sz="1600">
+                <a:solidFill>
+                  <a:srgbClr val="202020"/>
+                </a:solidFill>
+                <a:highlight>
+                  <a:srgbClr val="FFFFFF"/>
+                </a:highlight>
+                <a:latin typeface="Roboto Mono"/>
+                <a:ea typeface="Roboto Mono"/>
+                <a:cs typeface="Roboto Mono"/>
+                <a:sym typeface="Roboto Mono"/>
+              </a:rPr>
+              <a:t> JEDI</a:t>
+            </a:r>
+            <a:endParaRPr sz="1600">
+              <a:solidFill>
+                <a:srgbClr val="202020"/>
+              </a:solidFill>
+              <a:highlight>
+                <a:srgbClr val="FFFFFF"/>
+              </a:highlight>
+              <a:latin typeface="Roboto Mono"/>
+              <a:ea typeface="Roboto Mono"/>
+              <a:cs typeface="Roboto Mono"/>
+              <a:sym typeface="Roboto Mono"/>
+            </a:endParaRPr>
+          </a:p>
+          <a:p>
+            <a:pPr indent="0" lvl="0" marL="101600" marR="101600" rtl="0" algn="l">
+              <a:lnSpc>
+                <a:spcPct val="127500"/>
+              </a:lnSpc>
+              <a:spcBef>
+                <a:spcPts val="1100"/>
+              </a:spcBef>
+              <a:spcAft>
+                <a:spcPts val="1100"/>
+              </a:spcAft>
+              <a:buNone/>
+            </a:pPr>
+            <a:r>
+              <a:rPr lang="ru" sz="1600">
+                <a:solidFill>
+                  <a:srgbClr val="555555"/>
+                </a:solidFill>
+                <a:highlight>
+                  <a:srgbClr val="FFFFFF"/>
+                </a:highlight>
+                <a:latin typeface="Roboto Mono"/>
+                <a:ea typeface="Roboto Mono"/>
+                <a:cs typeface="Roboto Mono"/>
+                <a:sym typeface="Roboto Mono"/>
+              </a:rPr>
+              <a:t>}</a:t>
+            </a:r>
+            <a:endParaRPr sz="1600">
+              <a:solidFill>
+                <a:srgbClr val="555555"/>
+              </a:solidFill>
+              <a:highlight>
+                <a:srgbClr val="FFFFFF"/>
+              </a:highlight>
+              <a:latin typeface="Roboto Mono"/>
+              <a:ea typeface="Roboto Mono"/>
+              <a:cs typeface="Roboto Mono"/>
+              <a:sym typeface="Roboto Mono"/>
+            </a:endParaRPr>
+          </a:p>
+        </p:txBody>
+      </p:sp>
+    </p:spTree>
+  </p:cSld>
+  <p:clrMapOvr>
+    <a:masterClrMapping/>
+  </p:clrMapOvr>
+</p:sld>
+</file>
+
+<file path=ppt/slides/slide16.xml><?xml version="1.0" encoding="utf-8"?>
+<p:sld xmlns:a="http://schemas.openxmlformats.org/drawingml/2006/main" xmlns:r="http://schemas.openxmlformats.org/officeDocument/2006/relationships" xmlns:mc="http://schemas.openxmlformats.org/markup-compatibility/2006" xmlns:mv="urn:schemas-microsoft-com:mac:vml" xmlns:p="http://schemas.openxmlformats.org/presentationml/2006/main" xmlns:c="http://schemas.openxmlformats.org/drawingml/2006/chart" xmlns:dgm="http://schemas.openxmlformats.org/drawingml/2006/diagram" xmlns:o="urn:schemas-microsoft-com:office:office" xmlns:v="urn:schemas-microsoft-com:vml" xmlns:pvml="urn:schemas-microsoft-com:office:powerpoint" xmlns:com="http://schemas.openxmlformats.org/drawingml/2006/compatibility" xmlns:p14="http://schemas.microsoft.com/office/powerpoint/2010/main" xmlns:p15="http://schemas.microsoft.com/office/powerpoint/2012/main" xmlns:ahyp="http://schemas.microsoft.com/office/drawing/2018/hyperlinkcolor">
+  <p:cSld>
+    <p:spTree>
+      <p:nvGrpSpPr>
+        <p:cNvPr id="153" name="Shape 153"/>
+        <p:cNvGrpSpPr/>
+        <p:nvPr/>
+      </p:nvGrpSpPr>
+      <p:grpSpPr>
+        <a:xfrm>
+          <a:off x="0" y="0"/>
+          <a:ext cx="0" cy="0"/>
+          <a:chOff x="0" y="0"/>
+          <a:chExt cx="0" cy="0"/>
+        </a:xfrm>
+      </p:grpSpPr>
+      <p:sp>
+        <p:nvSpPr>
+          <p:cNvPr id="154" name="Google Shape;154;p28"/>
+          <p:cNvSpPr txBox="1"/>
+          <p:nvPr>
+            <p:ph type="title"/>
+          </p:nvPr>
+        </p:nvSpPr>
+        <p:spPr>
+          <a:xfrm>
+            <a:off x="311700" y="445025"/>
+            <a:ext cx="8520600" cy="572700"/>
+          </a:xfrm>
+          <a:prstGeom prst="rect">
+            <a:avLst/>
+          </a:prstGeom>
+        </p:spPr>
+        <p:txBody>
+          <a:bodyPr anchorCtr="0" anchor="t" bIns="91425" lIns="91425" spcFirstLastPara="1" rIns="91425" wrap="square" tIns="91425">
+            <a:noAutofit/>
+          </a:bodyPr>
+          <a:lstStyle/>
+          <a:p>
+            <a:pPr indent="0" lvl="0" marL="0" rtl="0" algn="l">
+              <a:spcBef>
+                <a:spcPts val="0"/>
+              </a:spcBef>
+              <a:spcAft>
+                <a:spcPts val="0"/>
+              </a:spcAft>
+              <a:buNone/>
+            </a:pPr>
+            <a:r>
+              <a:rPr lang="ru"/>
+              <a:t>Lists and Non-Null</a:t>
+            </a:r>
+            <a:endParaRPr/>
+          </a:p>
+        </p:txBody>
+      </p:sp>
+      <p:sp>
+        <p:nvSpPr>
+          <p:cNvPr id="155" name="Google Shape;155;p28"/>
+          <p:cNvSpPr txBox="1"/>
+          <p:nvPr/>
+        </p:nvSpPr>
+        <p:spPr>
+          <a:xfrm>
+            <a:off x="311700" y="1017725"/>
+            <a:ext cx="3294000" cy="1895700"/>
+          </a:xfrm>
+          <a:prstGeom prst="rect">
+            <a:avLst/>
+          </a:prstGeom>
+          <a:noFill/>
+          <a:ln>
+            <a:noFill/>
+          </a:ln>
+        </p:spPr>
+        <p:txBody>
+          <a:bodyPr anchorCtr="0" anchor="t" bIns="91425" lIns="91425" spcFirstLastPara="1" rIns="91425" wrap="square" tIns="91425">
+            <a:noAutofit/>
+          </a:bodyPr>
+          <a:lstStyle/>
+          <a:p>
+            <a:pPr indent="0" lvl="0" marL="101600" marR="101600" rtl="0" algn="l">
+              <a:lnSpc>
+                <a:spcPct val="127500"/>
+              </a:lnSpc>
+              <a:spcBef>
+                <a:spcPts val="1100"/>
+              </a:spcBef>
+              <a:spcAft>
+                <a:spcPts val="0"/>
+              </a:spcAft>
+              <a:buNone/>
+            </a:pPr>
+            <a:r>
+              <a:rPr lang="ru" sz="1700">
+                <a:solidFill>
+                  <a:srgbClr val="B11A04"/>
+                </a:solidFill>
+                <a:highlight>
+                  <a:srgbClr val="FFFFFF"/>
+                </a:highlight>
+                <a:latin typeface="Roboto Mono"/>
+                <a:ea typeface="Roboto Mono"/>
+                <a:cs typeface="Roboto Mono"/>
+                <a:sym typeface="Roboto Mono"/>
+              </a:rPr>
+              <a:t>type</a:t>
+            </a:r>
+            <a:r>
+              <a:rPr lang="ru" sz="1700">
+                <a:solidFill>
+                  <a:srgbClr val="202020"/>
+                </a:solidFill>
+                <a:highlight>
+                  <a:srgbClr val="FFFFFF"/>
+                </a:highlight>
+                <a:latin typeface="Roboto Mono"/>
+                <a:ea typeface="Roboto Mono"/>
+                <a:cs typeface="Roboto Mono"/>
+                <a:sym typeface="Roboto Mono"/>
+              </a:rPr>
+              <a:t> Character </a:t>
+            </a:r>
+            <a:r>
+              <a:rPr lang="ru" sz="1700">
+                <a:solidFill>
+                  <a:srgbClr val="555555"/>
+                </a:solidFill>
+                <a:highlight>
+                  <a:srgbClr val="FFFFFF"/>
+                </a:highlight>
+                <a:latin typeface="Roboto Mono"/>
+                <a:ea typeface="Roboto Mono"/>
+                <a:cs typeface="Roboto Mono"/>
+                <a:sym typeface="Roboto Mono"/>
+              </a:rPr>
+              <a:t>{</a:t>
+            </a:r>
+            <a:endParaRPr sz="1700">
+              <a:solidFill>
+                <a:srgbClr val="555555"/>
+              </a:solidFill>
+              <a:highlight>
+                <a:srgbClr val="FFFFFF"/>
+              </a:highlight>
+              <a:latin typeface="Roboto Mono"/>
+              <a:ea typeface="Roboto Mono"/>
+              <a:cs typeface="Roboto Mono"/>
+              <a:sym typeface="Roboto Mono"/>
+            </a:endParaRPr>
+          </a:p>
+          <a:p>
+            <a:pPr indent="0" lvl="0" marL="101600" marR="101600" rtl="0" algn="l">
+              <a:lnSpc>
+                <a:spcPct val="127500"/>
+              </a:lnSpc>
+              <a:spcBef>
+                <a:spcPts val="1100"/>
+              </a:spcBef>
+              <a:spcAft>
+                <a:spcPts val="0"/>
+              </a:spcAft>
+              <a:buNone/>
+            </a:pPr>
+            <a:r>
+              <a:rPr lang="ru" sz="1700">
+                <a:solidFill>
+                  <a:srgbClr val="202020"/>
+                </a:solidFill>
+                <a:highlight>
+                  <a:srgbClr val="FFFFFF"/>
+                </a:highlight>
+                <a:latin typeface="Roboto Mono"/>
+                <a:ea typeface="Roboto Mono"/>
+                <a:cs typeface="Roboto Mono"/>
+                <a:sym typeface="Roboto Mono"/>
+              </a:rPr>
+              <a:t> </a:t>
+            </a:r>
+            <a:r>
+              <a:rPr lang="ru" sz="1700">
+                <a:solidFill>
+                  <a:srgbClr val="1F61A0"/>
+                </a:solidFill>
+                <a:highlight>
+                  <a:srgbClr val="FFFFFF"/>
+                </a:highlight>
+                <a:latin typeface="Roboto Mono"/>
+                <a:ea typeface="Roboto Mono"/>
+                <a:cs typeface="Roboto Mono"/>
+                <a:sym typeface="Roboto Mono"/>
+              </a:rPr>
+              <a:t>name</a:t>
+            </a:r>
+            <a:r>
+              <a:rPr lang="ru" sz="1700">
+                <a:solidFill>
+                  <a:srgbClr val="555555"/>
+                </a:solidFill>
+                <a:highlight>
+                  <a:srgbClr val="FFFFFF"/>
+                </a:highlight>
+                <a:latin typeface="Roboto Mono"/>
+                <a:ea typeface="Roboto Mono"/>
+                <a:cs typeface="Roboto Mono"/>
+                <a:sym typeface="Roboto Mono"/>
+              </a:rPr>
+              <a:t>:</a:t>
+            </a:r>
+            <a:r>
+              <a:rPr lang="ru" sz="1700">
+                <a:solidFill>
+                  <a:srgbClr val="202020"/>
+                </a:solidFill>
+                <a:highlight>
+                  <a:srgbClr val="FFFFFF"/>
+                </a:highlight>
+                <a:latin typeface="Roboto Mono"/>
+                <a:ea typeface="Roboto Mono"/>
+                <a:cs typeface="Roboto Mono"/>
+                <a:sym typeface="Roboto Mono"/>
+              </a:rPr>
+              <a:t> </a:t>
+            </a:r>
+            <a:r>
+              <a:rPr lang="ru" sz="1700">
+                <a:solidFill>
+                  <a:srgbClr val="CA9800"/>
+                </a:solidFill>
+                <a:highlight>
+                  <a:srgbClr val="FFFFFF"/>
+                </a:highlight>
+                <a:latin typeface="Roboto Mono"/>
+                <a:ea typeface="Roboto Mono"/>
+                <a:cs typeface="Roboto Mono"/>
+                <a:sym typeface="Roboto Mono"/>
+              </a:rPr>
+              <a:t>String</a:t>
+            </a:r>
+            <a:r>
+              <a:rPr lang="ru" sz="1700">
+                <a:solidFill>
+                  <a:srgbClr val="555555"/>
+                </a:solidFill>
+                <a:highlight>
+                  <a:srgbClr val="FFFFFF"/>
+                </a:highlight>
+                <a:latin typeface="Roboto Mono"/>
+                <a:ea typeface="Roboto Mono"/>
+                <a:cs typeface="Roboto Mono"/>
+                <a:sym typeface="Roboto Mono"/>
+              </a:rPr>
+              <a:t>!</a:t>
+            </a:r>
+            <a:endParaRPr sz="1700">
+              <a:solidFill>
+                <a:srgbClr val="555555"/>
+              </a:solidFill>
+              <a:highlight>
+                <a:srgbClr val="FFFFFF"/>
+              </a:highlight>
+              <a:latin typeface="Roboto Mono"/>
+              <a:ea typeface="Roboto Mono"/>
+              <a:cs typeface="Roboto Mono"/>
+              <a:sym typeface="Roboto Mono"/>
+            </a:endParaRPr>
+          </a:p>
+          <a:p>
+            <a:pPr indent="0" lvl="0" marL="101600" marR="101600" rtl="0" algn="l">
+              <a:lnSpc>
+                <a:spcPct val="127500"/>
+              </a:lnSpc>
+              <a:spcBef>
+                <a:spcPts val="1100"/>
+              </a:spcBef>
+              <a:spcAft>
+                <a:spcPts val="0"/>
+              </a:spcAft>
+              <a:buNone/>
+            </a:pPr>
+            <a:r>
+              <a:rPr lang="ru" sz="1700">
+                <a:solidFill>
+                  <a:srgbClr val="202020"/>
+                </a:solidFill>
+                <a:highlight>
+                  <a:srgbClr val="FFFFFF"/>
+                </a:highlight>
+                <a:latin typeface="Roboto Mono"/>
+                <a:ea typeface="Roboto Mono"/>
+                <a:cs typeface="Roboto Mono"/>
+                <a:sym typeface="Roboto Mono"/>
+              </a:rPr>
+              <a:t> </a:t>
+            </a:r>
+            <a:r>
+              <a:rPr lang="ru" sz="1700">
+                <a:solidFill>
+                  <a:srgbClr val="1F61A0"/>
+                </a:solidFill>
+                <a:highlight>
+                  <a:srgbClr val="FFFFFF"/>
+                </a:highlight>
+                <a:latin typeface="Roboto Mono"/>
+                <a:ea typeface="Roboto Mono"/>
+                <a:cs typeface="Roboto Mono"/>
+                <a:sym typeface="Roboto Mono"/>
+              </a:rPr>
+              <a:t>appearsIn</a:t>
+            </a:r>
+            <a:r>
+              <a:rPr lang="ru" sz="1700">
+                <a:solidFill>
+                  <a:srgbClr val="555555"/>
+                </a:solidFill>
+                <a:highlight>
+                  <a:srgbClr val="FFFFFF"/>
+                </a:highlight>
+                <a:latin typeface="Roboto Mono"/>
+                <a:ea typeface="Roboto Mono"/>
+                <a:cs typeface="Roboto Mono"/>
+                <a:sym typeface="Roboto Mono"/>
+              </a:rPr>
+              <a:t>:</a:t>
+            </a:r>
+            <a:r>
+              <a:rPr lang="ru" sz="1700">
+                <a:solidFill>
+                  <a:srgbClr val="202020"/>
+                </a:solidFill>
+                <a:highlight>
+                  <a:srgbClr val="FFFFFF"/>
+                </a:highlight>
+                <a:latin typeface="Roboto Mono"/>
+                <a:ea typeface="Roboto Mono"/>
+                <a:cs typeface="Roboto Mono"/>
+                <a:sym typeface="Roboto Mono"/>
+              </a:rPr>
+              <a:t> </a:t>
+            </a:r>
+            <a:r>
+              <a:rPr lang="ru" sz="1700">
+                <a:solidFill>
+                  <a:srgbClr val="555555"/>
+                </a:solidFill>
+                <a:highlight>
+                  <a:srgbClr val="FFFFFF"/>
+                </a:highlight>
+                <a:latin typeface="Roboto Mono"/>
+                <a:ea typeface="Roboto Mono"/>
+                <a:cs typeface="Roboto Mono"/>
+                <a:sym typeface="Roboto Mono"/>
+              </a:rPr>
+              <a:t>[</a:t>
+            </a:r>
+            <a:r>
+              <a:rPr lang="ru" sz="1700">
+                <a:solidFill>
+                  <a:srgbClr val="CA9800"/>
+                </a:solidFill>
+                <a:highlight>
+                  <a:srgbClr val="FFFFFF"/>
+                </a:highlight>
+                <a:latin typeface="Roboto Mono"/>
+                <a:ea typeface="Roboto Mono"/>
+                <a:cs typeface="Roboto Mono"/>
+                <a:sym typeface="Roboto Mono"/>
+              </a:rPr>
+              <a:t>Episode</a:t>
+            </a:r>
+            <a:r>
+              <a:rPr lang="ru" sz="1700">
+                <a:solidFill>
+                  <a:srgbClr val="555555"/>
+                </a:solidFill>
+                <a:highlight>
+                  <a:srgbClr val="FFFFFF"/>
+                </a:highlight>
+                <a:latin typeface="Roboto Mono"/>
+                <a:ea typeface="Roboto Mono"/>
+                <a:cs typeface="Roboto Mono"/>
+                <a:sym typeface="Roboto Mono"/>
+              </a:rPr>
+              <a:t>]!</a:t>
+            </a:r>
+            <a:endParaRPr sz="1700">
+              <a:solidFill>
+                <a:srgbClr val="555555"/>
+              </a:solidFill>
+              <a:highlight>
+                <a:srgbClr val="FFFFFF"/>
+              </a:highlight>
+              <a:latin typeface="Roboto Mono"/>
+              <a:ea typeface="Roboto Mono"/>
+              <a:cs typeface="Roboto Mono"/>
+              <a:sym typeface="Roboto Mono"/>
+            </a:endParaRPr>
+          </a:p>
+          <a:p>
+            <a:pPr indent="0" lvl="0" marL="101600" marR="101600" rtl="0" algn="l">
+              <a:lnSpc>
+                <a:spcPct val="127500"/>
+              </a:lnSpc>
+              <a:spcBef>
+                <a:spcPts val="1100"/>
+              </a:spcBef>
+              <a:spcAft>
+                <a:spcPts val="1100"/>
+              </a:spcAft>
+              <a:buNone/>
+            </a:pPr>
+            <a:r>
+              <a:rPr lang="ru" sz="1700">
+                <a:solidFill>
+                  <a:srgbClr val="555555"/>
+                </a:solidFill>
+                <a:highlight>
+                  <a:srgbClr val="FFFFFF"/>
+                </a:highlight>
+                <a:latin typeface="Roboto Mono"/>
+                <a:ea typeface="Roboto Mono"/>
+                <a:cs typeface="Roboto Mono"/>
+                <a:sym typeface="Roboto Mono"/>
+              </a:rPr>
+              <a:t>}</a:t>
+            </a:r>
+            <a:endParaRPr sz="1600">
+              <a:solidFill>
+                <a:srgbClr val="555555"/>
+              </a:solidFill>
+              <a:highlight>
+                <a:srgbClr val="FFFFFF"/>
+              </a:highlight>
+              <a:latin typeface="Roboto Mono"/>
+              <a:ea typeface="Roboto Mono"/>
+              <a:cs typeface="Roboto Mono"/>
+              <a:sym typeface="Roboto Mono"/>
+            </a:endParaRPr>
+          </a:p>
+        </p:txBody>
+      </p:sp>
+      <p:sp>
+        <p:nvSpPr>
+          <p:cNvPr id="156" name="Google Shape;156;p28"/>
+          <p:cNvSpPr txBox="1"/>
+          <p:nvPr/>
+        </p:nvSpPr>
+        <p:spPr>
+          <a:xfrm>
+            <a:off x="3605700" y="1017725"/>
+            <a:ext cx="3475800" cy="1895700"/>
+          </a:xfrm>
+          <a:prstGeom prst="rect">
+            <a:avLst/>
+          </a:prstGeom>
+          <a:noFill/>
+          <a:ln>
+            <a:noFill/>
+          </a:ln>
+        </p:spPr>
+        <p:txBody>
+          <a:bodyPr anchorCtr="0" anchor="t" bIns="91425" lIns="91425" spcFirstLastPara="1" rIns="91425" wrap="square" tIns="91425">
+            <a:noAutofit/>
+          </a:bodyPr>
+          <a:lstStyle/>
+          <a:p>
+            <a:pPr indent="0" lvl="0" marL="0" rtl="0" algn="l">
+              <a:lnSpc>
+                <a:spcPct val="150000"/>
+              </a:lnSpc>
+              <a:spcBef>
+                <a:spcPts val="0"/>
+              </a:spcBef>
+              <a:spcAft>
+                <a:spcPts val="0"/>
+              </a:spcAft>
+              <a:buNone/>
+            </a:pPr>
+            <a:r>
+              <a:rPr lang="ru" sz="1600">
+                <a:latin typeface="Roboto Mono"/>
+                <a:ea typeface="Roboto Mono"/>
+                <a:cs typeface="Roboto Mono"/>
+                <a:sym typeface="Roboto Mono"/>
+              </a:rPr>
+              <a:t>query DroidById($id: ID!) {</a:t>
+            </a:r>
+            <a:endParaRPr sz="1600">
+              <a:latin typeface="Roboto Mono"/>
+              <a:ea typeface="Roboto Mono"/>
+              <a:cs typeface="Roboto Mono"/>
+              <a:sym typeface="Roboto Mono"/>
+            </a:endParaRPr>
+          </a:p>
+          <a:p>
+            <a:pPr indent="0" lvl="0" marL="0" rtl="0" algn="l">
+              <a:lnSpc>
+                <a:spcPct val="150000"/>
+              </a:lnSpc>
+              <a:spcBef>
+                <a:spcPts val="0"/>
+              </a:spcBef>
+              <a:spcAft>
+                <a:spcPts val="0"/>
+              </a:spcAft>
+              <a:buNone/>
+            </a:pPr>
+            <a:r>
+              <a:rPr lang="ru" sz="1600">
+                <a:latin typeface="Roboto Mono"/>
+                <a:ea typeface="Roboto Mono"/>
+                <a:cs typeface="Roboto Mono"/>
+                <a:sym typeface="Roboto Mono"/>
+              </a:rPr>
+              <a:t>  droid(id: $id) {</a:t>
+            </a:r>
+            <a:endParaRPr sz="1600">
+              <a:latin typeface="Roboto Mono"/>
+              <a:ea typeface="Roboto Mono"/>
+              <a:cs typeface="Roboto Mono"/>
+              <a:sym typeface="Roboto Mono"/>
+            </a:endParaRPr>
+          </a:p>
+          <a:p>
+            <a:pPr indent="0" lvl="0" marL="0" rtl="0" algn="l">
+              <a:lnSpc>
+                <a:spcPct val="150000"/>
+              </a:lnSpc>
+              <a:spcBef>
+                <a:spcPts val="0"/>
+              </a:spcBef>
+              <a:spcAft>
+                <a:spcPts val="0"/>
+              </a:spcAft>
+              <a:buNone/>
+            </a:pPr>
+            <a:r>
+              <a:rPr lang="ru" sz="1600">
+                <a:latin typeface="Roboto Mono"/>
+                <a:ea typeface="Roboto Mono"/>
+                <a:cs typeface="Roboto Mono"/>
+                <a:sym typeface="Roboto Mono"/>
+              </a:rPr>
+              <a:t>    name</a:t>
+            </a:r>
+            <a:endParaRPr sz="1600">
+              <a:latin typeface="Roboto Mono"/>
+              <a:ea typeface="Roboto Mono"/>
+              <a:cs typeface="Roboto Mono"/>
+              <a:sym typeface="Roboto Mono"/>
+            </a:endParaRPr>
+          </a:p>
+          <a:p>
+            <a:pPr indent="0" lvl="0" marL="0" rtl="0" algn="l">
+              <a:lnSpc>
+                <a:spcPct val="150000"/>
+              </a:lnSpc>
+              <a:spcBef>
+                <a:spcPts val="0"/>
+              </a:spcBef>
+              <a:spcAft>
+                <a:spcPts val="0"/>
+              </a:spcAft>
+              <a:buNone/>
+            </a:pPr>
+            <a:r>
+              <a:rPr lang="ru" sz="1600">
+                <a:latin typeface="Roboto Mono"/>
+                <a:ea typeface="Roboto Mono"/>
+                <a:cs typeface="Roboto Mono"/>
+                <a:sym typeface="Roboto Mono"/>
+              </a:rPr>
+              <a:t>  }</a:t>
+            </a:r>
+            <a:endParaRPr sz="1600">
+              <a:latin typeface="Roboto Mono"/>
+              <a:ea typeface="Roboto Mono"/>
+              <a:cs typeface="Roboto Mono"/>
+              <a:sym typeface="Roboto Mono"/>
+            </a:endParaRPr>
+          </a:p>
+          <a:p>
+            <a:pPr indent="0" lvl="0" marL="0" rtl="0" algn="l">
+              <a:lnSpc>
+                <a:spcPct val="150000"/>
+              </a:lnSpc>
+              <a:spcBef>
+                <a:spcPts val="0"/>
+              </a:spcBef>
+              <a:spcAft>
+                <a:spcPts val="0"/>
+              </a:spcAft>
+              <a:buNone/>
+            </a:pPr>
+            <a:r>
+              <a:rPr lang="ru" sz="1600">
+                <a:latin typeface="Roboto Mono"/>
+                <a:ea typeface="Roboto Mono"/>
+                <a:cs typeface="Roboto Mono"/>
+                <a:sym typeface="Roboto Mono"/>
+              </a:rPr>
+              <a:t>}</a:t>
+            </a:r>
+            <a:endParaRPr sz="1600">
+              <a:latin typeface="Roboto Mono"/>
+              <a:ea typeface="Roboto Mono"/>
+              <a:cs typeface="Roboto Mono"/>
+              <a:sym typeface="Roboto Mono"/>
+            </a:endParaRPr>
+          </a:p>
+        </p:txBody>
+      </p:sp>
+    </p:spTree>
+  </p:cSld>
+  <p:clrMapOvr>
+    <a:masterClrMapping/>
+  </p:clrMapOvr>
+</p:sld>
+</file>
+
+<file path=ppt/slides/slide17.xml><?xml version="1.0" encoding="utf-8"?>
+<p:sld xmlns:a="http://schemas.openxmlformats.org/drawingml/2006/main" xmlns:r="http://schemas.openxmlformats.org/officeDocument/2006/relationships" xmlns:mc="http://schemas.openxmlformats.org/markup-compatibility/2006" xmlns:mv="urn:schemas-microsoft-com:mac:vml" xmlns:p="http://schemas.openxmlformats.org/presentationml/2006/main" xmlns:c="http://schemas.openxmlformats.org/drawingml/2006/chart" xmlns:dgm="http://schemas.openxmlformats.org/drawingml/2006/diagram" xmlns:o="urn:schemas-microsoft-com:office:office" xmlns:v="urn:schemas-microsoft-com:vml" xmlns:pvml="urn:schemas-microsoft-com:office:powerpoint" xmlns:com="http://schemas.openxmlformats.org/drawingml/2006/compatibility" xmlns:p14="http://schemas.microsoft.com/office/powerpoint/2010/main" xmlns:p15="http://schemas.microsoft.com/office/powerpoint/2012/main" xmlns:ahyp="http://schemas.microsoft.com/office/drawing/2018/hyperlinkcolor">
+  <p:cSld>
+    <p:spTree>
+      <p:nvGrpSpPr>
+        <p:cNvPr id="160" name="Shape 160"/>
+        <p:cNvGrpSpPr/>
+        <p:nvPr/>
+      </p:nvGrpSpPr>
+      <p:grpSpPr>
+        <a:xfrm>
+          <a:off x="0" y="0"/>
+          <a:ext cx="0" cy="0"/>
+          <a:chOff x="0" y="0"/>
+          <a:chExt cx="0" cy="0"/>
+        </a:xfrm>
+      </p:grpSpPr>
+      <p:sp>
+        <p:nvSpPr>
+          <p:cNvPr id="161" name="Google Shape;161;p29"/>
+          <p:cNvSpPr txBox="1"/>
+          <p:nvPr>
+            <p:ph type="title"/>
+          </p:nvPr>
+        </p:nvSpPr>
+        <p:spPr>
+          <a:xfrm>
+            <a:off x="311700" y="445025"/>
+            <a:ext cx="8520600" cy="572700"/>
+          </a:xfrm>
+          <a:prstGeom prst="rect">
+            <a:avLst/>
+          </a:prstGeom>
+        </p:spPr>
+        <p:txBody>
+          <a:bodyPr anchorCtr="0" anchor="t" bIns="91425" lIns="91425" spcFirstLastPara="1" rIns="91425" wrap="square" tIns="91425">
+            <a:noAutofit/>
+          </a:bodyPr>
+          <a:lstStyle/>
+          <a:p>
+            <a:pPr indent="0" lvl="0" marL="0" rtl="0" algn="l">
+              <a:spcBef>
+                <a:spcPts val="0"/>
+              </a:spcBef>
+              <a:spcAft>
+                <a:spcPts val="0"/>
+              </a:spcAft>
+              <a:buNone/>
+            </a:pPr>
+            <a:r>
+              <a:rPr lang="ru"/>
+              <a:t>Interfaces</a:t>
+            </a:r>
+            <a:endParaRPr/>
+          </a:p>
+        </p:txBody>
+      </p:sp>
+      <p:sp>
+        <p:nvSpPr>
+          <p:cNvPr id="162" name="Google Shape;162;p29"/>
+          <p:cNvSpPr txBox="1"/>
+          <p:nvPr/>
+        </p:nvSpPr>
+        <p:spPr>
+          <a:xfrm>
+            <a:off x="311700" y="1017725"/>
+            <a:ext cx="3164100" cy="3092700"/>
+          </a:xfrm>
+          <a:prstGeom prst="rect">
+            <a:avLst/>
+          </a:prstGeom>
+          <a:noFill/>
+          <a:ln>
+            <a:noFill/>
+          </a:ln>
+        </p:spPr>
+        <p:txBody>
+          <a:bodyPr anchorCtr="0" anchor="t" bIns="91425" lIns="91425" spcFirstLastPara="1" rIns="91425" wrap="square" tIns="91425">
+            <a:noAutofit/>
+          </a:bodyPr>
+          <a:lstStyle/>
+          <a:p>
+            <a:pPr indent="0" lvl="0" marL="101600" marR="101600" rtl="0" algn="l">
+              <a:lnSpc>
+                <a:spcPct val="127500"/>
+              </a:lnSpc>
+              <a:spcBef>
+                <a:spcPts val="1100"/>
+              </a:spcBef>
+              <a:spcAft>
+                <a:spcPts val="0"/>
+              </a:spcAft>
+              <a:buNone/>
+            </a:pPr>
+            <a:r>
+              <a:rPr lang="ru" sz="1600">
+                <a:solidFill>
+                  <a:srgbClr val="B11A04"/>
+                </a:solidFill>
+                <a:highlight>
+                  <a:srgbClr val="FFFFFF"/>
+                </a:highlight>
+                <a:latin typeface="Roboto Mono"/>
+                <a:ea typeface="Roboto Mono"/>
+                <a:cs typeface="Roboto Mono"/>
+                <a:sym typeface="Roboto Mono"/>
+              </a:rPr>
+              <a:t>interface</a:t>
+            </a:r>
+            <a:r>
+              <a:rPr lang="ru" sz="1600">
+                <a:solidFill>
+                  <a:srgbClr val="202020"/>
+                </a:solidFill>
+                <a:highlight>
+                  <a:srgbClr val="FFFFFF"/>
+                </a:highlight>
+                <a:latin typeface="Roboto Mono"/>
+                <a:ea typeface="Roboto Mono"/>
+                <a:cs typeface="Roboto Mono"/>
+                <a:sym typeface="Roboto Mono"/>
+              </a:rPr>
+              <a:t> Character </a:t>
+            </a:r>
+            <a:r>
+              <a:rPr lang="ru" sz="1600">
+                <a:solidFill>
+                  <a:srgbClr val="555555"/>
+                </a:solidFill>
+                <a:highlight>
+                  <a:srgbClr val="FFFFFF"/>
+                </a:highlight>
+                <a:latin typeface="Roboto Mono"/>
+                <a:ea typeface="Roboto Mono"/>
+                <a:cs typeface="Roboto Mono"/>
+                <a:sym typeface="Roboto Mono"/>
+              </a:rPr>
+              <a:t>{</a:t>
+            </a:r>
+            <a:endParaRPr sz="1600">
+              <a:solidFill>
+                <a:srgbClr val="555555"/>
+              </a:solidFill>
+              <a:highlight>
+                <a:srgbClr val="FFFFFF"/>
+              </a:highlight>
+              <a:latin typeface="Roboto Mono"/>
+              <a:ea typeface="Roboto Mono"/>
+              <a:cs typeface="Roboto Mono"/>
+              <a:sym typeface="Roboto Mono"/>
+            </a:endParaRPr>
+          </a:p>
+          <a:p>
+            <a:pPr indent="0" lvl="0" marL="101600" marR="101600" rtl="0" algn="l">
+              <a:lnSpc>
+                <a:spcPct val="127500"/>
+              </a:lnSpc>
+              <a:spcBef>
+                <a:spcPts val="1100"/>
+              </a:spcBef>
+              <a:spcAft>
+                <a:spcPts val="0"/>
+              </a:spcAft>
+              <a:buNone/>
+            </a:pPr>
+            <a:r>
+              <a:rPr lang="ru" sz="1600">
+                <a:solidFill>
+                  <a:srgbClr val="202020"/>
+                </a:solidFill>
+                <a:highlight>
+                  <a:srgbClr val="FFFFFF"/>
+                </a:highlight>
+                <a:latin typeface="Roboto Mono"/>
+                <a:ea typeface="Roboto Mono"/>
+                <a:cs typeface="Roboto Mono"/>
+                <a:sym typeface="Roboto Mono"/>
+              </a:rPr>
+              <a:t> </a:t>
+            </a:r>
+            <a:r>
+              <a:rPr lang="ru" sz="1600">
+                <a:solidFill>
+                  <a:srgbClr val="1F61A0"/>
+                </a:solidFill>
+                <a:highlight>
+                  <a:srgbClr val="FFFFFF"/>
+                </a:highlight>
+                <a:latin typeface="Roboto Mono"/>
+                <a:ea typeface="Roboto Mono"/>
+                <a:cs typeface="Roboto Mono"/>
+                <a:sym typeface="Roboto Mono"/>
+              </a:rPr>
+              <a:t>id</a:t>
+            </a:r>
+            <a:r>
+              <a:rPr lang="ru" sz="1600">
+                <a:solidFill>
+                  <a:srgbClr val="555555"/>
+                </a:solidFill>
+                <a:highlight>
+                  <a:srgbClr val="FFFFFF"/>
+                </a:highlight>
+                <a:latin typeface="Roboto Mono"/>
+                <a:ea typeface="Roboto Mono"/>
+                <a:cs typeface="Roboto Mono"/>
+                <a:sym typeface="Roboto Mono"/>
+              </a:rPr>
+              <a:t>:</a:t>
+            </a:r>
+            <a:r>
+              <a:rPr lang="ru" sz="1600">
+                <a:solidFill>
+                  <a:srgbClr val="202020"/>
+                </a:solidFill>
+                <a:highlight>
+                  <a:srgbClr val="FFFFFF"/>
+                </a:highlight>
+                <a:latin typeface="Roboto Mono"/>
+                <a:ea typeface="Roboto Mono"/>
+                <a:cs typeface="Roboto Mono"/>
+                <a:sym typeface="Roboto Mono"/>
+              </a:rPr>
+              <a:t> </a:t>
+            </a:r>
+            <a:r>
+              <a:rPr lang="ru" sz="1600">
+                <a:solidFill>
+                  <a:srgbClr val="CA9800"/>
+                </a:solidFill>
+                <a:highlight>
+                  <a:srgbClr val="FFFFFF"/>
+                </a:highlight>
+                <a:latin typeface="Roboto Mono"/>
+                <a:ea typeface="Roboto Mono"/>
+                <a:cs typeface="Roboto Mono"/>
+                <a:sym typeface="Roboto Mono"/>
+              </a:rPr>
+              <a:t>ID</a:t>
+            </a:r>
+            <a:r>
+              <a:rPr lang="ru" sz="1600">
+                <a:solidFill>
+                  <a:srgbClr val="555555"/>
+                </a:solidFill>
+                <a:highlight>
+                  <a:srgbClr val="FFFFFF"/>
+                </a:highlight>
+                <a:latin typeface="Roboto Mono"/>
+                <a:ea typeface="Roboto Mono"/>
+                <a:cs typeface="Roboto Mono"/>
+                <a:sym typeface="Roboto Mono"/>
+              </a:rPr>
+              <a:t>!</a:t>
+            </a:r>
+            <a:endParaRPr sz="1600">
+              <a:solidFill>
+                <a:srgbClr val="555555"/>
+              </a:solidFill>
+              <a:highlight>
+                <a:srgbClr val="FFFFFF"/>
+              </a:highlight>
+              <a:latin typeface="Roboto Mono"/>
+              <a:ea typeface="Roboto Mono"/>
+              <a:cs typeface="Roboto Mono"/>
+              <a:sym typeface="Roboto Mono"/>
+            </a:endParaRPr>
+          </a:p>
+          <a:p>
+            <a:pPr indent="0" lvl="0" marL="101600" marR="101600" rtl="0" algn="l">
+              <a:lnSpc>
+                <a:spcPct val="127500"/>
+              </a:lnSpc>
+              <a:spcBef>
+                <a:spcPts val="1100"/>
+              </a:spcBef>
+              <a:spcAft>
+                <a:spcPts val="0"/>
+              </a:spcAft>
+              <a:buNone/>
+            </a:pPr>
+            <a:r>
+              <a:rPr lang="ru" sz="1600">
+                <a:solidFill>
+                  <a:srgbClr val="202020"/>
+                </a:solidFill>
+                <a:highlight>
+                  <a:srgbClr val="FFFFFF"/>
+                </a:highlight>
+                <a:latin typeface="Roboto Mono"/>
+                <a:ea typeface="Roboto Mono"/>
+                <a:cs typeface="Roboto Mono"/>
+                <a:sym typeface="Roboto Mono"/>
+              </a:rPr>
+              <a:t> </a:t>
+            </a:r>
+            <a:r>
+              <a:rPr lang="ru" sz="1600">
+                <a:solidFill>
+                  <a:srgbClr val="1F61A0"/>
+                </a:solidFill>
+                <a:highlight>
+                  <a:srgbClr val="FFFFFF"/>
+                </a:highlight>
+                <a:latin typeface="Roboto Mono"/>
+                <a:ea typeface="Roboto Mono"/>
+                <a:cs typeface="Roboto Mono"/>
+                <a:sym typeface="Roboto Mono"/>
+              </a:rPr>
+              <a:t>name</a:t>
+            </a:r>
+            <a:r>
+              <a:rPr lang="ru" sz="1600">
+                <a:solidFill>
+                  <a:srgbClr val="555555"/>
+                </a:solidFill>
+                <a:highlight>
+                  <a:srgbClr val="FFFFFF"/>
+                </a:highlight>
+                <a:latin typeface="Roboto Mono"/>
+                <a:ea typeface="Roboto Mono"/>
+                <a:cs typeface="Roboto Mono"/>
+                <a:sym typeface="Roboto Mono"/>
+              </a:rPr>
+              <a:t>:</a:t>
+            </a:r>
+            <a:r>
+              <a:rPr lang="ru" sz="1600">
+                <a:solidFill>
+                  <a:srgbClr val="202020"/>
+                </a:solidFill>
+                <a:highlight>
+                  <a:srgbClr val="FFFFFF"/>
+                </a:highlight>
+                <a:latin typeface="Roboto Mono"/>
+                <a:ea typeface="Roboto Mono"/>
+                <a:cs typeface="Roboto Mono"/>
+                <a:sym typeface="Roboto Mono"/>
+              </a:rPr>
+              <a:t> </a:t>
+            </a:r>
+            <a:r>
+              <a:rPr lang="ru" sz="1600">
+                <a:solidFill>
+                  <a:srgbClr val="CA9800"/>
+                </a:solidFill>
+                <a:highlight>
+                  <a:srgbClr val="FFFFFF"/>
+                </a:highlight>
+                <a:latin typeface="Roboto Mono"/>
+                <a:ea typeface="Roboto Mono"/>
+                <a:cs typeface="Roboto Mono"/>
+                <a:sym typeface="Roboto Mono"/>
+              </a:rPr>
+              <a:t>String</a:t>
+            </a:r>
+            <a:r>
+              <a:rPr lang="ru" sz="1600">
+                <a:solidFill>
+                  <a:srgbClr val="555555"/>
+                </a:solidFill>
+                <a:highlight>
+                  <a:srgbClr val="FFFFFF"/>
+                </a:highlight>
+                <a:latin typeface="Roboto Mono"/>
+                <a:ea typeface="Roboto Mono"/>
+                <a:cs typeface="Roboto Mono"/>
+                <a:sym typeface="Roboto Mono"/>
+              </a:rPr>
+              <a:t>!</a:t>
+            </a:r>
+            <a:endParaRPr sz="1600">
+              <a:solidFill>
+                <a:srgbClr val="555555"/>
+              </a:solidFill>
+              <a:highlight>
+                <a:srgbClr val="FFFFFF"/>
+              </a:highlight>
+              <a:latin typeface="Roboto Mono"/>
+              <a:ea typeface="Roboto Mono"/>
+              <a:cs typeface="Roboto Mono"/>
+              <a:sym typeface="Roboto Mono"/>
+            </a:endParaRPr>
+          </a:p>
+          <a:p>
+            <a:pPr indent="0" lvl="0" marL="101600" marR="101600" rtl="0" algn="l">
+              <a:lnSpc>
+                <a:spcPct val="127500"/>
+              </a:lnSpc>
+              <a:spcBef>
+                <a:spcPts val="1100"/>
+              </a:spcBef>
+              <a:spcAft>
+                <a:spcPts val="0"/>
+              </a:spcAft>
+              <a:buNone/>
+            </a:pPr>
+            <a:r>
+              <a:rPr lang="ru" sz="1600">
+                <a:solidFill>
+                  <a:srgbClr val="202020"/>
+                </a:solidFill>
+                <a:highlight>
+                  <a:srgbClr val="FFFFFF"/>
+                </a:highlight>
+                <a:latin typeface="Roboto Mono"/>
+                <a:ea typeface="Roboto Mono"/>
+                <a:cs typeface="Roboto Mono"/>
+                <a:sym typeface="Roboto Mono"/>
+              </a:rPr>
+              <a:t> </a:t>
+            </a:r>
+            <a:r>
+              <a:rPr lang="ru" sz="1600">
+                <a:solidFill>
+                  <a:srgbClr val="1F61A0"/>
+                </a:solidFill>
+                <a:highlight>
+                  <a:srgbClr val="FFFFFF"/>
+                </a:highlight>
+                <a:latin typeface="Roboto Mono"/>
+                <a:ea typeface="Roboto Mono"/>
+                <a:cs typeface="Roboto Mono"/>
+                <a:sym typeface="Roboto Mono"/>
+              </a:rPr>
+              <a:t>friends</a:t>
+            </a:r>
+            <a:r>
+              <a:rPr lang="ru" sz="1600">
+                <a:solidFill>
+                  <a:srgbClr val="555555"/>
+                </a:solidFill>
+                <a:highlight>
+                  <a:srgbClr val="FFFFFF"/>
+                </a:highlight>
+                <a:latin typeface="Roboto Mono"/>
+                <a:ea typeface="Roboto Mono"/>
+                <a:cs typeface="Roboto Mono"/>
+                <a:sym typeface="Roboto Mono"/>
+              </a:rPr>
+              <a:t>:</a:t>
+            </a:r>
+            <a:r>
+              <a:rPr lang="ru" sz="1600">
+                <a:solidFill>
+                  <a:srgbClr val="202020"/>
+                </a:solidFill>
+                <a:highlight>
+                  <a:srgbClr val="FFFFFF"/>
+                </a:highlight>
+                <a:latin typeface="Roboto Mono"/>
+                <a:ea typeface="Roboto Mono"/>
+                <a:cs typeface="Roboto Mono"/>
+                <a:sym typeface="Roboto Mono"/>
+              </a:rPr>
+              <a:t> </a:t>
+            </a:r>
+            <a:r>
+              <a:rPr lang="ru" sz="1600">
+                <a:solidFill>
+                  <a:srgbClr val="555555"/>
+                </a:solidFill>
+                <a:highlight>
+                  <a:srgbClr val="FFFFFF"/>
+                </a:highlight>
+                <a:latin typeface="Roboto Mono"/>
+                <a:ea typeface="Roboto Mono"/>
+                <a:cs typeface="Roboto Mono"/>
+                <a:sym typeface="Roboto Mono"/>
+              </a:rPr>
+              <a:t>[</a:t>
+            </a:r>
+            <a:r>
+              <a:rPr lang="ru" sz="1600">
+                <a:solidFill>
+                  <a:srgbClr val="CA9800"/>
+                </a:solidFill>
+                <a:highlight>
+                  <a:srgbClr val="FFFFFF"/>
+                </a:highlight>
+                <a:latin typeface="Roboto Mono"/>
+                <a:ea typeface="Roboto Mono"/>
+                <a:cs typeface="Roboto Mono"/>
+                <a:sym typeface="Roboto Mono"/>
+              </a:rPr>
+              <a:t>Character</a:t>
+            </a:r>
+            <a:r>
+              <a:rPr lang="ru" sz="1600">
+                <a:solidFill>
+                  <a:srgbClr val="555555"/>
+                </a:solidFill>
+                <a:highlight>
+                  <a:srgbClr val="FFFFFF"/>
+                </a:highlight>
+                <a:latin typeface="Roboto Mono"/>
+                <a:ea typeface="Roboto Mono"/>
+                <a:cs typeface="Roboto Mono"/>
+                <a:sym typeface="Roboto Mono"/>
+              </a:rPr>
+              <a:t>]</a:t>
+            </a:r>
+            <a:endParaRPr sz="1600">
+              <a:solidFill>
+                <a:srgbClr val="555555"/>
+              </a:solidFill>
+              <a:highlight>
+                <a:srgbClr val="FFFFFF"/>
+              </a:highlight>
+              <a:latin typeface="Roboto Mono"/>
+              <a:ea typeface="Roboto Mono"/>
+              <a:cs typeface="Roboto Mono"/>
+              <a:sym typeface="Roboto Mono"/>
+            </a:endParaRPr>
+          </a:p>
+          <a:p>
+            <a:pPr indent="0" lvl="0" marL="101600" marR="101600" rtl="0" algn="l">
+              <a:lnSpc>
+                <a:spcPct val="127500"/>
+              </a:lnSpc>
+              <a:spcBef>
+                <a:spcPts val="1100"/>
+              </a:spcBef>
+              <a:spcAft>
+                <a:spcPts val="0"/>
+              </a:spcAft>
+              <a:buNone/>
+            </a:pPr>
+            <a:r>
+              <a:rPr lang="ru" sz="1600">
+                <a:solidFill>
+                  <a:srgbClr val="202020"/>
+                </a:solidFill>
+                <a:highlight>
+                  <a:srgbClr val="FFFFFF"/>
+                </a:highlight>
+                <a:latin typeface="Roboto Mono"/>
+                <a:ea typeface="Roboto Mono"/>
+                <a:cs typeface="Roboto Mono"/>
+                <a:sym typeface="Roboto Mono"/>
+              </a:rPr>
+              <a:t> </a:t>
+            </a:r>
+            <a:r>
+              <a:rPr lang="ru" sz="1600">
+                <a:solidFill>
+                  <a:srgbClr val="1F61A0"/>
+                </a:solidFill>
+                <a:highlight>
+                  <a:srgbClr val="FFFFFF"/>
+                </a:highlight>
+                <a:latin typeface="Roboto Mono"/>
+                <a:ea typeface="Roboto Mono"/>
+                <a:cs typeface="Roboto Mono"/>
+                <a:sym typeface="Roboto Mono"/>
+              </a:rPr>
+              <a:t>appearsIn</a:t>
+            </a:r>
+            <a:r>
+              <a:rPr lang="ru" sz="1600">
+                <a:solidFill>
+                  <a:srgbClr val="555555"/>
+                </a:solidFill>
+                <a:highlight>
+                  <a:srgbClr val="FFFFFF"/>
+                </a:highlight>
+                <a:latin typeface="Roboto Mono"/>
+                <a:ea typeface="Roboto Mono"/>
+                <a:cs typeface="Roboto Mono"/>
+                <a:sym typeface="Roboto Mono"/>
+              </a:rPr>
+              <a:t>:</a:t>
+            </a:r>
+            <a:r>
+              <a:rPr lang="ru" sz="1600">
+                <a:solidFill>
+                  <a:srgbClr val="202020"/>
+                </a:solidFill>
+                <a:highlight>
+                  <a:srgbClr val="FFFFFF"/>
+                </a:highlight>
+                <a:latin typeface="Roboto Mono"/>
+                <a:ea typeface="Roboto Mono"/>
+                <a:cs typeface="Roboto Mono"/>
+                <a:sym typeface="Roboto Mono"/>
+              </a:rPr>
+              <a:t> </a:t>
+            </a:r>
+            <a:r>
+              <a:rPr lang="ru" sz="1600">
+                <a:solidFill>
+                  <a:srgbClr val="555555"/>
+                </a:solidFill>
+                <a:highlight>
+                  <a:srgbClr val="FFFFFF"/>
+                </a:highlight>
+                <a:latin typeface="Roboto Mono"/>
+                <a:ea typeface="Roboto Mono"/>
+                <a:cs typeface="Roboto Mono"/>
+                <a:sym typeface="Roboto Mono"/>
+              </a:rPr>
+              <a:t>[</a:t>
+            </a:r>
+            <a:r>
+              <a:rPr lang="ru" sz="1600">
+                <a:solidFill>
+                  <a:srgbClr val="CA9800"/>
+                </a:solidFill>
+                <a:highlight>
+                  <a:srgbClr val="FFFFFF"/>
+                </a:highlight>
+                <a:latin typeface="Roboto Mono"/>
+                <a:ea typeface="Roboto Mono"/>
+                <a:cs typeface="Roboto Mono"/>
+                <a:sym typeface="Roboto Mono"/>
+              </a:rPr>
+              <a:t>Episode</a:t>
+            </a:r>
+            <a:r>
+              <a:rPr lang="ru" sz="1600">
+                <a:solidFill>
+                  <a:srgbClr val="555555"/>
+                </a:solidFill>
+                <a:highlight>
+                  <a:srgbClr val="FFFFFF"/>
+                </a:highlight>
+                <a:latin typeface="Roboto Mono"/>
+                <a:ea typeface="Roboto Mono"/>
+                <a:cs typeface="Roboto Mono"/>
+                <a:sym typeface="Roboto Mono"/>
+              </a:rPr>
+              <a:t>]!</a:t>
+            </a:r>
+            <a:endParaRPr sz="1600">
+              <a:solidFill>
+                <a:srgbClr val="555555"/>
+              </a:solidFill>
+              <a:highlight>
+                <a:srgbClr val="FFFFFF"/>
+              </a:highlight>
+              <a:latin typeface="Roboto Mono"/>
+              <a:ea typeface="Roboto Mono"/>
+              <a:cs typeface="Roboto Mono"/>
+              <a:sym typeface="Roboto Mono"/>
+            </a:endParaRPr>
+          </a:p>
+          <a:p>
+            <a:pPr indent="0" lvl="0" marL="101600" marR="101600" rtl="0" algn="l">
+              <a:lnSpc>
+                <a:spcPct val="127500"/>
+              </a:lnSpc>
+              <a:spcBef>
+                <a:spcPts val="1100"/>
+              </a:spcBef>
+              <a:spcAft>
+                <a:spcPts val="1100"/>
+              </a:spcAft>
+              <a:buNone/>
+            </a:pPr>
+            <a:r>
+              <a:rPr lang="ru" sz="1600">
+                <a:solidFill>
+                  <a:srgbClr val="555555"/>
+                </a:solidFill>
+                <a:highlight>
+                  <a:srgbClr val="FFFFFF"/>
+                </a:highlight>
+                <a:latin typeface="Roboto Mono"/>
+                <a:ea typeface="Roboto Mono"/>
+                <a:cs typeface="Roboto Mono"/>
+                <a:sym typeface="Roboto Mono"/>
+              </a:rPr>
+              <a:t>}</a:t>
+            </a:r>
+            <a:endParaRPr sz="1600">
+              <a:solidFill>
+                <a:srgbClr val="555555"/>
+              </a:solidFill>
+              <a:highlight>
+                <a:srgbClr val="FFFFFF"/>
+              </a:highlight>
+              <a:latin typeface="Roboto Mono"/>
+              <a:ea typeface="Roboto Mono"/>
+              <a:cs typeface="Roboto Mono"/>
+              <a:sym typeface="Roboto Mono"/>
+            </a:endParaRPr>
+          </a:p>
+        </p:txBody>
+      </p:sp>
+      <p:sp>
+        <p:nvSpPr>
+          <p:cNvPr id="163" name="Google Shape;163;p29"/>
+          <p:cNvSpPr txBox="1"/>
+          <p:nvPr/>
+        </p:nvSpPr>
+        <p:spPr>
+          <a:xfrm>
+            <a:off x="3475800" y="1017725"/>
+            <a:ext cx="4932600" cy="3929400"/>
+          </a:xfrm>
+          <a:prstGeom prst="rect">
+            <a:avLst/>
+          </a:prstGeom>
+          <a:noFill/>
+          <a:ln>
+            <a:noFill/>
+          </a:ln>
+        </p:spPr>
+        <p:txBody>
+          <a:bodyPr anchorCtr="0" anchor="t" bIns="91425" lIns="91425" spcFirstLastPara="1" rIns="91425" wrap="square" tIns="91425">
+            <a:noAutofit/>
+          </a:bodyPr>
+          <a:lstStyle/>
+          <a:p>
+            <a:pPr indent="0" lvl="0" marL="101600" marR="101600" rtl="0" algn="l">
+              <a:lnSpc>
+                <a:spcPct val="127500"/>
+              </a:lnSpc>
+              <a:spcBef>
+                <a:spcPts val="1100"/>
+              </a:spcBef>
+              <a:spcAft>
+                <a:spcPts val="0"/>
+              </a:spcAft>
+              <a:buNone/>
+            </a:pPr>
+            <a:r>
+              <a:rPr lang="ru" sz="1600">
+                <a:solidFill>
+                  <a:srgbClr val="B11A04"/>
+                </a:solidFill>
+                <a:highlight>
+                  <a:srgbClr val="FFFFFF"/>
+                </a:highlight>
+                <a:latin typeface="Roboto Mono"/>
+                <a:ea typeface="Roboto Mono"/>
+                <a:cs typeface="Roboto Mono"/>
+                <a:sym typeface="Roboto Mono"/>
+              </a:rPr>
+              <a:t>type</a:t>
+            </a:r>
+            <a:r>
+              <a:rPr lang="ru" sz="1600">
+                <a:solidFill>
+                  <a:srgbClr val="202020"/>
+                </a:solidFill>
+                <a:highlight>
+                  <a:srgbClr val="FFFFFF"/>
+                </a:highlight>
+                <a:latin typeface="Roboto Mono"/>
+                <a:ea typeface="Roboto Mono"/>
+                <a:cs typeface="Roboto Mono"/>
+                <a:sym typeface="Roboto Mono"/>
+              </a:rPr>
+              <a:t> Human </a:t>
+            </a:r>
+            <a:r>
+              <a:rPr lang="ru" sz="1600">
+                <a:solidFill>
+                  <a:srgbClr val="B11A04"/>
+                </a:solidFill>
+                <a:highlight>
+                  <a:srgbClr val="FFFFFF"/>
+                </a:highlight>
+                <a:latin typeface="Roboto Mono"/>
+                <a:ea typeface="Roboto Mono"/>
+                <a:cs typeface="Roboto Mono"/>
+                <a:sym typeface="Roboto Mono"/>
+              </a:rPr>
+              <a:t>implements</a:t>
+            </a:r>
+            <a:r>
+              <a:rPr lang="ru" sz="1600">
+                <a:solidFill>
+                  <a:srgbClr val="202020"/>
+                </a:solidFill>
+                <a:highlight>
+                  <a:srgbClr val="FFFFFF"/>
+                </a:highlight>
+                <a:latin typeface="Roboto Mono"/>
+                <a:ea typeface="Roboto Mono"/>
+                <a:cs typeface="Roboto Mono"/>
+                <a:sym typeface="Roboto Mono"/>
+              </a:rPr>
+              <a:t> Character </a:t>
+            </a:r>
+            <a:r>
+              <a:rPr lang="ru" sz="1600">
+                <a:solidFill>
+                  <a:srgbClr val="555555"/>
+                </a:solidFill>
+                <a:highlight>
+                  <a:srgbClr val="FFFFFF"/>
+                </a:highlight>
+                <a:latin typeface="Roboto Mono"/>
+                <a:ea typeface="Roboto Mono"/>
+                <a:cs typeface="Roboto Mono"/>
+                <a:sym typeface="Roboto Mono"/>
+              </a:rPr>
+              <a:t>{</a:t>
+            </a:r>
+            <a:endParaRPr sz="1600">
+              <a:solidFill>
+                <a:srgbClr val="555555"/>
+              </a:solidFill>
+              <a:highlight>
+                <a:srgbClr val="FFFFFF"/>
+              </a:highlight>
+              <a:latin typeface="Roboto Mono"/>
+              <a:ea typeface="Roboto Mono"/>
+              <a:cs typeface="Roboto Mono"/>
+              <a:sym typeface="Roboto Mono"/>
+            </a:endParaRPr>
+          </a:p>
+          <a:p>
+            <a:pPr indent="0" lvl="0" marL="101600" marR="101600" rtl="0" algn="l">
+              <a:lnSpc>
+                <a:spcPct val="127500"/>
+              </a:lnSpc>
+              <a:spcBef>
+                <a:spcPts val="1100"/>
+              </a:spcBef>
+              <a:spcAft>
+                <a:spcPts val="0"/>
+              </a:spcAft>
+              <a:buNone/>
+            </a:pPr>
+            <a:r>
+              <a:rPr lang="ru" sz="1600">
+                <a:solidFill>
+                  <a:srgbClr val="202020"/>
+                </a:solidFill>
+                <a:highlight>
+                  <a:srgbClr val="FFFFFF"/>
+                </a:highlight>
+                <a:latin typeface="Roboto Mono"/>
+                <a:ea typeface="Roboto Mono"/>
+                <a:cs typeface="Roboto Mono"/>
+                <a:sym typeface="Roboto Mono"/>
+              </a:rPr>
+              <a:t> </a:t>
+            </a:r>
+            <a:r>
+              <a:rPr lang="ru" sz="1600">
+                <a:solidFill>
+                  <a:srgbClr val="1F61A0"/>
+                </a:solidFill>
+                <a:highlight>
+                  <a:srgbClr val="FFFFFF"/>
+                </a:highlight>
+                <a:latin typeface="Roboto Mono"/>
+                <a:ea typeface="Roboto Mono"/>
+                <a:cs typeface="Roboto Mono"/>
+                <a:sym typeface="Roboto Mono"/>
+              </a:rPr>
+              <a:t>id</a:t>
+            </a:r>
+            <a:r>
+              <a:rPr lang="ru" sz="1600">
+                <a:solidFill>
+                  <a:srgbClr val="555555"/>
+                </a:solidFill>
+                <a:highlight>
+                  <a:srgbClr val="FFFFFF"/>
+                </a:highlight>
+                <a:latin typeface="Roboto Mono"/>
+                <a:ea typeface="Roboto Mono"/>
+                <a:cs typeface="Roboto Mono"/>
+                <a:sym typeface="Roboto Mono"/>
+              </a:rPr>
+              <a:t>:</a:t>
+            </a:r>
+            <a:r>
+              <a:rPr lang="ru" sz="1600">
+                <a:solidFill>
+                  <a:srgbClr val="202020"/>
+                </a:solidFill>
+                <a:highlight>
+                  <a:srgbClr val="FFFFFF"/>
+                </a:highlight>
+                <a:latin typeface="Roboto Mono"/>
+                <a:ea typeface="Roboto Mono"/>
+                <a:cs typeface="Roboto Mono"/>
+                <a:sym typeface="Roboto Mono"/>
+              </a:rPr>
+              <a:t> </a:t>
+            </a:r>
+            <a:r>
+              <a:rPr lang="ru" sz="1600">
+                <a:solidFill>
+                  <a:srgbClr val="CA9800"/>
+                </a:solidFill>
+                <a:highlight>
+                  <a:srgbClr val="FFFFFF"/>
+                </a:highlight>
+                <a:latin typeface="Roboto Mono"/>
+                <a:ea typeface="Roboto Mono"/>
+                <a:cs typeface="Roboto Mono"/>
+                <a:sym typeface="Roboto Mono"/>
+              </a:rPr>
+              <a:t>ID</a:t>
+            </a:r>
+            <a:r>
+              <a:rPr lang="ru" sz="1600">
+                <a:solidFill>
+                  <a:srgbClr val="555555"/>
+                </a:solidFill>
+                <a:highlight>
+                  <a:srgbClr val="FFFFFF"/>
+                </a:highlight>
+                <a:latin typeface="Roboto Mono"/>
+                <a:ea typeface="Roboto Mono"/>
+                <a:cs typeface="Roboto Mono"/>
+                <a:sym typeface="Roboto Mono"/>
+              </a:rPr>
+              <a:t>!</a:t>
+            </a:r>
+            <a:endParaRPr sz="1600">
+              <a:solidFill>
+                <a:srgbClr val="555555"/>
+              </a:solidFill>
+              <a:highlight>
+                <a:srgbClr val="FFFFFF"/>
+              </a:highlight>
+              <a:latin typeface="Roboto Mono"/>
+              <a:ea typeface="Roboto Mono"/>
+              <a:cs typeface="Roboto Mono"/>
+              <a:sym typeface="Roboto Mono"/>
+            </a:endParaRPr>
+          </a:p>
+          <a:p>
+            <a:pPr indent="0" lvl="0" marL="101600" marR="101600" rtl="0" algn="l">
+              <a:lnSpc>
+                <a:spcPct val="127500"/>
+              </a:lnSpc>
+              <a:spcBef>
+                <a:spcPts val="1100"/>
+              </a:spcBef>
+              <a:spcAft>
+                <a:spcPts val="0"/>
+              </a:spcAft>
+              <a:buNone/>
+            </a:pPr>
+            <a:r>
+              <a:rPr lang="ru" sz="1600">
+                <a:solidFill>
+                  <a:srgbClr val="202020"/>
+                </a:solidFill>
+                <a:highlight>
+                  <a:srgbClr val="FFFFFF"/>
+                </a:highlight>
+                <a:latin typeface="Roboto Mono"/>
+                <a:ea typeface="Roboto Mono"/>
+                <a:cs typeface="Roboto Mono"/>
+                <a:sym typeface="Roboto Mono"/>
+              </a:rPr>
+              <a:t> </a:t>
+            </a:r>
+            <a:r>
+              <a:rPr lang="ru" sz="1600">
+                <a:solidFill>
+                  <a:srgbClr val="1F61A0"/>
+                </a:solidFill>
+                <a:highlight>
+                  <a:srgbClr val="FFFFFF"/>
+                </a:highlight>
+                <a:latin typeface="Roboto Mono"/>
+                <a:ea typeface="Roboto Mono"/>
+                <a:cs typeface="Roboto Mono"/>
+                <a:sym typeface="Roboto Mono"/>
+              </a:rPr>
+              <a:t>name</a:t>
+            </a:r>
+            <a:r>
+              <a:rPr lang="ru" sz="1600">
+                <a:solidFill>
+                  <a:srgbClr val="555555"/>
+                </a:solidFill>
+                <a:highlight>
+                  <a:srgbClr val="FFFFFF"/>
+                </a:highlight>
+                <a:latin typeface="Roboto Mono"/>
+                <a:ea typeface="Roboto Mono"/>
+                <a:cs typeface="Roboto Mono"/>
+                <a:sym typeface="Roboto Mono"/>
+              </a:rPr>
+              <a:t>:</a:t>
+            </a:r>
+            <a:r>
+              <a:rPr lang="ru" sz="1600">
+                <a:solidFill>
+                  <a:srgbClr val="202020"/>
+                </a:solidFill>
+                <a:highlight>
+                  <a:srgbClr val="FFFFFF"/>
+                </a:highlight>
+                <a:latin typeface="Roboto Mono"/>
+                <a:ea typeface="Roboto Mono"/>
+                <a:cs typeface="Roboto Mono"/>
+                <a:sym typeface="Roboto Mono"/>
+              </a:rPr>
+              <a:t> </a:t>
+            </a:r>
+            <a:r>
+              <a:rPr lang="ru" sz="1600">
+                <a:solidFill>
+                  <a:srgbClr val="CA9800"/>
+                </a:solidFill>
+                <a:highlight>
+                  <a:srgbClr val="FFFFFF"/>
+                </a:highlight>
+                <a:latin typeface="Roboto Mono"/>
+                <a:ea typeface="Roboto Mono"/>
+                <a:cs typeface="Roboto Mono"/>
+                <a:sym typeface="Roboto Mono"/>
+              </a:rPr>
+              <a:t>String</a:t>
+            </a:r>
+            <a:r>
+              <a:rPr lang="ru" sz="1600">
+                <a:solidFill>
+                  <a:srgbClr val="555555"/>
+                </a:solidFill>
+                <a:highlight>
+                  <a:srgbClr val="FFFFFF"/>
+                </a:highlight>
+                <a:latin typeface="Roboto Mono"/>
+                <a:ea typeface="Roboto Mono"/>
+                <a:cs typeface="Roboto Mono"/>
+                <a:sym typeface="Roboto Mono"/>
+              </a:rPr>
+              <a:t>!</a:t>
+            </a:r>
+            <a:endParaRPr sz="1600">
+              <a:solidFill>
+                <a:srgbClr val="555555"/>
+              </a:solidFill>
+              <a:highlight>
+                <a:srgbClr val="FFFFFF"/>
+              </a:highlight>
+              <a:latin typeface="Roboto Mono"/>
+              <a:ea typeface="Roboto Mono"/>
+              <a:cs typeface="Roboto Mono"/>
+              <a:sym typeface="Roboto Mono"/>
+            </a:endParaRPr>
+          </a:p>
+          <a:p>
+            <a:pPr indent="0" lvl="0" marL="101600" marR="101600" rtl="0" algn="l">
+              <a:lnSpc>
+                <a:spcPct val="127500"/>
+              </a:lnSpc>
+              <a:spcBef>
+                <a:spcPts val="1100"/>
+              </a:spcBef>
+              <a:spcAft>
+                <a:spcPts val="0"/>
+              </a:spcAft>
+              <a:buNone/>
+            </a:pPr>
+            <a:r>
+              <a:rPr lang="ru" sz="1600">
+                <a:solidFill>
+                  <a:srgbClr val="202020"/>
+                </a:solidFill>
+                <a:highlight>
+                  <a:srgbClr val="FFFFFF"/>
+                </a:highlight>
+                <a:latin typeface="Roboto Mono"/>
+                <a:ea typeface="Roboto Mono"/>
+                <a:cs typeface="Roboto Mono"/>
+                <a:sym typeface="Roboto Mono"/>
+              </a:rPr>
+              <a:t> </a:t>
+            </a:r>
+            <a:r>
+              <a:rPr lang="ru" sz="1600">
+                <a:solidFill>
+                  <a:srgbClr val="1F61A0"/>
+                </a:solidFill>
+                <a:highlight>
+                  <a:srgbClr val="FFFFFF"/>
+                </a:highlight>
+                <a:latin typeface="Roboto Mono"/>
+                <a:ea typeface="Roboto Mono"/>
+                <a:cs typeface="Roboto Mono"/>
+                <a:sym typeface="Roboto Mono"/>
+              </a:rPr>
+              <a:t>friends</a:t>
+            </a:r>
+            <a:r>
+              <a:rPr lang="ru" sz="1600">
+                <a:solidFill>
+                  <a:srgbClr val="555555"/>
+                </a:solidFill>
+                <a:highlight>
+                  <a:srgbClr val="FFFFFF"/>
+                </a:highlight>
+                <a:latin typeface="Roboto Mono"/>
+                <a:ea typeface="Roboto Mono"/>
+                <a:cs typeface="Roboto Mono"/>
+                <a:sym typeface="Roboto Mono"/>
+              </a:rPr>
+              <a:t>:</a:t>
+            </a:r>
+            <a:r>
+              <a:rPr lang="ru" sz="1600">
+                <a:solidFill>
+                  <a:srgbClr val="202020"/>
+                </a:solidFill>
+                <a:highlight>
+                  <a:srgbClr val="FFFFFF"/>
+                </a:highlight>
+                <a:latin typeface="Roboto Mono"/>
+                <a:ea typeface="Roboto Mono"/>
+                <a:cs typeface="Roboto Mono"/>
+                <a:sym typeface="Roboto Mono"/>
+              </a:rPr>
+              <a:t> </a:t>
+            </a:r>
+            <a:r>
+              <a:rPr lang="ru" sz="1600">
+                <a:solidFill>
+                  <a:srgbClr val="555555"/>
+                </a:solidFill>
+                <a:highlight>
+                  <a:srgbClr val="FFFFFF"/>
+                </a:highlight>
+                <a:latin typeface="Roboto Mono"/>
+                <a:ea typeface="Roboto Mono"/>
+                <a:cs typeface="Roboto Mono"/>
+                <a:sym typeface="Roboto Mono"/>
+              </a:rPr>
+              <a:t>[</a:t>
+            </a:r>
+            <a:r>
+              <a:rPr lang="ru" sz="1600">
+                <a:solidFill>
+                  <a:srgbClr val="CA9800"/>
+                </a:solidFill>
+                <a:highlight>
+                  <a:srgbClr val="FFFFFF"/>
+                </a:highlight>
+                <a:latin typeface="Roboto Mono"/>
+                <a:ea typeface="Roboto Mono"/>
+                <a:cs typeface="Roboto Mono"/>
+                <a:sym typeface="Roboto Mono"/>
+              </a:rPr>
+              <a:t>Character</a:t>
+            </a:r>
+            <a:r>
+              <a:rPr lang="ru" sz="1600">
+                <a:solidFill>
+                  <a:srgbClr val="555555"/>
+                </a:solidFill>
+                <a:highlight>
+                  <a:srgbClr val="FFFFFF"/>
+                </a:highlight>
+                <a:latin typeface="Roboto Mono"/>
+                <a:ea typeface="Roboto Mono"/>
+                <a:cs typeface="Roboto Mono"/>
+                <a:sym typeface="Roboto Mono"/>
+              </a:rPr>
+              <a:t>]</a:t>
+            </a:r>
+            <a:endParaRPr sz="1600">
+              <a:solidFill>
+                <a:srgbClr val="555555"/>
+              </a:solidFill>
+              <a:highlight>
+                <a:srgbClr val="FFFFFF"/>
+              </a:highlight>
+              <a:latin typeface="Roboto Mono"/>
+              <a:ea typeface="Roboto Mono"/>
+              <a:cs typeface="Roboto Mono"/>
+              <a:sym typeface="Roboto Mono"/>
+            </a:endParaRPr>
+          </a:p>
+          <a:p>
+            <a:pPr indent="0" lvl="0" marL="101600" marR="101600" rtl="0" algn="l">
+              <a:lnSpc>
+                <a:spcPct val="127500"/>
+              </a:lnSpc>
+              <a:spcBef>
+                <a:spcPts val="1100"/>
+              </a:spcBef>
+              <a:spcAft>
+                <a:spcPts val="0"/>
+              </a:spcAft>
+              <a:buNone/>
+            </a:pPr>
+            <a:r>
+              <a:rPr lang="ru" sz="1600">
+                <a:solidFill>
+                  <a:srgbClr val="202020"/>
+                </a:solidFill>
+                <a:highlight>
+                  <a:srgbClr val="FFFFFF"/>
+                </a:highlight>
+                <a:latin typeface="Roboto Mono"/>
+                <a:ea typeface="Roboto Mono"/>
+                <a:cs typeface="Roboto Mono"/>
+                <a:sym typeface="Roboto Mono"/>
+              </a:rPr>
+              <a:t> </a:t>
+            </a:r>
+            <a:r>
+              <a:rPr lang="ru" sz="1600">
+                <a:solidFill>
+                  <a:srgbClr val="1F61A0"/>
+                </a:solidFill>
+                <a:highlight>
+                  <a:srgbClr val="FFFFFF"/>
+                </a:highlight>
+                <a:latin typeface="Roboto Mono"/>
+                <a:ea typeface="Roboto Mono"/>
+                <a:cs typeface="Roboto Mono"/>
+                <a:sym typeface="Roboto Mono"/>
+              </a:rPr>
+              <a:t>appearsIn</a:t>
+            </a:r>
+            <a:r>
+              <a:rPr lang="ru" sz="1600">
+                <a:solidFill>
+                  <a:srgbClr val="555555"/>
+                </a:solidFill>
+                <a:highlight>
+                  <a:srgbClr val="FFFFFF"/>
+                </a:highlight>
+                <a:latin typeface="Roboto Mono"/>
+                <a:ea typeface="Roboto Mono"/>
+                <a:cs typeface="Roboto Mono"/>
+                <a:sym typeface="Roboto Mono"/>
+              </a:rPr>
+              <a:t>:</a:t>
+            </a:r>
+            <a:r>
+              <a:rPr lang="ru" sz="1600">
+                <a:solidFill>
+                  <a:srgbClr val="202020"/>
+                </a:solidFill>
+                <a:highlight>
+                  <a:srgbClr val="FFFFFF"/>
+                </a:highlight>
+                <a:latin typeface="Roboto Mono"/>
+                <a:ea typeface="Roboto Mono"/>
+                <a:cs typeface="Roboto Mono"/>
+                <a:sym typeface="Roboto Mono"/>
+              </a:rPr>
+              <a:t> </a:t>
+            </a:r>
+            <a:r>
+              <a:rPr lang="ru" sz="1600">
+                <a:solidFill>
+                  <a:srgbClr val="555555"/>
+                </a:solidFill>
+                <a:highlight>
+                  <a:srgbClr val="FFFFFF"/>
+                </a:highlight>
+                <a:latin typeface="Roboto Mono"/>
+                <a:ea typeface="Roboto Mono"/>
+                <a:cs typeface="Roboto Mono"/>
+                <a:sym typeface="Roboto Mono"/>
+              </a:rPr>
+              <a:t>[</a:t>
+            </a:r>
+            <a:r>
+              <a:rPr lang="ru" sz="1600">
+                <a:solidFill>
+                  <a:srgbClr val="CA9800"/>
+                </a:solidFill>
+                <a:highlight>
+                  <a:srgbClr val="FFFFFF"/>
+                </a:highlight>
+                <a:latin typeface="Roboto Mono"/>
+                <a:ea typeface="Roboto Mono"/>
+                <a:cs typeface="Roboto Mono"/>
+                <a:sym typeface="Roboto Mono"/>
+              </a:rPr>
+              <a:t>Episode</a:t>
+            </a:r>
+            <a:r>
+              <a:rPr lang="ru" sz="1600">
+                <a:solidFill>
+                  <a:srgbClr val="555555"/>
+                </a:solidFill>
+                <a:highlight>
+                  <a:srgbClr val="FFFFFF"/>
+                </a:highlight>
+                <a:latin typeface="Roboto Mono"/>
+                <a:ea typeface="Roboto Mono"/>
+                <a:cs typeface="Roboto Mono"/>
+                <a:sym typeface="Roboto Mono"/>
+              </a:rPr>
+              <a:t>]!</a:t>
+            </a:r>
+            <a:endParaRPr sz="1600">
+              <a:solidFill>
+                <a:srgbClr val="555555"/>
+              </a:solidFill>
+              <a:highlight>
+                <a:srgbClr val="FFFFFF"/>
+              </a:highlight>
+              <a:latin typeface="Roboto Mono"/>
+              <a:ea typeface="Roboto Mono"/>
+              <a:cs typeface="Roboto Mono"/>
+              <a:sym typeface="Roboto Mono"/>
+            </a:endParaRPr>
+          </a:p>
+          <a:p>
+            <a:pPr indent="0" lvl="0" marL="101600" marR="101600" rtl="0" algn="l">
+              <a:lnSpc>
+                <a:spcPct val="127500"/>
+              </a:lnSpc>
+              <a:spcBef>
+                <a:spcPts val="1100"/>
+              </a:spcBef>
+              <a:spcAft>
+                <a:spcPts val="0"/>
+              </a:spcAft>
+              <a:buNone/>
+            </a:pPr>
+            <a:r>
+              <a:rPr lang="ru" sz="1600">
+                <a:solidFill>
+                  <a:srgbClr val="202020"/>
+                </a:solidFill>
+                <a:highlight>
+                  <a:srgbClr val="FFFFFF"/>
+                </a:highlight>
+                <a:latin typeface="Roboto Mono"/>
+                <a:ea typeface="Roboto Mono"/>
+                <a:cs typeface="Roboto Mono"/>
+                <a:sym typeface="Roboto Mono"/>
+              </a:rPr>
+              <a:t> </a:t>
+            </a:r>
+            <a:r>
+              <a:rPr lang="ru" sz="1600">
+                <a:solidFill>
+                  <a:srgbClr val="1F61A0"/>
+                </a:solidFill>
+                <a:highlight>
+                  <a:srgbClr val="FFFFFF"/>
+                </a:highlight>
+                <a:latin typeface="Roboto Mono"/>
+                <a:ea typeface="Roboto Mono"/>
+                <a:cs typeface="Roboto Mono"/>
+                <a:sym typeface="Roboto Mono"/>
+              </a:rPr>
+              <a:t>starships</a:t>
+            </a:r>
+            <a:r>
+              <a:rPr lang="ru" sz="1600">
+                <a:solidFill>
+                  <a:srgbClr val="555555"/>
+                </a:solidFill>
+                <a:highlight>
+                  <a:srgbClr val="FFFFFF"/>
+                </a:highlight>
+                <a:latin typeface="Roboto Mono"/>
+                <a:ea typeface="Roboto Mono"/>
+                <a:cs typeface="Roboto Mono"/>
+                <a:sym typeface="Roboto Mono"/>
+              </a:rPr>
+              <a:t>:</a:t>
+            </a:r>
+            <a:r>
+              <a:rPr lang="ru" sz="1600">
+                <a:solidFill>
+                  <a:srgbClr val="202020"/>
+                </a:solidFill>
+                <a:highlight>
+                  <a:srgbClr val="FFFFFF"/>
+                </a:highlight>
+                <a:latin typeface="Roboto Mono"/>
+                <a:ea typeface="Roboto Mono"/>
+                <a:cs typeface="Roboto Mono"/>
+                <a:sym typeface="Roboto Mono"/>
+              </a:rPr>
+              <a:t> </a:t>
+            </a:r>
+            <a:r>
+              <a:rPr lang="ru" sz="1600">
+                <a:solidFill>
+                  <a:srgbClr val="555555"/>
+                </a:solidFill>
+                <a:highlight>
+                  <a:srgbClr val="FFFFFF"/>
+                </a:highlight>
+                <a:latin typeface="Roboto Mono"/>
+                <a:ea typeface="Roboto Mono"/>
+                <a:cs typeface="Roboto Mono"/>
+                <a:sym typeface="Roboto Mono"/>
+              </a:rPr>
+              <a:t>[</a:t>
+            </a:r>
+            <a:r>
+              <a:rPr lang="ru" sz="1600">
+                <a:solidFill>
+                  <a:srgbClr val="CA9800"/>
+                </a:solidFill>
+                <a:highlight>
+                  <a:srgbClr val="FFFFFF"/>
+                </a:highlight>
+                <a:latin typeface="Roboto Mono"/>
+                <a:ea typeface="Roboto Mono"/>
+                <a:cs typeface="Roboto Mono"/>
+                <a:sym typeface="Roboto Mono"/>
+              </a:rPr>
+              <a:t>Starship</a:t>
+            </a:r>
+            <a:r>
+              <a:rPr lang="ru" sz="1600">
+                <a:solidFill>
+                  <a:srgbClr val="555555"/>
+                </a:solidFill>
+                <a:highlight>
+                  <a:srgbClr val="FFFFFF"/>
+                </a:highlight>
+                <a:latin typeface="Roboto Mono"/>
+                <a:ea typeface="Roboto Mono"/>
+                <a:cs typeface="Roboto Mono"/>
+                <a:sym typeface="Roboto Mono"/>
+              </a:rPr>
+              <a:t>]</a:t>
+            </a:r>
+            <a:endParaRPr sz="1600">
+              <a:solidFill>
+                <a:srgbClr val="555555"/>
+              </a:solidFill>
+              <a:highlight>
+                <a:srgbClr val="FFFFFF"/>
+              </a:highlight>
+              <a:latin typeface="Roboto Mono"/>
+              <a:ea typeface="Roboto Mono"/>
+              <a:cs typeface="Roboto Mono"/>
+              <a:sym typeface="Roboto Mono"/>
+            </a:endParaRPr>
+          </a:p>
+          <a:p>
+            <a:pPr indent="0" lvl="0" marL="101600" marR="101600" rtl="0" algn="l">
+              <a:lnSpc>
+                <a:spcPct val="127500"/>
+              </a:lnSpc>
+              <a:spcBef>
+                <a:spcPts val="1100"/>
+              </a:spcBef>
+              <a:spcAft>
+                <a:spcPts val="0"/>
+              </a:spcAft>
+              <a:buNone/>
+            </a:pPr>
+            <a:r>
+              <a:rPr lang="ru" sz="1600">
+                <a:solidFill>
+                  <a:srgbClr val="202020"/>
+                </a:solidFill>
+                <a:highlight>
+                  <a:srgbClr val="FFFFFF"/>
+                </a:highlight>
+                <a:latin typeface="Roboto Mono"/>
+                <a:ea typeface="Roboto Mono"/>
+                <a:cs typeface="Roboto Mono"/>
+                <a:sym typeface="Roboto Mono"/>
+              </a:rPr>
+              <a:t> </a:t>
+            </a:r>
+            <a:r>
+              <a:rPr lang="ru" sz="1600">
+                <a:solidFill>
+                  <a:srgbClr val="1F61A0"/>
+                </a:solidFill>
+                <a:highlight>
+                  <a:srgbClr val="FFFFFF"/>
+                </a:highlight>
+                <a:latin typeface="Roboto Mono"/>
+                <a:ea typeface="Roboto Mono"/>
+                <a:cs typeface="Roboto Mono"/>
+                <a:sym typeface="Roboto Mono"/>
+              </a:rPr>
+              <a:t>totalCredits</a:t>
+            </a:r>
+            <a:r>
+              <a:rPr lang="ru" sz="1600">
+                <a:solidFill>
+                  <a:srgbClr val="555555"/>
+                </a:solidFill>
+                <a:highlight>
+                  <a:srgbClr val="FFFFFF"/>
+                </a:highlight>
+                <a:latin typeface="Roboto Mono"/>
+                <a:ea typeface="Roboto Mono"/>
+                <a:cs typeface="Roboto Mono"/>
+                <a:sym typeface="Roboto Mono"/>
+              </a:rPr>
+              <a:t>:</a:t>
+            </a:r>
+            <a:r>
+              <a:rPr lang="ru" sz="1600">
+                <a:solidFill>
+                  <a:srgbClr val="202020"/>
+                </a:solidFill>
+                <a:highlight>
+                  <a:srgbClr val="FFFFFF"/>
+                </a:highlight>
+                <a:latin typeface="Roboto Mono"/>
+                <a:ea typeface="Roboto Mono"/>
+                <a:cs typeface="Roboto Mono"/>
+                <a:sym typeface="Roboto Mono"/>
+              </a:rPr>
+              <a:t> </a:t>
+            </a:r>
+            <a:r>
+              <a:rPr lang="ru" sz="1600">
+                <a:solidFill>
+                  <a:srgbClr val="CA9800"/>
+                </a:solidFill>
+                <a:highlight>
+                  <a:srgbClr val="FFFFFF"/>
+                </a:highlight>
+                <a:latin typeface="Roboto Mono"/>
+                <a:ea typeface="Roboto Mono"/>
+                <a:cs typeface="Roboto Mono"/>
+                <a:sym typeface="Roboto Mono"/>
+              </a:rPr>
+              <a:t>Int</a:t>
+            </a:r>
+            <a:endParaRPr sz="1600">
+              <a:solidFill>
+                <a:srgbClr val="CA9800"/>
+              </a:solidFill>
+              <a:highlight>
+                <a:srgbClr val="FFFFFF"/>
+              </a:highlight>
+              <a:latin typeface="Roboto Mono"/>
+              <a:ea typeface="Roboto Mono"/>
+              <a:cs typeface="Roboto Mono"/>
+              <a:sym typeface="Roboto Mono"/>
+            </a:endParaRPr>
+          </a:p>
+          <a:p>
+            <a:pPr indent="0" lvl="0" marL="101600" marR="101600" rtl="0" algn="l">
+              <a:lnSpc>
+                <a:spcPct val="127500"/>
+              </a:lnSpc>
+              <a:spcBef>
+                <a:spcPts val="1100"/>
+              </a:spcBef>
+              <a:spcAft>
+                <a:spcPts val="0"/>
+              </a:spcAft>
+              <a:buNone/>
+            </a:pPr>
+            <a:r>
+              <a:rPr lang="ru" sz="1600">
+                <a:solidFill>
+                  <a:srgbClr val="555555"/>
+                </a:solidFill>
+                <a:highlight>
+                  <a:srgbClr val="FFFFFF"/>
+                </a:highlight>
+                <a:latin typeface="Roboto Mono"/>
+                <a:ea typeface="Roboto Mono"/>
+                <a:cs typeface="Roboto Mono"/>
+                <a:sym typeface="Roboto Mono"/>
+              </a:rPr>
+              <a:t>}</a:t>
+            </a:r>
+            <a:endParaRPr sz="1600">
+              <a:solidFill>
+                <a:srgbClr val="555555"/>
+              </a:solidFill>
+              <a:highlight>
+                <a:srgbClr val="FFFFFF"/>
+              </a:highlight>
+              <a:latin typeface="Roboto Mono"/>
+              <a:ea typeface="Roboto Mono"/>
+              <a:cs typeface="Roboto Mono"/>
+              <a:sym typeface="Roboto Mono"/>
+            </a:endParaRPr>
+          </a:p>
+          <a:p>
+            <a:pPr indent="0" lvl="0" marL="0" marR="101600" rtl="0" algn="l">
+              <a:lnSpc>
+                <a:spcPct val="127500"/>
+              </a:lnSpc>
+              <a:spcBef>
+                <a:spcPts val="1100"/>
+              </a:spcBef>
+              <a:spcAft>
+                <a:spcPts val="1100"/>
+              </a:spcAft>
+              <a:buNone/>
+            </a:pPr>
+            <a:r>
+              <a:t/>
+            </a:r>
+            <a:endParaRPr sz="1000">
+              <a:solidFill>
+                <a:srgbClr val="555555"/>
+              </a:solidFill>
+              <a:highlight>
+                <a:srgbClr val="FFFFFF"/>
+              </a:highlight>
+              <a:latin typeface="Roboto Mono"/>
+              <a:ea typeface="Roboto Mono"/>
+              <a:cs typeface="Roboto Mono"/>
+              <a:sym typeface="Roboto Mono"/>
+            </a:endParaRPr>
+          </a:p>
+        </p:txBody>
+      </p:sp>
+    </p:spTree>
+  </p:cSld>
+  <p:clrMapOvr>
+    <a:masterClrMapping/>
+  </p:clrMapOvr>
+</p:sld>
+</file>
+
+<file path=ppt/slides/slide18.xml><?xml version="1.0" encoding="utf-8"?>
+<p:sld xmlns:a="http://schemas.openxmlformats.org/drawingml/2006/main" xmlns:r="http://schemas.openxmlformats.org/officeDocument/2006/relationships" xmlns:mc="http://schemas.openxmlformats.org/markup-compatibility/2006" xmlns:mv="urn:schemas-microsoft-com:mac:vml" xmlns:p="http://schemas.openxmlformats.org/presentationml/2006/main" xmlns:c="http://schemas.openxmlformats.org/drawingml/2006/chart" xmlns:dgm="http://schemas.openxmlformats.org/drawingml/2006/diagram" xmlns:o="urn:schemas-microsoft-com:office:office" xmlns:v="urn:schemas-microsoft-com:vml" xmlns:pvml="urn:schemas-microsoft-com:office:powerpoint" xmlns:com="http://schemas.openxmlformats.org/drawingml/2006/compatibility" xmlns:p14="http://schemas.microsoft.com/office/powerpoint/2010/main" xmlns:p15="http://schemas.microsoft.com/office/powerpoint/2012/main" xmlns:ahyp="http://schemas.microsoft.com/office/drawing/2018/hyperlinkcolor">
+  <p:cSld>
+    <p:spTree>
+      <p:nvGrpSpPr>
+        <p:cNvPr id="167" name="Shape 167"/>
+        <p:cNvGrpSpPr/>
+        <p:nvPr/>
+      </p:nvGrpSpPr>
+      <p:grpSpPr>
+        <a:xfrm>
+          <a:off x="0" y="0"/>
+          <a:ext cx="0" cy="0"/>
+          <a:chOff x="0" y="0"/>
+          <a:chExt cx="0" cy="0"/>
+        </a:xfrm>
+      </p:grpSpPr>
+      <p:sp>
+        <p:nvSpPr>
+          <p:cNvPr id="168" name="Google Shape;168;p30"/>
+          <p:cNvSpPr txBox="1"/>
+          <p:nvPr>
+            <p:ph type="title"/>
+          </p:nvPr>
+        </p:nvSpPr>
+        <p:spPr>
+          <a:xfrm>
+            <a:off x="311700" y="445025"/>
+            <a:ext cx="8520600" cy="572700"/>
+          </a:xfrm>
+          <a:prstGeom prst="rect">
+            <a:avLst/>
+          </a:prstGeom>
+        </p:spPr>
+        <p:txBody>
+          <a:bodyPr anchorCtr="0" anchor="t" bIns="91425" lIns="91425" spcFirstLastPara="1" rIns="91425" wrap="square" tIns="91425">
+            <a:noAutofit/>
+          </a:bodyPr>
+          <a:lstStyle/>
+          <a:p>
+            <a:pPr indent="0" lvl="0" marL="0" rtl="0" algn="l">
+              <a:spcBef>
+                <a:spcPts val="0"/>
+              </a:spcBef>
+              <a:spcAft>
+                <a:spcPts val="0"/>
+              </a:spcAft>
+              <a:buNone/>
+            </a:pPr>
+            <a:r>
+              <a:rPr lang="ru"/>
+              <a:t>Union types</a:t>
+            </a:r>
+            <a:endParaRPr/>
+          </a:p>
+        </p:txBody>
+      </p:sp>
+      <p:sp>
+        <p:nvSpPr>
+          <p:cNvPr id="169" name="Google Shape;169;p30"/>
+          <p:cNvSpPr txBox="1"/>
+          <p:nvPr/>
+        </p:nvSpPr>
+        <p:spPr>
+          <a:xfrm>
+            <a:off x="311700" y="1017725"/>
+            <a:ext cx="7058400" cy="572700"/>
+          </a:xfrm>
+          <a:prstGeom prst="rect">
+            <a:avLst/>
+          </a:prstGeom>
+          <a:noFill/>
+          <a:ln>
+            <a:noFill/>
+          </a:ln>
+        </p:spPr>
+        <p:txBody>
+          <a:bodyPr anchorCtr="0" anchor="t" bIns="91425" lIns="91425" spcFirstLastPara="1" rIns="91425" wrap="square" tIns="91425">
+            <a:noAutofit/>
+          </a:bodyPr>
+          <a:lstStyle/>
+          <a:p>
+            <a:pPr indent="0" lvl="0" marL="0" rtl="0" algn="l">
+              <a:spcBef>
+                <a:spcPts val="0"/>
+              </a:spcBef>
+              <a:spcAft>
+                <a:spcPts val="0"/>
+              </a:spcAft>
+              <a:buNone/>
+            </a:pPr>
+            <a:r>
+              <a:rPr lang="ru" sz="1600">
+                <a:solidFill>
+                  <a:srgbClr val="B11A04"/>
+                </a:solidFill>
+                <a:highlight>
+                  <a:srgbClr val="FFFFFF"/>
+                </a:highlight>
+                <a:latin typeface="Roboto Mono"/>
+                <a:ea typeface="Roboto Mono"/>
+                <a:cs typeface="Roboto Mono"/>
+                <a:sym typeface="Roboto Mono"/>
+              </a:rPr>
+              <a:t>union</a:t>
+            </a:r>
+            <a:r>
+              <a:rPr lang="ru" sz="1600">
+                <a:solidFill>
+                  <a:srgbClr val="202020"/>
+                </a:solidFill>
+                <a:highlight>
+                  <a:srgbClr val="FFFFFF"/>
+                </a:highlight>
+                <a:latin typeface="Roboto Mono"/>
+                <a:ea typeface="Roboto Mono"/>
+                <a:cs typeface="Roboto Mono"/>
+                <a:sym typeface="Roboto Mono"/>
+              </a:rPr>
+              <a:t> SearchResult </a:t>
+            </a:r>
+            <a:r>
+              <a:rPr lang="ru" sz="1600">
+                <a:solidFill>
+                  <a:srgbClr val="555555"/>
+                </a:solidFill>
+                <a:highlight>
+                  <a:srgbClr val="FFFFFF"/>
+                </a:highlight>
+                <a:latin typeface="Roboto Mono"/>
+                <a:ea typeface="Roboto Mono"/>
+                <a:cs typeface="Roboto Mono"/>
+                <a:sym typeface="Roboto Mono"/>
+              </a:rPr>
+              <a:t>=</a:t>
+            </a:r>
+            <a:r>
+              <a:rPr lang="ru" sz="1600">
+                <a:solidFill>
+                  <a:srgbClr val="202020"/>
+                </a:solidFill>
+                <a:highlight>
+                  <a:srgbClr val="FFFFFF"/>
+                </a:highlight>
+                <a:latin typeface="Roboto Mono"/>
+                <a:ea typeface="Roboto Mono"/>
+                <a:cs typeface="Roboto Mono"/>
+                <a:sym typeface="Roboto Mono"/>
+              </a:rPr>
+              <a:t> </a:t>
+            </a:r>
+            <a:r>
+              <a:rPr lang="ru" sz="1600">
+                <a:solidFill>
+                  <a:srgbClr val="CA9800"/>
+                </a:solidFill>
+                <a:highlight>
+                  <a:srgbClr val="FFFFFF"/>
+                </a:highlight>
+                <a:latin typeface="Roboto Mono"/>
+                <a:ea typeface="Roboto Mono"/>
+                <a:cs typeface="Roboto Mono"/>
+                <a:sym typeface="Roboto Mono"/>
+              </a:rPr>
+              <a:t>Human</a:t>
+            </a:r>
+            <a:r>
+              <a:rPr lang="ru" sz="1600">
+                <a:solidFill>
+                  <a:srgbClr val="202020"/>
+                </a:solidFill>
+                <a:highlight>
+                  <a:srgbClr val="FFFFFF"/>
+                </a:highlight>
+                <a:latin typeface="Roboto Mono"/>
+                <a:ea typeface="Roboto Mono"/>
+                <a:cs typeface="Roboto Mono"/>
+                <a:sym typeface="Roboto Mono"/>
+              </a:rPr>
+              <a:t> </a:t>
+            </a:r>
+            <a:r>
+              <a:rPr lang="ru" sz="1600">
+                <a:solidFill>
+                  <a:srgbClr val="555555"/>
+                </a:solidFill>
+                <a:highlight>
+                  <a:srgbClr val="FFFFFF"/>
+                </a:highlight>
+                <a:latin typeface="Roboto Mono"/>
+                <a:ea typeface="Roboto Mono"/>
+                <a:cs typeface="Roboto Mono"/>
+                <a:sym typeface="Roboto Mono"/>
+              </a:rPr>
+              <a:t>|</a:t>
+            </a:r>
+            <a:r>
+              <a:rPr lang="ru" sz="1600">
+                <a:solidFill>
+                  <a:srgbClr val="202020"/>
+                </a:solidFill>
+                <a:highlight>
+                  <a:srgbClr val="FFFFFF"/>
+                </a:highlight>
+                <a:latin typeface="Roboto Mono"/>
+                <a:ea typeface="Roboto Mono"/>
+                <a:cs typeface="Roboto Mono"/>
+                <a:sym typeface="Roboto Mono"/>
+              </a:rPr>
+              <a:t> </a:t>
+            </a:r>
+            <a:r>
+              <a:rPr lang="ru" sz="1600">
+                <a:solidFill>
+                  <a:srgbClr val="CA9800"/>
+                </a:solidFill>
+                <a:highlight>
+                  <a:srgbClr val="FFFFFF"/>
+                </a:highlight>
+                <a:latin typeface="Roboto Mono"/>
+                <a:ea typeface="Roboto Mono"/>
+                <a:cs typeface="Roboto Mono"/>
+                <a:sym typeface="Roboto Mono"/>
+              </a:rPr>
+              <a:t>Droid</a:t>
+            </a:r>
+            <a:r>
+              <a:rPr lang="ru" sz="1600">
+                <a:solidFill>
+                  <a:srgbClr val="202020"/>
+                </a:solidFill>
+                <a:highlight>
+                  <a:srgbClr val="FFFFFF"/>
+                </a:highlight>
+                <a:latin typeface="Roboto Mono"/>
+                <a:ea typeface="Roboto Mono"/>
+                <a:cs typeface="Roboto Mono"/>
+                <a:sym typeface="Roboto Mono"/>
+              </a:rPr>
+              <a:t> </a:t>
+            </a:r>
+            <a:r>
+              <a:rPr lang="ru" sz="1600">
+                <a:solidFill>
+                  <a:srgbClr val="555555"/>
+                </a:solidFill>
+                <a:highlight>
+                  <a:srgbClr val="FFFFFF"/>
+                </a:highlight>
+                <a:latin typeface="Roboto Mono"/>
+                <a:ea typeface="Roboto Mono"/>
+                <a:cs typeface="Roboto Mono"/>
+                <a:sym typeface="Roboto Mono"/>
+              </a:rPr>
+              <a:t>|</a:t>
+            </a:r>
+            <a:r>
+              <a:rPr lang="ru" sz="1600">
+                <a:solidFill>
+                  <a:srgbClr val="202020"/>
+                </a:solidFill>
+                <a:highlight>
+                  <a:srgbClr val="FFFFFF"/>
+                </a:highlight>
+                <a:latin typeface="Roboto Mono"/>
+                <a:ea typeface="Roboto Mono"/>
+                <a:cs typeface="Roboto Mono"/>
+                <a:sym typeface="Roboto Mono"/>
+              </a:rPr>
+              <a:t> </a:t>
+            </a:r>
+            <a:r>
+              <a:rPr lang="ru" sz="1600">
+                <a:solidFill>
+                  <a:srgbClr val="CA9800"/>
+                </a:solidFill>
+                <a:highlight>
+                  <a:srgbClr val="FFFFFF"/>
+                </a:highlight>
+                <a:latin typeface="Roboto Mono"/>
+                <a:ea typeface="Roboto Mono"/>
+                <a:cs typeface="Roboto Mono"/>
+                <a:sym typeface="Roboto Mono"/>
+              </a:rPr>
+              <a:t>Starship</a:t>
+            </a:r>
+            <a:endParaRPr sz="2000"/>
+          </a:p>
+        </p:txBody>
+      </p:sp>
+      <p:sp>
+        <p:nvSpPr>
+          <p:cNvPr id="170" name="Google Shape;170;p30"/>
+          <p:cNvSpPr txBox="1"/>
+          <p:nvPr/>
+        </p:nvSpPr>
+        <p:spPr>
+          <a:xfrm>
+            <a:off x="311700" y="1460600"/>
+            <a:ext cx="4514400" cy="4283700"/>
+          </a:xfrm>
+          <a:prstGeom prst="rect">
+            <a:avLst/>
+          </a:prstGeom>
+          <a:noFill/>
+          <a:ln>
+            <a:noFill/>
+          </a:ln>
+        </p:spPr>
+        <p:txBody>
+          <a:bodyPr anchorCtr="0" anchor="t" bIns="91425" lIns="91425" spcFirstLastPara="1" rIns="91425" wrap="square" tIns="91425">
+            <a:noAutofit/>
+          </a:bodyPr>
+          <a:lstStyle/>
+          <a:p>
+            <a:pPr indent="0" lvl="0" marL="0" rtl="0" algn="l">
+              <a:spcBef>
+                <a:spcPts val="0"/>
+              </a:spcBef>
+              <a:spcAft>
+                <a:spcPts val="0"/>
+              </a:spcAft>
+              <a:buNone/>
+            </a:pPr>
+            <a:r>
+              <a:rPr lang="ru"/>
+              <a:t>{</a:t>
+            </a:r>
+            <a:endParaRPr/>
+          </a:p>
+          <a:p>
+            <a:pPr indent="0" lvl="0" marL="0" rtl="0" algn="l">
+              <a:spcBef>
+                <a:spcPts val="0"/>
+              </a:spcBef>
+              <a:spcAft>
+                <a:spcPts val="0"/>
+              </a:spcAft>
+              <a:buNone/>
+            </a:pPr>
+            <a:r>
+              <a:rPr lang="ru"/>
+              <a:t>  search(text: "an") {</a:t>
+            </a:r>
+            <a:endParaRPr/>
+          </a:p>
+          <a:p>
+            <a:pPr indent="0" lvl="0" marL="0" rtl="0" algn="l">
+              <a:spcBef>
+                <a:spcPts val="0"/>
+              </a:spcBef>
+              <a:spcAft>
+                <a:spcPts val="0"/>
+              </a:spcAft>
+              <a:buNone/>
+            </a:pPr>
+            <a:r>
+              <a:rPr lang="ru"/>
+              <a:t>    __typename</a:t>
+            </a:r>
+            <a:endParaRPr/>
+          </a:p>
+          <a:p>
+            <a:pPr indent="0" lvl="0" marL="0" rtl="0" algn="l">
+              <a:spcBef>
+                <a:spcPts val="0"/>
+              </a:spcBef>
+              <a:spcAft>
+                <a:spcPts val="0"/>
+              </a:spcAft>
+              <a:buNone/>
+            </a:pPr>
+            <a:r>
+              <a:rPr lang="ru"/>
+              <a:t>    ... on Human {</a:t>
+            </a:r>
+            <a:endParaRPr/>
+          </a:p>
+          <a:p>
+            <a:pPr indent="0" lvl="0" marL="0" rtl="0" algn="l">
+              <a:spcBef>
+                <a:spcPts val="0"/>
+              </a:spcBef>
+              <a:spcAft>
+                <a:spcPts val="0"/>
+              </a:spcAft>
+              <a:buNone/>
+            </a:pPr>
+            <a:r>
+              <a:rPr lang="ru"/>
+              <a:t>      name</a:t>
+            </a:r>
+            <a:endParaRPr/>
+          </a:p>
+          <a:p>
+            <a:pPr indent="0" lvl="0" marL="0" rtl="0" algn="l">
+              <a:spcBef>
+                <a:spcPts val="0"/>
+              </a:spcBef>
+              <a:spcAft>
+                <a:spcPts val="0"/>
+              </a:spcAft>
+              <a:buNone/>
+            </a:pPr>
+            <a:r>
+              <a:rPr lang="ru"/>
+              <a:t>      height</a:t>
+            </a:r>
+            <a:endParaRPr/>
+          </a:p>
+          <a:p>
+            <a:pPr indent="0" lvl="0" marL="0" rtl="0" algn="l">
+              <a:spcBef>
+                <a:spcPts val="0"/>
+              </a:spcBef>
+              <a:spcAft>
+                <a:spcPts val="0"/>
+              </a:spcAft>
+              <a:buNone/>
+            </a:pPr>
+            <a:r>
+              <a:rPr lang="ru"/>
+              <a:t>    }</a:t>
+            </a:r>
+            <a:endParaRPr/>
+          </a:p>
+          <a:p>
+            <a:pPr indent="0" lvl="0" marL="0" rtl="0" algn="l">
+              <a:spcBef>
+                <a:spcPts val="0"/>
+              </a:spcBef>
+              <a:spcAft>
+                <a:spcPts val="0"/>
+              </a:spcAft>
+              <a:buNone/>
+            </a:pPr>
+            <a:r>
+              <a:rPr lang="ru"/>
+              <a:t>    ... on Droid {</a:t>
+            </a:r>
+            <a:endParaRPr/>
+          </a:p>
+          <a:p>
+            <a:pPr indent="0" lvl="0" marL="0" rtl="0" algn="l">
+              <a:spcBef>
+                <a:spcPts val="0"/>
+              </a:spcBef>
+              <a:spcAft>
+                <a:spcPts val="0"/>
+              </a:spcAft>
+              <a:buNone/>
+            </a:pPr>
+            <a:r>
+              <a:rPr lang="ru"/>
+              <a:t>      name</a:t>
+            </a:r>
+            <a:endParaRPr/>
+          </a:p>
+          <a:p>
+            <a:pPr indent="0" lvl="0" marL="0" rtl="0" algn="l">
+              <a:spcBef>
+                <a:spcPts val="0"/>
+              </a:spcBef>
+              <a:spcAft>
+                <a:spcPts val="0"/>
+              </a:spcAft>
+              <a:buNone/>
+            </a:pPr>
+            <a:r>
+              <a:rPr lang="ru"/>
+              <a:t>      primaryFunction</a:t>
+            </a:r>
+            <a:endParaRPr/>
+          </a:p>
+          <a:p>
+            <a:pPr indent="0" lvl="0" marL="0" rtl="0" algn="l">
+              <a:spcBef>
+                <a:spcPts val="0"/>
+              </a:spcBef>
+              <a:spcAft>
+                <a:spcPts val="0"/>
+              </a:spcAft>
+              <a:buNone/>
+            </a:pPr>
+            <a:r>
+              <a:rPr lang="ru"/>
+              <a:t>    }</a:t>
+            </a:r>
+            <a:endParaRPr/>
+          </a:p>
+          <a:p>
+            <a:pPr indent="0" lvl="0" marL="0" rtl="0" algn="l">
+              <a:spcBef>
+                <a:spcPts val="0"/>
+              </a:spcBef>
+              <a:spcAft>
+                <a:spcPts val="0"/>
+              </a:spcAft>
+              <a:buNone/>
+            </a:pPr>
+            <a:r>
+              <a:rPr lang="ru"/>
+              <a:t>    ... on Starship {</a:t>
+            </a:r>
+            <a:endParaRPr/>
+          </a:p>
+          <a:p>
+            <a:pPr indent="0" lvl="0" marL="0" rtl="0" algn="l">
+              <a:spcBef>
+                <a:spcPts val="0"/>
+              </a:spcBef>
+              <a:spcAft>
+                <a:spcPts val="0"/>
+              </a:spcAft>
+              <a:buNone/>
+            </a:pPr>
+            <a:r>
+              <a:rPr lang="ru"/>
+              <a:t>      name</a:t>
+            </a:r>
+            <a:endParaRPr/>
+          </a:p>
+          <a:p>
+            <a:pPr indent="0" lvl="0" marL="0" rtl="0" algn="l">
+              <a:spcBef>
+                <a:spcPts val="0"/>
+              </a:spcBef>
+              <a:spcAft>
+                <a:spcPts val="0"/>
+              </a:spcAft>
+              <a:buNone/>
+            </a:pPr>
+            <a:r>
+              <a:rPr lang="ru"/>
+              <a:t>      length</a:t>
+            </a:r>
+            <a:endParaRPr/>
+          </a:p>
+          <a:p>
+            <a:pPr indent="0" lvl="0" marL="0" rtl="0" algn="l">
+              <a:spcBef>
+                <a:spcPts val="0"/>
+              </a:spcBef>
+              <a:spcAft>
+                <a:spcPts val="0"/>
+              </a:spcAft>
+              <a:buNone/>
+            </a:pPr>
+            <a:r>
+              <a:rPr lang="ru"/>
+              <a:t>    }</a:t>
+            </a:r>
+            <a:endParaRPr/>
+          </a:p>
+          <a:p>
+            <a:pPr indent="0" lvl="0" marL="0" rtl="0" algn="l">
+              <a:spcBef>
+                <a:spcPts val="0"/>
+              </a:spcBef>
+              <a:spcAft>
+                <a:spcPts val="0"/>
+              </a:spcAft>
+              <a:buNone/>
+            </a:pPr>
+            <a:r>
+              <a:rPr lang="ru"/>
+              <a:t>  }</a:t>
+            </a:r>
+            <a:endParaRPr/>
+          </a:p>
+          <a:p>
+            <a:pPr indent="0" lvl="0" marL="0" rtl="0" algn="l">
+              <a:spcBef>
+                <a:spcPts val="0"/>
+              </a:spcBef>
+              <a:spcAft>
+                <a:spcPts val="0"/>
+              </a:spcAft>
+              <a:buNone/>
+            </a:pPr>
+            <a:r>
+              <a:rPr lang="ru"/>
+              <a:t>}</a:t>
+            </a:r>
+            <a:endParaRPr/>
+          </a:p>
+        </p:txBody>
+      </p:sp>
+    </p:spTree>
+  </p:cSld>
+  <p:clrMapOvr>
+    <a:masterClrMapping/>
+  </p:clrMapOvr>
+</p:sld>
+</file>
+
+<file path=ppt/slides/slide19.xml><?xml version="1.0" encoding="utf-8"?>
+<p:sld xmlns:a="http://schemas.openxmlformats.org/drawingml/2006/main" xmlns:r="http://schemas.openxmlformats.org/officeDocument/2006/relationships" xmlns:mc="http://schemas.openxmlformats.org/markup-compatibility/2006" xmlns:mv="urn:schemas-microsoft-com:mac:vml" xmlns:p="http://schemas.openxmlformats.org/presentationml/2006/main" xmlns:c="http://schemas.openxmlformats.org/drawingml/2006/chart" xmlns:dgm="http://schemas.openxmlformats.org/drawingml/2006/diagram" xmlns:o="urn:schemas-microsoft-com:office:office" xmlns:v="urn:schemas-microsoft-com:vml" xmlns:pvml="urn:schemas-microsoft-com:office:powerpoint" xmlns:com="http://schemas.openxmlformats.org/drawingml/2006/compatibility" xmlns:p14="http://schemas.microsoft.com/office/powerpoint/2010/main" xmlns:p15="http://schemas.microsoft.com/office/powerpoint/2012/main" xmlns:ahyp="http://schemas.microsoft.com/office/drawing/2018/hyperlinkcolor">
+  <p:cSld>
+    <p:spTree>
+      <p:nvGrpSpPr>
+        <p:cNvPr id="174" name="Shape 174"/>
+        <p:cNvGrpSpPr/>
+        <p:nvPr/>
+      </p:nvGrpSpPr>
+      <p:grpSpPr>
+        <a:xfrm>
+          <a:off x="0" y="0"/>
+          <a:ext cx="0" cy="0"/>
+          <a:chOff x="0" y="0"/>
+          <a:chExt cx="0" cy="0"/>
+        </a:xfrm>
+      </p:grpSpPr>
+      <p:sp>
+        <p:nvSpPr>
+          <p:cNvPr id="175" name="Google Shape;175;p31"/>
+          <p:cNvSpPr txBox="1"/>
+          <p:nvPr>
+            <p:ph type="title"/>
+          </p:nvPr>
+        </p:nvSpPr>
+        <p:spPr>
+          <a:xfrm>
+            <a:off x="311700" y="445025"/>
+            <a:ext cx="8520600" cy="572700"/>
+          </a:xfrm>
+          <a:prstGeom prst="rect">
+            <a:avLst/>
+          </a:prstGeom>
+        </p:spPr>
+        <p:txBody>
+          <a:bodyPr anchorCtr="0" anchor="t" bIns="91425" lIns="91425" spcFirstLastPara="1" rIns="91425" wrap="square" tIns="91425">
+            <a:noAutofit/>
+          </a:bodyPr>
+          <a:lstStyle/>
+          <a:p>
+            <a:pPr indent="0" lvl="0" marL="0" rtl="0" algn="l">
+              <a:spcBef>
+                <a:spcPts val="0"/>
+              </a:spcBef>
+              <a:spcAft>
+                <a:spcPts val="0"/>
+              </a:spcAft>
+              <a:buNone/>
+            </a:pPr>
+            <a:r>
+              <a:rPr lang="ru"/>
+              <a:t>Input types</a:t>
+            </a:r>
+            <a:endParaRPr/>
+          </a:p>
+        </p:txBody>
+      </p:sp>
+      <p:sp>
+        <p:nvSpPr>
+          <p:cNvPr id="176" name="Google Shape;176;p31"/>
+          <p:cNvSpPr txBox="1"/>
+          <p:nvPr/>
+        </p:nvSpPr>
+        <p:spPr>
+          <a:xfrm>
+            <a:off x="311700" y="1017725"/>
+            <a:ext cx="3000000" cy="2040000"/>
+          </a:xfrm>
+          <a:prstGeom prst="rect">
+            <a:avLst/>
+          </a:prstGeom>
+          <a:noFill/>
+          <a:ln>
+            <a:noFill/>
+          </a:ln>
+        </p:spPr>
+        <p:txBody>
+          <a:bodyPr anchorCtr="0" anchor="t" bIns="91425" lIns="91425" spcFirstLastPara="1" rIns="91425" wrap="square" tIns="91425">
+            <a:noAutofit/>
+          </a:bodyPr>
+          <a:lstStyle/>
+          <a:p>
+            <a:pPr indent="0" lvl="0" marL="101600" marR="101600" rtl="0" algn="l">
+              <a:lnSpc>
+                <a:spcPct val="127500"/>
+              </a:lnSpc>
+              <a:spcBef>
+                <a:spcPts val="1100"/>
+              </a:spcBef>
+              <a:spcAft>
+                <a:spcPts val="0"/>
+              </a:spcAft>
+              <a:buNone/>
+            </a:pPr>
+            <a:r>
+              <a:rPr lang="ru" sz="1600">
+                <a:solidFill>
+                  <a:srgbClr val="B11A04"/>
+                </a:solidFill>
+                <a:highlight>
+                  <a:srgbClr val="FFFFFF"/>
+                </a:highlight>
+                <a:latin typeface="Roboto Mono"/>
+                <a:ea typeface="Roboto Mono"/>
+                <a:cs typeface="Roboto Mono"/>
+                <a:sym typeface="Roboto Mono"/>
+              </a:rPr>
+              <a:t>input</a:t>
+            </a:r>
+            <a:r>
+              <a:rPr lang="ru" sz="1600">
+                <a:solidFill>
+                  <a:srgbClr val="202020"/>
+                </a:solidFill>
+                <a:highlight>
+                  <a:srgbClr val="FFFFFF"/>
+                </a:highlight>
+                <a:latin typeface="Roboto Mono"/>
+                <a:ea typeface="Roboto Mono"/>
+                <a:cs typeface="Roboto Mono"/>
+                <a:sym typeface="Roboto Mono"/>
+              </a:rPr>
+              <a:t> ReviewInput </a:t>
+            </a:r>
+            <a:r>
+              <a:rPr lang="ru" sz="1600">
+                <a:solidFill>
+                  <a:srgbClr val="555555"/>
+                </a:solidFill>
+                <a:highlight>
+                  <a:srgbClr val="FFFFFF"/>
+                </a:highlight>
+                <a:latin typeface="Roboto Mono"/>
+                <a:ea typeface="Roboto Mono"/>
+                <a:cs typeface="Roboto Mono"/>
+                <a:sym typeface="Roboto Mono"/>
+              </a:rPr>
+              <a:t>{</a:t>
+            </a:r>
+            <a:endParaRPr sz="1600">
+              <a:solidFill>
+                <a:srgbClr val="555555"/>
+              </a:solidFill>
+              <a:highlight>
+                <a:srgbClr val="FFFFFF"/>
+              </a:highlight>
+              <a:latin typeface="Roboto Mono"/>
+              <a:ea typeface="Roboto Mono"/>
+              <a:cs typeface="Roboto Mono"/>
+              <a:sym typeface="Roboto Mono"/>
+            </a:endParaRPr>
+          </a:p>
+          <a:p>
+            <a:pPr indent="0" lvl="0" marL="101600" marR="101600" rtl="0" algn="l">
+              <a:lnSpc>
+                <a:spcPct val="127500"/>
+              </a:lnSpc>
+              <a:spcBef>
+                <a:spcPts val="1100"/>
+              </a:spcBef>
+              <a:spcAft>
+                <a:spcPts val="0"/>
+              </a:spcAft>
+              <a:buNone/>
+            </a:pPr>
+            <a:r>
+              <a:rPr lang="ru" sz="1600">
+                <a:solidFill>
+                  <a:srgbClr val="202020"/>
+                </a:solidFill>
+                <a:highlight>
+                  <a:srgbClr val="FFFFFF"/>
+                </a:highlight>
+                <a:latin typeface="Roboto Mono"/>
+                <a:ea typeface="Roboto Mono"/>
+                <a:cs typeface="Roboto Mono"/>
+                <a:sym typeface="Roboto Mono"/>
+              </a:rPr>
+              <a:t> </a:t>
+            </a:r>
+            <a:r>
+              <a:rPr lang="ru" sz="1600">
+                <a:solidFill>
+                  <a:srgbClr val="1F61A0"/>
+                </a:solidFill>
+                <a:highlight>
+                  <a:srgbClr val="FFFFFF"/>
+                </a:highlight>
+                <a:latin typeface="Roboto Mono"/>
+                <a:ea typeface="Roboto Mono"/>
+                <a:cs typeface="Roboto Mono"/>
+                <a:sym typeface="Roboto Mono"/>
+              </a:rPr>
+              <a:t>stars</a:t>
+            </a:r>
+            <a:r>
+              <a:rPr lang="ru" sz="1600">
+                <a:solidFill>
+                  <a:srgbClr val="555555"/>
+                </a:solidFill>
+                <a:highlight>
+                  <a:srgbClr val="FFFFFF"/>
+                </a:highlight>
+                <a:latin typeface="Roboto Mono"/>
+                <a:ea typeface="Roboto Mono"/>
+                <a:cs typeface="Roboto Mono"/>
+                <a:sym typeface="Roboto Mono"/>
+              </a:rPr>
+              <a:t>:</a:t>
+            </a:r>
+            <a:r>
+              <a:rPr lang="ru" sz="1600">
+                <a:solidFill>
+                  <a:srgbClr val="202020"/>
+                </a:solidFill>
+                <a:highlight>
+                  <a:srgbClr val="FFFFFF"/>
+                </a:highlight>
+                <a:latin typeface="Roboto Mono"/>
+                <a:ea typeface="Roboto Mono"/>
+                <a:cs typeface="Roboto Mono"/>
+                <a:sym typeface="Roboto Mono"/>
+              </a:rPr>
+              <a:t> </a:t>
+            </a:r>
+            <a:r>
+              <a:rPr lang="ru" sz="1600">
+                <a:solidFill>
+                  <a:srgbClr val="CA9800"/>
+                </a:solidFill>
+                <a:highlight>
+                  <a:srgbClr val="FFFFFF"/>
+                </a:highlight>
+                <a:latin typeface="Roboto Mono"/>
+                <a:ea typeface="Roboto Mono"/>
+                <a:cs typeface="Roboto Mono"/>
+                <a:sym typeface="Roboto Mono"/>
+              </a:rPr>
+              <a:t>Int</a:t>
+            </a:r>
+            <a:r>
+              <a:rPr lang="ru" sz="1600">
+                <a:solidFill>
+                  <a:srgbClr val="555555"/>
+                </a:solidFill>
+                <a:highlight>
+                  <a:srgbClr val="FFFFFF"/>
+                </a:highlight>
+                <a:latin typeface="Roboto Mono"/>
+                <a:ea typeface="Roboto Mono"/>
+                <a:cs typeface="Roboto Mono"/>
+                <a:sym typeface="Roboto Mono"/>
+              </a:rPr>
+              <a:t>!</a:t>
+            </a:r>
+            <a:endParaRPr sz="1600">
+              <a:solidFill>
+                <a:srgbClr val="555555"/>
+              </a:solidFill>
+              <a:highlight>
+                <a:srgbClr val="FFFFFF"/>
+              </a:highlight>
+              <a:latin typeface="Roboto Mono"/>
+              <a:ea typeface="Roboto Mono"/>
+              <a:cs typeface="Roboto Mono"/>
+              <a:sym typeface="Roboto Mono"/>
+            </a:endParaRPr>
+          </a:p>
+          <a:p>
+            <a:pPr indent="0" lvl="0" marL="101600" marR="101600" rtl="0" algn="l">
+              <a:lnSpc>
+                <a:spcPct val="127500"/>
+              </a:lnSpc>
+              <a:spcBef>
+                <a:spcPts val="1100"/>
+              </a:spcBef>
+              <a:spcAft>
+                <a:spcPts val="0"/>
+              </a:spcAft>
+              <a:buNone/>
+            </a:pPr>
+            <a:r>
+              <a:rPr lang="ru" sz="1600">
+                <a:solidFill>
+                  <a:srgbClr val="202020"/>
+                </a:solidFill>
+                <a:highlight>
+                  <a:srgbClr val="FFFFFF"/>
+                </a:highlight>
+                <a:latin typeface="Roboto Mono"/>
+                <a:ea typeface="Roboto Mono"/>
+                <a:cs typeface="Roboto Mono"/>
+                <a:sym typeface="Roboto Mono"/>
+              </a:rPr>
+              <a:t> </a:t>
+            </a:r>
+            <a:r>
+              <a:rPr lang="ru" sz="1600">
+                <a:solidFill>
+                  <a:srgbClr val="1F61A0"/>
+                </a:solidFill>
+                <a:highlight>
+                  <a:srgbClr val="FFFFFF"/>
+                </a:highlight>
+                <a:latin typeface="Roboto Mono"/>
+                <a:ea typeface="Roboto Mono"/>
+                <a:cs typeface="Roboto Mono"/>
+                <a:sym typeface="Roboto Mono"/>
+              </a:rPr>
+              <a:t>commentary</a:t>
+            </a:r>
+            <a:r>
+              <a:rPr lang="ru" sz="1600">
+                <a:solidFill>
+                  <a:srgbClr val="555555"/>
+                </a:solidFill>
+                <a:highlight>
+                  <a:srgbClr val="FFFFFF"/>
+                </a:highlight>
+                <a:latin typeface="Roboto Mono"/>
+                <a:ea typeface="Roboto Mono"/>
+                <a:cs typeface="Roboto Mono"/>
+                <a:sym typeface="Roboto Mono"/>
+              </a:rPr>
+              <a:t>:</a:t>
+            </a:r>
+            <a:r>
+              <a:rPr lang="ru" sz="1600">
+                <a:solidFill>
+                  <a:srgbClr val="202020"/>
+                </a:solidFill>
+                <a:highlight>
+                  <a:srgbClr val="FFFFFF"/>
+                </a:highlight>
+                <a:latin typeface="Roboto Mono"/>
+                <a:ea typeface="Roboto Mono"/>
+                <a:cs typeface="Roboto Mono"/>
+                <a:sym typeface="Roboto Mono"/>
+              </a:rPr>
+              <a:t> </a:t>
+            </a:r>
+            <a:r>
+              <a:rPr lang="ru" sz="1600">
+                <a:solidFill>
+                  <a:srgbClr val="CA9800"/>
+                </a:solidFill>
+                <a:highlight>
+                  <a:srgbClr val="FFFFFF"/>
+                </a:highlight>
+                <a:latin typeface="Roboto Mono"/>
+                <a:ea typeface="Roboto Mono"/>
+                <a:cs typeface="Roboto Mono"/>
+                <a:sym typeface="Roboto Mono"/>
+              </a:rPr>
+              <a:t>String</a:t>
+            </a:r>
+            <a:endParaRPr sz="1600">
+              <a:solidFill>
+                <a:srgbClr val="CA9800"/>
+              </a:solidFill>
+              <a:highlight>
+                <a:srgbClr val="FFFFFF"/>
+              </a:highlight>
+              <a:latin typeface="Roboto Mono"/>
+              <a:ea typeface="Roboto Mono"/>
+              <a:cs typeface="Roboto Mono"/>
+              <a:sym typeface="Roboto Mono"/>
+            </a:endParaRPr>
+          </a:p>
+          <a:p>
+            <a:pPr indent="0" lvl="0" marL="101600" marR="101600" rtl="0" algn="l">
+              <a:lnSpc>
+                <a:spcPct val="127500"/>
+              </a:lnSpc>
+              <a:spcBef>
+                <a:spcPts val="1100"/>
+              </a:spcBef>
+              <a:spcAft>
+                <a:spcPts val="1100"/>
+              </a:spcAft>
+              <a:buNone/>
+            </a:pPr>
+            <a:r>
+              <a:rPr lang="ru" sz="1600">
+                <a:solidFill>
+                  <a:srgbClr val="555555"/>
+                </a:solidFill>
+                <a:highlight>
+                  <a:srgbClr val="FFFFFF"/>
+                </a:highlight>
+                <a:latin typeface="Roboto Mono"/>
+                <a:ea typeface="Roboto Mono"/>
+                <a:cs typeface="Roboto Mono"/>
+                <a:sym typeface="Roboto Mono"/>
+              </a:rPr>
+              <a:t>}</a:t>
+            </a:r>
+            <a:endParaRPr sz="1600">
+              <a:solidFill>
+                <a:srgbClr val="555555"/>
+              </a:solidFill>
+              <a:highlight>
+                <a:srgbClr val="FFFFFF"/>
+              </a:highlight>
+              <a:latin typeface="Roboto Mono"/>
+              <a:ea typeface="Roboto Mono"/>
+              <a:cs typeface="Roboto Mono"/>
+              <a:sym typeface="Roboto Mono"/>
+            </a:endParaRPr>
+          </a:p>
+        </p:txBody>
+      </p:sp>
+      <p:sp>
+        <p:nvSpPr>
+          <p:cNvPr id="177" name="Google Shape;177;p31"/>
+          <p:cNvSpPr txBox="1"/>
+          <p:nvPr/>
+        </p:nvSpPr>
+        <p:spPr>
+          <a:xfrm>
+            <a:off x="3100800" y="1017725"/>
+            <a:ext cx="6043200" cy="1732800"/>
+          </a:xfrm>
+          <a:prstGeom prst="rect">
+            <a:avLst/>
+          </a:prstGeom>
+          <a:noFill/>
+          <a:ln>
+            <a:noFill/>
+          </a:ln>
+        </p:spPr>
+        <p:txBody>
+          <a:bodyPr anchorCtr="0" anchor="t" bIns="91425" lIns="91425" spcFirstLastPara="1" rIns="91425" wrap="square" tIns="91425">
+            <a:noAutofit/>
+          </a:bodyPr>
+          <a:lstStyle/>
+          <a:p>
+            <a:pPr indent="0" lvl="0" marL="0" rtl="0" algn="l">
+              <a:spcBef>
+                <a:spcPts val="0"/>
+              </a:spcBef>
+              <a:spcAft>
+                <a:spcPts val="0"/>
+              </a:spcAft>
+              <a:buNone/>
+            </a:pPr>
+            <a:r>
+              <a:rPr lang="ru"/>
+              <a:t>mutation CreateReviewForEpisode($ep: Episode!, $review: ReviewInput!) {</a:t>
+            </a:r>
+            <a:endParaRPr/>
+          </a:p>
+          <a:p>
+            <a:pPr indent="0" lvl="0" marL="0" rtl="0" algn="l">
+              <a:spcBef>
+                <a:spcPts val="0"/>
+              </a:spcBef>
+              <a:spcAft>
+                <a:spcPts val="0"/>
+              </a:spcAft>
+              <a:buNone/>
+            </a:pPr>
+            <a:r>
+              <a:rPr lang="ru"/>
+              <a:t>  createReview(episode: $ep, review: $review) {</a:t>
+            </a:r>
+            <a:endParaRPr/>
+          </a:p>
+          <a:p>
+            <a:pPr indent="0" lvl="0" marL="0" rtl="0" algn="l">
+              <a:spcBef>
+                <a:spcPts val="0"/>
+              </a:spcBef>
+              <a:spcAft>
+                <a:spcPts val="0"/>
+              </a:spcAft>
+              <a:buNone/>
+            </a:pPr>
+            <a:r>
+              <a:rPr lang="ru"/>
+              <a:t>    stars</a:t>
+            </a:r>
+            <a:endParaRPr/>
+          </a:p>
+          <a:p>
+            <a:pPr indent="0" lvl="0" marL="0" rtl="0" algn="l">
+              <a:spcBef>
+                <a:spcPts val="0"/>
+              </a:spcBef>
+              <a:spcAft>
+                <a:spcPts val="0"/>
+              </a:spcAft>
+              <a:buNone/>
+            </a:pPr>
+            <a:r>
+              <a:rPr lang="ru"/>
+              <a:t>    commentary</a:t>
+            </a:r>
+            <a:endParaRPr/>
+          </a:p>
+          <a:p>
+            <a:pPr indent="0" lvl="0" marL="0" rtl="0" algn="l">
+              <a:spcBef>
+                <a:spcPts val="0"/>
+              </a:spcBef>
+              <a:spcAft>
+                <a:spcPts val="0"/>
+              </a:spcAft>
+              <a:buNone/>
+            </a:pPr>
+            <a:r>
+              <a:rPr lang="ru"/>
+              <a:t>  }</a:t>
+            </a:r>
+            <a:endParaRPr/>
+          </a:p>
+          <a:p>
+            <a:pPr indent="0" lvl="0" marL="0" rtl="0" algn="l">
+              <a:spcBef>
+                <a:spcPts val="0"/>
+              </a:spcBef>
+              <a:spcAft>
+                <a:spcPts val="0"/>
+              </a:spcAft>
+              <a:buNone/>
+            </a:pPr>
+            <a:r>
+              <a:rPr lang="ru"/>
+              <a:t>}</a:t>
+            </a:r>
+            <a:endParaRPr/>
+          </a:p>
+        </p:txBody>
+      </p:sp>
+    </p:spTree>
+  </p:cSld>
+  <p:clrMapOvr>
+    <a:masterClrMapping/>
+  </p:clrMapOvr>
+</p:sld>
+</file>
+
 <file path=ppt/slides/slide2.xml><?xml version="1.0" encoding="utf-8"?>
 <p:sld xmlns:a="http://schemas.openxmlformats.org/drawingml/2006/main" xmlns:r="http://schemas.openxmlformats.org/officeDocument/2006/relationships" xmlns:mc="http://schemas.openxmlformats.org/markup-compatibility/2006" xmlns:mv="urn:schemas-microsoft-com:mac:vml" xmlns:p="http://schemas.openxmlformats.org/presentationml/2006/main" xmlns:c="http://schemas.openxmlformats.org/drawingml/2006/chart" xmlns:dgm="http://schemas.openxmlformats.org/drawingml/2006/diagram" xmlns:o="urn:schemas-microsoft-com:office:office" xmlns:v="urn:schemas-microsoft-com:vml" xmlns:pvml="urn:schemas-microsoft-com:office:powerpoint" xmlns:com="http://schemas.openxmlformats.org/drawingml/2006/compatibility" xmlns:p14="http://schemas.microsoft.com/office/powerpoint/2010/main" xmlns:p15="http://schemas.microsoft.com/office/powerpoint/2012/main" xmlns:ahyp="http://schemas.microsoft.com/office/drawing/2018/hyperlinkcolor">
   <p:cSld>
@@ -10426,6 +15445,1505 @@
               <a:t>GraphQL is a query language for your API, and a server-side runtime for executing queries by using a type system you define for your data. GraphQL isn't tied to any specific database or storage engine and is instead backed by your existing code and data.</a:t>
             </a:r>
             <a:endParaRPr/>
+          </a:p>
+        </p:txBody>
+      </p:sp>
+    </p:spTree>
+  </p:cSld>
+  <p:clrMapOvr>
+    <a:masterClrMapping/>
+  </p:clrMapOvr>
+</p:sld>
+</file>
+
+<file path=ppt/slides/slide20.xml><?xml version="1.0" encoding="utf-8"?>
+<p:sld xmlns:a="http://schemas.openxmlformats.org/drawingml/2006/main" xmlns:r="http://schemas.openxmlformats.org/officeDocument/2006/relationships" xmlns:mc="http://schemas.openxmlformats.org/markup-compatibility/2006" xmlns:mv="urn:schemas-microsoft-com:mac:vml" xmlns:p="http://schemas.openxmlformats.org/presentationml/2006/main" xmlns:c="http://schemas.openxmlformats.org/drawingml/2006/chart" xmlns:dgm="http://schemas.openxmlformats.org/drawingml/2006/diagram" xmlns:o="urn:schemas-microsoft-com:office:office" xmlns:v="urn:schemas-microsoft-com:vml" xmlns:pvml="urn:schemas-microsoft-com:office:powerpoint" xmlns:com="http://schemas.openxmlformats.org/drawingml/2006/compatibility" xmlns:p14="http://schemas.microsoft.com/office/powerpoint/2010/main" xmlns:p15="http://schemas.microsoft.com/office/powerpoint/2012/main" xmlns:ahyp="http://schemas.microsoft.com/office/drawing/2018/hyperlinkcolor">
+  <p:cSld>
+    <p:spTree>
+      <p:nvGrpSpPr>
+        <p:cNvPr id="181" name="Shape 181"/>
+        <p:cNvGrpSpPr/>
+        <p:nvPr/>
+      </p:nvGrpSpPr>
+      <p:grpSpPr>
+        <a:xfrm>
+          <a:off x="0" y="0"/>
+          <a:ext cx="0" cy="0"/>
+          <a:chOff x="0" y="0"/>
+          <a:chExt cx="0" cy="0"/>
+        </a:xfrm>
+      </p:grpSpPr>
+      <p:sp>
+        <p:nvSpPr>
+          <p:cNvPr id="182" name="Google Shape;182;p32"/>
+          <p:cNvSpPr txBox="1"/>
+          <p:nvPr>
+            <p:ph type="title"/>
+          </p:nvPr>
+        </p:nvSpPr>
+        <p:spPr>
+          <a:xfrm>
+            <a:off x="311700" y="445025"/>
+            <a:ext cx="8520600" cy="572700"/>
+          </a:xfrm>
+          <a:prstGeom prst="rect">
+            <a:avLst/>
+          </a:prstGeom>
+        </p:spPr>
+        <p:txBody>
+          <a:bodyPr anchorCtr="0" anchor="t" bIns="91425" lIns="91425" spcFirstLastPara="1" rIns="91425" wrap="square" tIns="91425">
+            <a:noAutofit/>
+          </a:bodyPr>
+          <a:lstStyle/>
+          <a:p>
+            <a:pPr indent="0" lvl="0" marL="0" rtl="0" algn="l">
+              <a:spcBef>
+                <a:spcPts val="0"/>
+              </a:spcBef>
+              <a:spcAft>
+                <a:spcPts val="0"/>
+              </a:spcAft>
+              <a:buNone/>
+            </a:pPr>
+            <a:r>
+              <a:rPr lang="ru"/>
+              <a:t>Root fields &amp; resolvers</a:t>
+            </a:r>
+            <a:endParaRPr/>
+          </a:p>
+        </p:txBody>
+      </p:sp>
+      <p:sp>
+        <p:nvSpPr>
+          <p:cNvPr id="183" name="Google Shape;183;p32"/>
+          <p:cNvSpPr txBox="1"/>
+          <p:nvPr/>
+        </p:nvSpPr>
+        <p:spPr>
+          <a:xfrm>
+            <a:off x="311700" y="1071750"/>
+            <a:ext cx="6660600" cy="3283800"/>
+          </a:xfrm>
+          <a:prstGeom prst="rect">
+            <a:avLst/>
+          </a:prstGeom>
+          <a:noFill/>
+          <a:ln>
+            <a:noFill/>
+          </a:ln>
+        </p:spPr>
+        <p:txBody>
+          <a:bodyPr anchorCtr="0" anchor="t" bIns="91425" lIns="91425" spcFirstLastPara="1" rIns="91425" wrap="square" tIns="91425">
+            <a:noAutofit/>
+          </a:bodyPr>
+          <a:lstStyle/>
+          <a:p>
+            <a:pPr indent="0" lvl="0" marL="101600" marR="101600" rtl="0" algn="l">
+              <a:lnSpc>
+                <a:spcPct val="127500"/>
+              </a:lnSpc>
+              <a:spcBef>
+                <a:spcPts val="1100"/>
+              </a:spcBef>
+              <a:spcAft>
+                <a:spcPts val="0"/>
+              </a:spcAft>
+              <a:buNone/>
+            </a:pPr>
+            <a:r>
+              <a:rPr lang="ru" sz="1600">
+                <a:solidFill>
+                  <a:srgbClr val="202020"/>
+                </a:solidFill>
+                <a:highlight>
+                  <a:srgbClr val="FFFFFF"/>
+                </a:highlight>
+                <a:latin typeface="Roboto Mono"/>
+                <a:ea typeface="Roboto Mono"/>
+                <a:cs typeface="Roboto Mono"/>
+                <a:sym typeface="Roboto Mono"/>
+              </a:rPr>
+              <a:t>Query</a:t>
+            </a:r>
+            <a:r>
+              <a:rPr lang="ru" sz="1600">
+                <a:solidFill>
+                  <a:srgbClr val="555555"/>
+                </a:solidFill>
+                <a:highlight>
+                  <a:srgbClr val="FFFFFF"/>
+                </a:highlight>
+                <a:latin typeface="Roboto Mono"/>
+                <a:ea typeface="Roboto Mono"/>
+                <a:cs typeface="Roboto Mono"/>
+                <a:sym typeface="Roboto Mono"/>
+              </a:rPr>
+              <a:t>:</a:t>
+            </a:r>
+            <a:r>
+              <a:rPr lang="ru" sz="1600">
+                <a:solidFill>
+                  <a:srgbClr val="202020"/>
+                </a:solidFill>
+                <a:highlight>
+                  <a:srgbClr val="FFFFFF"/>
+                </a:highlight>
+                <a:latin typeface="Roboto Mono"/>
+                <a:ea typeface="Roboto Mono"/>
+                <a:cs typeface="Roboto Mono"/>
+                <a:sym typeface="Roboto Mono"/>
+              </a:rPr>
+              <a:t> </a:t>
+            </a:r>
+            <a:r>
+              <a:rPr lang="ru" sz="1600">
+                <a:solidFill>
+                  <a:srgbClr val="555555"/>
+                </a:solidFill>
+                <a:highlight>
+                  <a:srgbClr val="FFFFFF"/>
+                </a:highlight>
+                <a:latin typeface="Roboto Mono"/>
+                <a:ea typeface="Roboto Mono"/>
+                <a:cs typeface="Roboto Mono"/>
+                <a:sym typeface="Roboto Mono"/>
+              </a:rPr>
+              <a:t>{</a:t>
+            </a:r>
+            <a:endParaRPr sz="1600">
+              <a:solidFill>
+                <a:srgbClr val="555555"/>
+              </a:solidFill>
+              <a:highlight>
+                <a:srgbClr val="FFFFFF"/>
+              </a:highlight>
+              <a:latin typeface="Roboto Mono"/>
+              <a:ea typeface="Roboto Mono"/>
+              <a:cs typeface="Roboto Mono"/>
+              <a:sym typeface="Roboto Mono"/>
+            </a:endParaRPr>
+          </a:p>
+          <a:p>
+            <a:pPr indent="0" lvl="0" marL="101600" marR="101600" rtl="0" algn="l">
+              <a:lnSpc>
+                <a:spcPct val="127500"/>
+              </a:lnSpc>
+              <a:spcBef>
+                <a:spcPts val="1100"/>
+              </a:spcBef>
+              <a:spcAft>
+                <a:spcPts val="0"/>
+              </a:spcAft>
+              <a:buNone/>
+            </a:pPr>
+            <a:r>
+              <a:rPr lang="ru" sz="1600">
+                <a:solidFill>
+                  <a:srgbClr val="202020"/>
+                </a:solidFill>
+                <a:highlight>
+                  <a:srgbClr val="FFFFFF"/>
+                </a:highlight>
+                <a:latin typeface="Roboto Mono"/>
+                <a:ea typeface="Roboto Mono"/>
+                <a:cs typeface="Roboto Mono"/>
+                <a:sym typeface="Roboto Mono"/>
+              </a:rPr>
+              <a:t> </a:t>
+            </a:r>
+            <a:r>
+              <a:rPr lang="ru" sz="1600">
+                <a:solidFill>
+                  <a:srgbClr val="B33086"/>
+                </a:solidFill>
+                <a:highlight>
+                  <a:srgbClr val="FFFFFF"/>
+                </a:highlight>
+                <a:latin typeface="Roboto Mono"/>
+                <a:ea typeface="Roboto Mono"/>
+                <a:cs typeface="Roboto Mono"/>
+                <a:sym typeface="Roboto Mono"/>
+              </a:rPr>
+              <a:t>human</a:t>
+            </a:r>
+            <a:r>
+              <a:rPr lang="ru" sz="1600">
+                <a:solidFill>
+                  <a:srgbClr val="555555"/>
+                </a:solidFill>
+                <a:highlight>
+                  <a:srgbClr val="FFFFFF"/>
+                </a:highlight>
+                <a:latin typeface="Roboto Mono"/>
+                <a:ea typeface="Roboto Mono"/>
+                <a:cs typeface="Roboto Mono"/>
+                <a:sym typeface="Roboto Mono"/>
+              </a:rPr>
+              <a:t>(</a:t>
+            </a:r>
+            <a:r>
+              <a:rPr lang="ru" sz="1600">
+                <a:solidFill>
+                  <a:srgbClr val="202020"/>
+                </a:solidFill>
+                <a:highlight>
+                  <a:srgbClr val="FFFFFF"/>
+                </a:highlight>
+                <a:latin typeface="Roboto Mono"/>
+                <a:ea typeface="Roboto Mono"/>
+                <a:cs typeface="Roboto Mono"/>
+                <a:sym typeface="Roboto Mono"/>
+              </a:rPr>
+              <a:t>obj</a:t>
+            </a:r>
+            <a:r>
+              <a:rPr lang="ru" sz="1600">
+                <a:solidFill>
+                  <a:srgbClr val="555555"/>
+                </a:solidFill>
+                <a:highlight>
+                  <a:srgbClr val="FFFFFF"/>
+                </a:highlight>
+                <a:latin typeface="Roboto Mono"/>
+                <a:ea typeface="Roboto Mono"/>
+                <a:cs typeface="Roboto Mono"/>
+                <a:sym typeface="Roboto Mono"/>
+              </a:rPr>
+              <a:t>,</a:t>
+            </a:r>
+            <a:r>
+              <a:rPr lang="ru" sz="1600">
+                <a:solidFill>
+                  <a:srgbClr val="202020"/>
+                </a:solidFill>
+                <a:highlight>
+                  <a:srgbClr val="FFFFFF"/>
+                </a:highlight>
+                <a:latin typeface="Roboto Mono"/>
+                <a:ea typeface="Roboto Mono"/>
+                <a:cs typeface="Roboto Mono"/>
+                <a:sym typeface="Roboto Mono"/>
+              </a:rPr>
+              <a:t> args</a:t>
+            </a:r>
+            <a:r>
+              <a:rPr lang="ru" sz="1600">
+                <a:solidFill>
+                  <a:srgbClr val="555555"/>
+                </a:solidFill>
+                <a:highlight>
+                  <a:srgbClr val="FFFFFF"/>
+                </a:highlight>
+                <a:latin typeface="Roboto Mono"/>
+                <a:ea typeface="Roboto Mono"/>
+                <a:cs typeface="Roboto Mono"/>
+                <a:sym typeface="Roboto Mono"/>
+              </a:rPr>
+              <a:t>,</a:t>
+            </a:r>
+            <a:r>
+              <a:rPr lang="ru" sz="1600">
+                <a:solidFill>
+                  <a:srgbClr val="202020"/>
+                </a:solidFill>
+                <a:highlight>
+                  <a:srgbClr val="FFFFFF"/>
+                </a:highlight>
+                <a:latin typeface="Roboto Mono"/>
+                <a:ea typeface="Roboto Mono"/>
+                <a:cs typeface="Roboto Mono"/>
+                <a:sym typeface="Roboto Mono"/>
+              </a:rPr>
+              <a:t> context</a:t>
+            </a:r>
+            <a:r>
+              <a:rPr lang="ru" sz="1600">
+                <a:solidFill>
+                  <a:srgbClr val="555555"/>
+                </a:solidFill>
+                <a:highlight>
+                  <a:srgbClr val="FFFFFF"/>
+                </a:highlight>
+                <a:latin typeface="Roboto Mono"/>
+                <a:ea typeface="Roboto Mono"/>
+                <a:cs typeface="Roboto Mono"/>
+                <a:sym typeface="Roboto Mono"/>
+              </a:rPr>
+              <a:t>,</a:t>
+            </a:r>
+            <a:r>
+              <a:rPr lang="ru" sz="1600">
+                <a:solidFill>
+                  <a:srgbClr val="202020"/>
+                </a:solidFill>
+                <a:highlight>
+                  <a:srgbClr val="FFFFFF"/>
+                </a:highlight>
+                <a:latin typeface="Roboto Mono"/>
+                <a:ea typeface="Roboto Mono"/>
+                <a:cs typeface="Roboto Mono"/>
+                <a:sym typeface="Roboto Mono"/>
+              </a:rPr>
+              <a:t> info</a:t>
+            </a:r>
+            <a:r>
+              <a:rPr lang="ru" sz="1600">
+                <a:solidFill>
+                  <a:srgbClr val="555555"/>
+                </a:solidFill>
+                <a:highlight>
+                  <a:srgbClr val="FFFFFF"/>
+                </a:highlight>
+                <a:latin typeface="Roboto Mono"/>
+                <a:ea typeface="Roboto Mono"/>
+                <a:cs typeface="Roboto Mono"/>
+                <a:sym typeface="Roboto Mono"/>
+              </a:rPr>
+              <a:t>)</a:t>
+            </a:r>
+            <a:r>
+              <a:rPr lang="ru" sz="1600">
+                <a:solidFill>
+                  <a:srgbClr val="202020"/>
+                </a:solidFill>
+                <a:highlight>
+                  <a:srgbClr val="FFFFFF"/>
+                </a:highlight>
+                <a:latin typeface="Roboto Mono"/>
+                <a:ea typeface="Roboto Mono"/>
+                <a:cs typeface="Roboto Mono"/>
+                <a:sym typeface="Roboto Mono"/>
+              </a:rPr>
+              <a:t> </a:t>
+            </a:r>
+            <a:r>
+              <a:rPr lang="ru" sz="1600">
+                <a:solidFill>
+                  <a:srgbClr val="555555"/>
+                </a:solidFill>
+                <a:highlight>
+                  <a:srgbClr val="FFFFFF"/>
+                </a:highlight>
+                <a:latin typeface="Roboto Mono"/>
+                <a:ea typeface="Roboto Mono"/>
+                <a:cs typeface="Roboto Mono"/>
+                <a:sym typeface="Roboto Mono"/>
+              </a:rPr>
+              <a:t>{</a:t>
+            </a:r>
+            <a:endParaRPr sz="1600">
+              <a:solidFill>
+                <a:srgbClr val="555555"/>
+              </a:solidFill>
+              <a:highlight>
+                <a:srgbClr val="FFFFFF"/>
+              </a:highlight>
+              <a:latin typeface="Roboto Mono"/>
+              <a:ea typeface="Roboto Mono"/>
+              <a:cs typeface="Roboto Mono"/>
+              <a:sym typeface="Roboto Mono"/>
+            </a:endParaRPr>
+          </a:p>
+          <a:p>
+            <a:pPr indent="0" lvl="0" marL="101600" marR="101600" rtl="0" algn="l">
+              <a:lnSpc>
+                <a:spcPct val="127500"/>
+              </a:lnSpc>
+              <a:spcBef>
+                <a:spcPts val="1100"/>
+              </a:spcBef>
+              <a:spcAft>
+                <a:spcPts val="0"/>
+              </a:spcAft>
+              <a:buNone/>
+            </a:pPr>
+            <a:r>
+              <a:rPr lang="ru" sz="1600">
+                <a:solidFill>
+                  <a:srgbClr val="202020"/>
+                </a:solidFill>
+                <a:highlight>
+                  <a:srgbClr val="FFFFFF"/>
+                </a:highlight>
+                <a:latin typeface="Roboto Mono"/>
+                <a:ea typeface="Roboto Mono"/>
+                <a:cs typeface="Roboto Mono"/>
+                <a:sym typeface="Roboto Mono"/>
+              </a:rPr>
+              <a:t>   </a:t>
+            </a:r>
+            <a:r>
+              <a:rPr lang="ru" sz="1600">
+                <a:solidFill>
+                  <a:srgbClr val="B11A04"/>
+                </a:solidFill>
+                <a:highlight>
+                  <a:srgbClr val="FFFFFF"/>
+                </a:highlight>
+                <a:latin typeface="Roboto Mono"/>
+                <a:ea typeface="Roboto Mono"/>
+                <a:cs typeface="Roboto Mono"/>
+                <a:sym typeface="Roboto Mono"/>
+              </a:rPr>
+              <a:t>return</a:t>
+            </a:r>
+            <a:r>
+              <a:rPr lang="ru" sz="1600">
+                <a:solidFill>
+                  <a:srgbClr val="202020"/>
+                </a:solidFill>
+                <a:highlight>
+                  <a:srgbClr val="FFFFFF"/>
+                </a:highlight>
+                <a:latin typeface="Roboto Mono"/>
+                <a:ea typeface="Roboto Mono"/>
+                <a:cs typeface="Roboto Mono"/>
+                <a:sym typeface="Roboto Mono"/>
+              </a:rPr>
+              <a:t> context</a:t>
+            </a:r>
+            <a:r>
+              <a:rPr lang="ru" sz="1600">
+                <a:solidFill>
+                  <a:srgbClr val="555555"/>
+                </a:solidFill>
+                <a:highlight>
+                  <a:srgbClr val="FFFFFF"/>
+                </a:highlight>
+                <a:latin typeface="Roboto Mono"/>
+                <a:ea typeface="Roboto Mono"/>
+                <a:cs typeface="Roboto Mono"/>
+                <a:sym typeface="Roboto Mono"/>
+              </a:rPr>
+              <a:t>.</a:t>
+            </a:r>
+            <a:r>
+              <a:rPr lang="ru" sz="1600">
+                <a:solidFill>
+                  <a:srgbClr val="202020"/>
+                </a:solidFill>
+                <a:highlight>
+                  <a:srgbClr val="FFFFFF"/>
+                </a:highlight>
+                <a:latin typeface="Roboto Mono"/>
+                <a:ea typeface="Roboto Mono"/>
+                <a:cs typeface="Roboto Mono"/>
+                <a:sym typeface="Roboto Mono"/>
+              </a:rPr>
+              <a:t>db</a:t>
+            </a:r>
+            <a:r>
+              <a:rPr lang="ru" sz="1600">
+                <a:solidFill>
+                  <a:srgbClr val="555555"/>
+                </a:solidFill>
+                <a:highlight>
+                  <a:srgbClr val="FFFFFF"/>
+                </a:highlight>
+                <a:latin typeface="Roboto Mono"/>
+                <a:ea typeface="Roboto Mono"/>
+                <a:cs typeface="Roboto Mono"/>
+                <a:sym typeface="Roboto Mono"/>
+              </a:rPr>
+              <a:t>.</a:t>
+            </a:r>
+            <a:r>
+              <a:rPr lang="ru" sz="1600">
+                <a:solidFill>
+                  <a:srgbClr val="B33086"/>
+                </a:solidFill>
+                <a:highlight>
+                  <a:srgbClr val="FFFFFF"/>
+                </a:highlight>
+                <a:latin typeface="Roboto Mono"/>
+                <a:ea typeface="Roboto Mono"/>
+                <a:cs typeface="Roboto Mono"/>
+                <a:sym typeface="Roboto Mono"/>
+              </a:rPr>
+              <a:t>loadHumanByID</a:t>
+            </a:r>
+            <a:r>
+              <a:rPr lang="ru" sz="1600">
+                <a:solidFill>
+                  <a:srgbClr val="555555"/>
+                </a:solidFill>
+                <a:highlight>
+                  <a:srgbClr val="FFFFFF"/>
+                </a:highlight>
+                <a:latin typeface="Roboto Mono"/>
+                <a:ea typeface="Roboto Mono"/>
+                <a:cs typeface="Roboto Mono"/>
+                <a:sym typeface="Roboto Mono"/>
+              </a:rPr>
+              <a:t>(</a:t>
+            </a:r>
+            <a:r>
+              <a:rPr lang="ru" sz="1600">
+                <a:solidFill>
+                  <a:srgbClr val="202020"/>
+                </a:solidFill>
+                <a:highlight>
+                  <a:srgbClr val="FFFFFF"/>
+                </a:highlight>
+                <a:latin typeface="Roboto Mono"/>
+                <a:ea typeface="Roboto Mono"/>
+                <a:cs typeface="Roboto Mono"/>
+                <a:sym typeface="Roboto Mono"/>
+              </a:rPr>
+              <a:t>args</a:t>
+            </a:r>
+            <a:r>
+              <a:rPr lang="ru" sz="1600">
+                <a:solidFill>
+                  <a:srgbClr val="555555"/>
+                </a:solidFill>
+                <a:highlight>
+                  <a:srgbClr val="FFFFFF"/>
+                </a:highlight>
+                <a:latin typeface="Roboto Mono"/>
+                <a:ea typeface="Roboto Mono"/>
+                <a:cs typeface="Roboto Mono"/>
+                <a:sym typeface="Roboto Mono"/>
+              </a:rPr>
+              <a:t>.</a:t>
+            </a:r>
+            <a:r>
+              <a:rPr lang="ru" sz="1600">
+                <a:solidFill>
+                  <a:srgbClr val="202020"/>
+                </a:solidFill>
+                <a:highlight>
+                  <a:srgbClr val="FFFFFF"/>
+                </a:highlight>
+                <a:latin typeface="Roboto Mono"/>
+                <a:ea typeface="Roboto Mono"/>
+                <a:cs typeface="Roboto Mono"/>
+                <a:sym typeface="Roboto Mono"/>
+              </a:rPr>
+              <a:t>id</a:t>
+            </a:r>
+            <a:r>
+              <a:rPr lang="ru" sz="1600">
+                <a:solidFill>
+                  <a:srgbClr val="555555"/>
+                </a:solidFill>
+                <a:highlight>
+                  <a:srgbClr val="FFFFFF"/>
+                </a:highlight>
+                <a:latin typeface="Roboto Mono"/>
+                <a:ea typeface="Roboto Mono"/>
+                <a:cs typeface="Roboto Mono"/>
+                <a:sym typeface="Roboto Mono"/>
+              </a:rPr>
+              <a:t>).</a:t>
+            </a:r>
+            <a:r>
+              <a:rPr lang="ru" sz="1600">
+                <a:solidFill>
+                  <a:srgbClr val="B33086"/>
+                </a:solidFill>
+                <a:highlight>
+                  <a:srgbClr val="FFFFFF"/>
+                </a:highlight>
+                <a:latin typeface="Roboto Mono"/>
+                <a:ea typeface="Roboto Mono"/>
+                <a:cs typeface="Roboto Mono"/>
+                <a:sym typeface="Roboto Mono"/>
+              </a:rPr>
+              <a:t>then</a:t>
+            </a:r>
+            <a:r>
+              <a:rPr lang="ru" sz="1600">
+                <a:solidFill>
+                  <a:srgbClr val="555555"/>
+                </a:solidFill>
+                <a:highlight>
+                  <a:srgbClr val="FFFFFF"/>
+                </a:highlight>
+                <a:latin typeface="Roboto Mono"/>
+                <a:ea typeface="Roboto Mono"/>
+                <a:cs typeface="Roboto Mono"/>
+                <a:sym typeface="Roboto Mono"/>
+              </a:rPr>
+              <a:t>(</a:t>
+            </a:r>
+            <a:endParaRPr sz="1600">
+              <a:solidFill>
+                <a:srgbClr val="555555"/>
+              </a:solidFill>
+              <a:highlight>
+                <a:srgbClr val="FFFFFF"/>
+              </a:highlight>
+              <a:latin typeface="Roboto Mono"/>
+              <a:ea typeface="Roboto Mono"/>
+              <a:cs typeface="Roboto Mono"/>
+              <a:sym typeface="Roboto Mono"/>
+            </a:endParaRPr>
+          </a:p>
+          <a:p>
+            <a:pPr indent="0" lvl="0" marL="101600" marR="101600" rtl="0" algn="l">
+              <a:lnSpc>
+                <a:spcPct val="127500"/>
+              </a:lnSpc>
+              <a:spcBef>
+                <a:spcPts val="1100"/>
+              </a:spcBef>
+              <a:spcAft>
+                <a:spcPts val="0"/>
+              </a:spcAft>
+              <a:buNone/>
+            </a:pPr>
+            <a:r>
+              <a:rPr lang="ru" sz="1600">
+                <a:solidFill>
+                  <a:srgbClr val="202020"/>
+                </a:solidFill>
+                <a:highlight>
+                  <a:srgbClr val="FFFFFF"/>
+                </a:highlight>
+                <a:latin typeface="Roboto Mono"/>
+                <a:ea typeface="Roboto Mono"/>
+                <a:cs typeface="Roboto Mono"/>
+                <a:sym typeface="Roboto Mono"/>
+              </a:rPr>
+              <a:t>     userData =&gt; </a:t>
+            </a:r>
+            <a:r>
+              <a:rPr lang="ru" sz="1600">
+                <a:solidFill>
+                  <a:srgbClr val="B11A04"/>
+                </a:solidFill>
+                <a:highlight>
+                  <a:srgbClr val="FFFFFF"/>
+                </a:highlight>
+                <a:latin typeface="Roboto Mono"/>
+                <a:ea typeface="Roboto Mono"/>
+                <a:cs typeface="Roboto Mono"/>
+                <a:sym typeface="Roboto Mono"/>
+              </a:rPr>
+              <a:t>new</a:t>
+            </a:r>
+            <a:r>
+              <a:rPr lang="ru" sz="1600">
+                <a:solidFill>
+                  <a:srgbClr val="202020"/>
+                </a:solidFill>
+                <a:highlight>
+                  <a:srgbClr val="FFFFFF"/>
+                </a:highlight>
+                <a:latin typeface="Roboto Mono"/>
+                <a:ea typeface="Roboto Mono"/>
+                <a:cs typeface="Roboto Mono"/>
+                <a:sym typeface="Roboto Mono"/>
+              </a:rPr>
+              <a:t> Human</a:t>
+            </a:r>
+            <a:r>
+              <a:rPr lang="ru" sz="1600">
+                <a:solidFill>
+                  <a:srgbClr val="555555"/>
+                </a:solidFill>
+                <a:highlight>
+                  <a:srgbClr val="FFFFFF"/>
+                </a:highlight>
+                <a:latin typeface="Roboto Mono"/>
+                <a:ea typeface="Roboto Mono"/>
+                <a:cs typeface="Roboto Mono"/>
+                <a:sym typeface="Roboto Mono"/>
+              </a:rPr>
+              <a:t>(</a:t>
+            </a:r>
+            <a:r>
+              <a:rPr lang="ru" sz="1600">
+                <a:solidFill>
+                  <a:srgbClr val="202020"/>
+                </a:solidFill>
+                <a:highlight>
+                  <a:srgbClr val="FFFFFF"/>
+                </a:highlight>
+                <a:latin typeface="Roboto Mono"/>
+                <a:ea typeface="Roboto Mono"/>
+                <a:cs typeface="Roboto Mono"/>
+                <a:sym typeface="Roboto Mono"/>
+              </a:rPr>
+              <a:t>userData</a:t>
+            </a:r>
+            <a:r>
+              <a:rPr lang="ru" sz="1600">
+                <a:solidFill>
+                  <a:srgbClr val="555555"/>
+                </a:solidFill>
+                <a:highlight>
+                  <a:srgbClr val="FFFFFF"/>
+                </a:highlight>
+                <a:latin typeface="Roboto Mono"/>
+                <a:ea typeface="Roboto Mono"/>
+                <a:cs typeface="Roboto Mono"/>
+                <a:sym typeface="Roboto Mono"/>
+              </a:rPr>
+              <a:t>)</a:t>
+            </a:r>
+            <a:endParaRPr sz="1600">
+              <a:solidFill>
+                <a:srgbClr val="555555"/>
+              </a:solidFill>
+              <a:highlight>
+                <a:srgbClr val="FFFFFF"/>
+              </a:highlight>
+              <a:latin typeface="Roboto Mono"/>
+              <a:ea typeface="Roboto Mono"/>
+              <a:cs typeface="Roboto Mono"/>
+              <a:sym typeface="Roboto Mono"/>
+            </a:endParaRPr>
+          </a:p>
+          <a:p>
+            <a:pPr indent="0" lvl="0" marL="101600" marR="101600" rtl="0" algn="l">
+              <a:lnSpc>
+                <a:spcPct val="127500"/>
+              </a:lnSpc>
+              <a:spcBef>
+                <a:spcPts val="1100"/>
+              </a:spcBef>
+              <a:spcAft>
+                <a:spcPts val="0"/>
+              </a:spcAft>
+              <a:buNone/>
+            </a:pPr>
+            <a:r>
+              <a:rPr lang="ru" sz="1600">
+                <a:solidFill>
+                  <a:srgbClr val="202020"/>
+                </a:solidFill>
+                <a:highlight>
+                  <a:srgbClr val="FFFFFF"/>
+                </a:highlight>
+                <a:latin typeface="Roboto Mono"/>
+                <a:ea typeface="Roboto Mono"/>
+                <a:cs typeface="Roboto Mono"/>
+                <a:sym typeface="Roboto Mono"/>
+              </a:rPr>
+              <a:t>   </a:t>
+            </a:r>
+            <a:r>
+              <a:rPr lang="ru" sz="1600">
+                <a:solidFill>
+                  <a:srgbClr val="555555"/>
+                </a:solidFill>
+                <a:highlight>
+                  <a:srgbClr val="FFFFFF"/>
+                </a:highlight>
+                <a:latin typeface="Roboto Mono"/>
+                <a:ea typeface="Roboto Mono"/>
+                <a:cs typeface="Roboto Mono"/>
+                <a:sym typeface="Roboto Mono"/>
+              </a:rPr>
+              <a:t>)</a:t>
+            </a:r>
+            <a:endParaRPr sz="1600">
+              <a:solidFill>
+                <a:srgbClr val="555555"/>
+              </a:solidFill>
+              <a:highlight>
+                <a:srgbClr val="FFFFFF"/>
+              </a:highlight>
+              <a:latin typeface="Roboto Mono"/>
+              <a:ea typeface="Roboto Mono"/>
+              <a:cs typeface="Roboto Mono"/>
+              <a:sym typeface="Roboto Mono"/>
+            </a:endParaRPr>
+          </a:p>
+          <a:p>
+            <a:pPr indent="0" lvl="0" marL="101600" marR="101600" rtl="0" algn="l">
+              <a:lnSpc>
+                <a:spcPct val="127500"/>
+              </a:lnSpc>
+              <a:spcBef>
+                <a:spcPts val="1100"/>
+              </a:spcBef>
+              <a:spcAft>
+                <a:spcPts val="0"/>
+              </a:spcAft>
+              <a:buNone/>
+            </a:pPr>
+            <a:r>
+              <a:rPr lang="ru" sz="1600">
+                <a:solidFill>
+                  <a:srgbClr val="202020"/>
+                </a:solidFill>
+                <a:highlight>
+                  <a:srgbClr val="FFFFFF"/>
+                </a:highlight>
+                <a:latin typeface="Roboto Mono"/>
+                <a:ea typeface="Roboto Mono"/>
+                <a:cs typeface="Roboto Mono"/>
+                <a:sym typeface="Roboto Mono"/>
+              </a:rPr>
+              <a:t> </a:t>
+            </a:r>
+            <a:r>
+              <a:rPr lang="ru" sz="1600">
+                <a:solidFill>
+                  <a:srgbClr val="555555"/>
+                </a:solidFill>
+                <a:highlight>
+                  <a:srgbClr val="FFFFFF"/>
+                </a:highlight>
+                <a:latin typeface="Roboto Mono"/>
+                <a:ea typeface="Roboto Mono"/>
+                <a:cs typeface="Roboto Mono"/>
+                <a:sym typeface="Roboto Mono"/>
+              </a:rPr>
+              <a:t>}</a:t>
+            </a:r>
+            <a:endParaRPr sz="1900">
+              <a:solidFill>
+                <a:srgbClr val="555555"/>
+              </a:solidFill>
+              <a:highlight>
+                <a:srgbClr val="FFFFFF"/>
+              </a:highlight>
+              <a:latin typeface="Roboto Mono"/>
+              <a:ea typeface="Roboto Mono"/>
+              <a:cs typeface="Roboto Mono"/>
+              <a:sym typeface="Roboto Mono"/>
+            </a:endParaRPr>
+          </a:p>
+          <a:p>
+            <a:pPr indent="0" lvl="0" marL="101600" marR="101600" rtl="0" algn="l">
+              <a:lnSpc>
+                <a:spcPct val="127500"/>
+              </a:lnSpc>
+              <a:spcBef>
+                <a:spcPts val="1100"/>
+              </a:spcBef>
+              <a:spcAft>
+                <a:spcPts val="1100"/>
+              </a:spcAft>
+              <a:buNone/>
+            </a:pPr>
+            <a:r>
+              <a:rPr lang="ru" sz="1600">
+                <a:solidFill>
+                  <a:srgbClr val="555555"/>
+                </a:solidFill>
+                <a:highlight>
+                  <a:srgbClr val="FFFFFF"/>
+                </a:highlight>
+                <a:latin typeface="Roboto Mono"/>
+                <a:ea typeface="Roboto Mono"/>
+                <a:cs typeface="Roboto Mono"/>
+                <a:sym typeface="Roboto Mono"/>
+              </a:rPr>
+              <a:t>}</a:t>
+            </a:r>
+            <a:endParaRPr sz="1600">
+              <a:solidFill>
+                <a:srgbClr val="555555"/>
+              </a:solidFill>
+              <a:highlight>
+                <a:srgbClr val="FFFFFF"/>
+              </a:highlight>
+              <a:latin typeface="Roboto Mono"/>
+              <a:ea typeface="Roboto Mono"/>
+              <a:cs typeface="Roboto Mono"/>
+              <a:sym typeface="Roboto Mono"/>
+            </a:endParaRPr>
+          </a:p>
+        </p:txBody>
+      </p:sp>
+    </p:spTree>
+  </p:cSld>
+  <p:clrMapOvr>
+    <a:masterClrMapping/>
+  </p:clrMapOvr>
+</p:sld>
+</file>
+
+<file path=ppt/slides/slide21.xml><?xml version="1.0" encoding="utf-8"?>
+<p:sld xmlns:a="http://schemas.openxmlformats.org/drawingml/2006/main" xmlns:r="http://schemas.openxmlformats.org/officeDocument/2006/relationships" xmlns:mc="http://schemas.openxmlformats.org/markup-compatibility/2006" xmlns:mv="urn:schemas-microsoft-com:mac:vml" xmlns:p="http://schemas.openxmlformats.org/presentationml/2006/main" xmlns:c="http://schemas.openxmlformats.org/drawingml/2006/chart" xmlns:dgm="http://schemas.openxmlformats.org/drawingml/2006/diagram" xmlns:o="urn:schemas-microsoft-com:office:office" xmlns:v="urn:schemas-microsoft-com:vml" xmlns:pvml="urn:schemas-microsoft-com:office:powerpoint" xmlns:com="http://schemas.openxmlformats.org/drawingml/2006/compatibility" xmlns:p14="http://schemas.microsoft.com/office/powerpoint/2010/main" xmlns:p15="http://schemas.microsoft.com/office/powerpoint/2012/main" xmlns:ahyp="http://schemas.microsoft.com/office/drawing/2018/hyperlinkcolor">
+  <p:cSld>
+    <p:spTree>
+      <p:nvGrpSpPr>
+        <p:cNvPr id="187" name="Shape 187"/>
+        <p:cNvGrpSpPr/>
+        <p:nvPr/>
+      </p:nvGrpSpPr>
+      <p:grpSpPr>
+        <a:xfrm>
+          <a:off x="0" y="0"/>
+          <a:ext cx="0" cy="0"/>
+          <a:chOff x="0" y="0"/>
+          <a:chExt cx="0" cy="0"/>
+        </a:xfrm>
+      </p:grpSpPr>
+      <p:sp>
+        <p:nvSpPr>
+          <p:cNvPr id="188" name="Google Shape;188;p33"/>
+          <p:cNvSpPr txBox="1"/>
+          <p:nvPr>
+            <p:ph type="title"/>
+          </p:nvPr>
+        </p:nvSpPr>
+        <p:spPr>
+          <a:xfrm>
+            <a:off x="311700" y="445025"/>
+            <a:ext cx="8520600" cy="572700"/>
+          </a:xfrm>
+          <a:prstGeom prst="rect">
+            <a:avLst/>
+          </a:prstGeom>
+        </p:spPr>
+        <p:txBody>
+          <a:bodyPr anchorCtr="0" anchor="t" bIns="91425" lIns="91425" spcFirstLastPara="1" rIns="91425" wrap="square" tIns="91425">
+            <a:noAutofit/>
+          </a:bodyPr>
+          <a:lstStyle/>
+          <a:p>
+            <a:pPr indent="0" lvl="0" marL="0" rtl="0" algn="l">
+              <a:spcBef>
+                <a:spcPts val="0"/>
+              </a:spcBef>
+              <a:spcAft>
+                <a:spcPts val="0"/>
+              </a:spcAft>
+              <a:buNone/>
+            </a:pPr>
+            <a:r>
+              <a:rPr lang="ru"/>
+              <a:t>Trivial resolvers</a:t>
+            </a:r>
+            <a:endParaRPr/>
+          </a:p>
+        </p:txBody>
+      </p:sp>
+      <p:sp>
+        <p:nvSpPr>
+          <p:cNvPr id="189" name="Google Shape;189;p33"/>
+          <p:cNvSpPr txBox="1"/>
+          <p:nvPr/>
+        </p:nvSpPr>
+        <p:spPr>
+          <a:xfrm>
+            <a:off x="311700" y="1071750"/>
+            <a:ext cx="6565500" cy="3595500"/>
+          </a:xfrm>
+          <a:prstGeom prst="rect">
+            <a:avLst/>
+          </a:prstGeom>
+          <a:noFill/>
+          <a:ln>
+            <a:noFill/>
+          </a:ln>
+        </p:spPr>
+        <p:txBody>
+          <a:bodyPr anchorCtr="0" anchor="t" bIns="91425" lIns="91425" spcFirstLastPara="1" rIns="91425" wrap="square" tIns="91425">
+            <a:noAutofit/>
+          </a:bodyPr>
+          <a:lstStyle/>
+          <a:p>
+            <a:pPr indent="0" lvl="0" marL="101600" marR="101600" rtl="0" algn="l">
+              <a:lnSpc>
+                <a:spcPct val="127500"/>
+              </a:lnSpc>
+              <a:spcBef>
+                <a:spcPts val="1100"/>
+              </a:spcBef>
+              <a:spcAft>
+                <a:spcPts val="0"/>
+              </a:spcAft>
+              <a:buNone/>
+            </a:pPr>
+            <a:r>
+              <a:rPr lang="ru" sz="1600">
+                <a:solidFill>
+                  <a:srgbClr val="202020"/>
+                </a:solidFill>
+                <a:highlight>
+                  <a:srgbClr val="FFFFFF"/>
+                </a:highlight>
+                <a:latin typeface="Roboto Mono"/>
+                <a:ea typeface="Roboto Mono"/>
+                <a:cs typeface="Roboto Mono"/>
+                <a:sym typeface="Roboto Mono"/>
+              </a:rPr>
+              <a:t>Human</a:t>
+            </a:r>
+            <a:r>
+              <a:rPr lang="ru" sz="1600">
+                <a:solidFill>
+                  <a:srgbClr val="555555"/>
+                </a:solidFill>
+                <a:highlight>
+                  <a:srgbClr val="FFFFFF"/>
+                </a:highlight>
+                <a:latin typeface="Roboto Mono"/>
+                <a:ea typeface="Roboto Mono"/>
+                <a:cs typeface="Roboto Mono"/>
+                <a:sym typeface="Roboto Mono"/>
+              </a:rPr>
+              <a:t>:</a:t>
+            </a:r>
+            <a:r>
+              <a:rPr lang="ru" sz="1600">
+                <a:solidFill>
+                  <a:srgbClr val="202020"/>
+                </a:solidFill>
+                <a:highlight>
+                  <a:srgbClr val="FFFFFF"/>
+                </a:highlight>
+                <a:latin typeface="Roboto Mono"/>
+                <a:ea typeface="Roboto Mono"/>
+                <a:cs typeface="Roboto Mono"/>
+                <a:sym typeface="Roboto Mono"/>
+              </a:rPr>
+              <a:t> </a:t>
+            </a:r>
+            <a:r>
+              <a:rPr lang="ru" sz="1600">
+                <a:solidFill>
+                  <a:srgbClr val="555555"/>
+                </a:solidFill>
+                <a:highlight>
+                  <a:srgbClr val="FFFFFF"/>
+                </a:highlight>
+                <a:latin typeface="Roboto Mono"/>
+                <a:ea typeface="Roboto Mono"/>
+                <a:cs typeface="Roboto Mono"/>
+                <a:sym typeface="Roboto Mono"/>
+              </a:rPr>
+              <a:t>{</a:t>
+            </a:r>
+            <a:endParaRPr sz="1600">
+              <a:solidFill>
+                <a:srgbClr val="555555"/>
+              </a:solidFill>
+              <a:highlight>
+                <a:srgbClr val="FFFFFF"/>
+              </a:highlight>
+              <a:latin typeface="Roboto Mono"/>
+              <a:ea typeface="Roboto Mono"/>
+              <a:cs typeface="Roboto Mono"/>
+              <a:sym typeface="Roboto Mono"/>
+            </a:endParaRPr>
+          </a:p>
+          <a:p>
+            <a:pPr indent="0" lvl="0" marL="101600" marR="101600" rtl="0" algn="l">
+              <a:lnSpc>
+                <a:spcPct val="127500"/>
+              </a:lnSpc>
+              <a:spcBef>
+                <a:spcPts val="1100"/>
+              </a:spcBef>
+              <a:spcAft>
+                <a:spcPts val="0"/>
+              </a:spcAft>
+              <a:buNone/>
+            </a:pPr>
+            <a:r>
+              <a:rPr lang="ru" sz="1600">
+                <a:solidFill>
+                  <a:srgbClr val="202020"/>
+                </a:solidFill>
+                <a:highlight>
+                  <a:srgbClr val="FFFFFF"/>
+                </a:highlight>
+                <a:latin typeface="Roboto Mono"/>
+                <a:ea typeface="Roboto Mono"/>
+                <a:cs typeface="Roboto Mono"/>
+                <a:sym typeface="Roboto Mono"/>
+              </a:rPr>
+              <a:t> </a:t>
+            </a:r>
+            <a:r>
+              <a:rPr lang="ru" sz="1600">
+                <a:solidFill>
+                  <a:srgbClr val="B33086"/>
+                </a:solidFill>
+                <a:highlight>
+                  <a:srgbClr val="FFFFFF"/>
+                </a:highlight>
+                <a:latin typeface="Roboto Mono"/>
+                <a:ea typeface="Roboto Mono"/>
+                <a:cs typeface="Roboto Mono"/>
+                <a:sym typeface="Roboto Mono"/>
+              </a:rPr>
+              <a:t>name</a:t>
+            </a:r>
+            <a:r>
+              <a:rPr lang="ru" sz="1600">
+                <a:solidFill>
+                  <a:srgbClr val="555555"/>
+                </a:solidFill>
+                <a:highlight>
+                  <a:srgbClr val="FFFFFF"/>
+                </a:highlight>
+                <a:latin typeface="Roboto Mono"/>
+                <a:ea typeface="Roboto Mono"/>
+                <a:cs typeface="Roboto Mono"/>
+                <a:sym typeface="Roboto Mono"/>
+              </a:rPr>
+              <a:t>(</a:t>
+            </a:r>
+            <a:r>
+              <a:rPr lang="ru" sz="1600">
+                <a:solidFill>
+                  <a:srgbClr val="202020"/>
+                </a:solidFill>
+                <a:highlight>
+                  <a:srgbClr val="FFFFFF"/>
+                </a:highlight>
+                <a:latin typeface="Roboto Mono"/>
+                <a:ea typeface="Roboto Mono"/>
+                <a:cs typeface="Roboto Mono"/>
+                <a:sym typeface="Roboto Mono"/>
+              </a:rPr>
+              <a:t>obj</a:t>
+            </a:r>
+            <a:r>
+              <a:rPr lang="ru" sz="1600">
+                <a:solidFill>
+                  <a:srgbClr val="555555"/>
+                </a:solidFill>
+                <a:highlight>
+                  <a:srgbClr val="FFFFFF"/>
+                </a:highlight>
+                <a:latin typeface="Roboto Mono"/>
+                <a:ea typeface="Roboto Mono"/>
+                <a:cs typeface="Roboto Mono"/>
+                <a:sym typeface="Roboto Mono"/>
+              </a:rPr>
+              <a:t>,</a:t>
+            </a:r>
+            <a:r>
+              <a:rPr lang="ru" sz="1600">
+                <a:solidFill>
+                  <a:srgbClr val="202020"/>
+                </a:solidFill>
+                <a:highlight>
+                  <a:srgbClr val="FFFFFF"/>
+                </a:highlight>
+                <a:latin typeface="Roboto Mono"/>
+                <a:ea typeface="Roboto Mono"/>
+                <a:cs typeface="Roboto Mono"/>
+                <a:sym typeface="Roboto Mono"/>
+              </a:rPr>
+              <a:t> args</a:t>
+            </a:r>
+            <a:r>
+              <a:rPr lang="ru" sz="1600">
+                <a:solidFill>
+                  <a:srgbClr val="555555"/>
+                </a:solidFill>
+                <a:highlight>
+                  <a:srgbClr val="FFFFFF"/>
+                </a:highlight>
+                <a:latin typeface="Roboto Mono"/>
+                <a:ea typeface="Roboto Mono"/>
+                <a:cs typeface="Roboto Mono"/>
+                <a:sym typeface="Roboto Mono"/>
+              </a:rPr>
+              <a:t>,</a:t>
+            </a:r>
+            <a:r>
+              <a:rPr lang="ru" sz="1600">
+                <a:solidFill>
+                  <a:srgbClr val="202020"/>
+                </a:solidFill>
+                <a:highlight>
+                  <a:srgbClr val="FFFFFF"/>
+                </a:highlight>
+                <a:latin typeface="Roboto Mono"/>
+                <a:ea typeface="Roboto Mono"/>
+                <a:cs typeface="Roboto Mono"/>
+                <a:sym typeface="Roboto Mono"/>
+              </a:rPr>
+              <a:t> context</a:t>
+            </a:r>
+            <a:r>
+              <a:rPr lang="ru" sz="1600">
+                <a:solidFill>
+                  <a:srgbClr val="555555"/>
+                </a:solidFill>
+                <a:highlight>
+                  <a:srgbClr val="FFFFFF"/>
+                </a:highlight>
+                <a:latin typeface="Roboto Mono"/>
+                <a:ea typeface="Roboto Mono"/>
+                <a:cs typeface="Roboto Mono"/>
+                <a:sym typeface="Roboto Mono"/>
+              </a:rPr>
+              <a:t>,</a:t>
+            </a:r>
+            <a:r>
+              <a:rPr lang="ru" sz="1600">
+                <a:solidFill>
+                  <a:srgbClr val="202020"/>
+                </a:solidFill>
+                <a:highlight>
+                  <a:srgbClr val="FFFFFF"/>
+                </a:highlight>
+                <a:latin typeface="Roboto Mono"/>
+                <a:ea typeface="Roboto Mono"/>
+                <a:cs typeface="Roboto Mono"/>
+                <a:sym typeface="Roboto Mono"/>
+              </a:rPr>
+              <a:t> info</a:t>
+            </a:r>
+            <a:r>
+              <a:rPr lang="ru" sz="1600">
+                <a:solidFill>
+                  <a:srgbClr val="555555"/>
+                </a:solidFill>
+                <a:highlight>
+                  <a:srgbClr val="FFFFFF"/>
+                </a:highlight>
+                <a:latin typeface="Roboto Mono"/>
+                <a:ea typeface="Roboto Mono"/>
+                <a:cs typeface="Roboto Mono"/>
+                <a:sym typeface="Roboto Mono"/>
+              </a:rPr>
+              <a:t>)</a:t>
+            </a:r>
+            <a:r>
+              <a:rPr lang="ru" sz="1600">
+                <a:solidFill>
+                  <a:srgbClr val="202020"/>
+                </a:solidFill>
+                <a:highlight>
+                  <a:srgbClr val="FFFFFF"/>
+                </a:highlight>
+                <a:latin typeface="Roboto Mono"/>
+                <a:ea typeface="Roboto Mono"/>
+                <a:cs typeface="Roboto Mono"/>
+                <a:sym typeface="Roboto Mono"/>
+              </a:rPr>
+              <a:t> </a:t>
+            </a:r>
+            <a:r>
+              <a:rPr lang="ru" sz="1600">
+                <a:solidFill>
+                  <a:srgbClr val="555555"/>
+                </a:solidFill>
+                <a:highlight>
+                  <a:srgbClr val="FFFFFF"/>
+                </a:highlight>
+                <a:latin typeface="Roboto Mono"/>
+                <a:ea typeface="Roboto Mono"/>
+                <a:cs typeface="Roboto Mono"/>
+                <a:sym typeface="Roboto Mono"/>
+              </a:rPr>
+              <a:t>{</a:t>
+            </a:r>
+            <a:endParaRPr sz="1600">
+              <a:solidFill>
+                <a:srgbClr val="555555"/>
+              </a:solidFill>
+              <a:highlight>
+                <a:srgbClr val="FFFFFF"/>
+              </a:highlight>
+              <a:latin typeface="Roboto Mono"/>
+              <a:ea typeface="Roboto Mono"/>
+              <a:cs typeface="Roboto Mono"/>
+              <a:sym typeface="Roboto Mono"/>
+            </a:endParaRPr>
+          </a:p>
+          <a:p>
+            <a:pPr indent="0" lvl="0" marL="101600" marR="101600" rtl="0" algn="l">
+              <a:lnSpc>
+                <a:spcPct val="127500"/>
+              </a:lnSpc>
+              <a:spcBef>
+                <a:spcPts val="1100"/>
+              </a:spcBef>
+              <a:spcAft>
+                <a:spcPts val="0"/>
+              </a:spcAft>
+              <a:buNone/>
+            </a:pPr>
+            <a:r>
+              <a:rPr lang="ru" sz="1600">
+                <a:solidFill>
+                  <a:srgbClr val="202020"/>
+                </a:solidFill>
+                <a:highlight>
+                  <a:srgbClr val="FFFFFF"/>
+                </a:highlight>
+                <a:latin typeface="Roboto Mono"/>
+                <a:ea typeface="Roboto Mono"/>
+                <a:cs typeface="Roboto Mono"/>
+                <a:sym typeface="Roboto Mono"/>
+              </a:rPr>
+              <a:t>   </a:t>
+            </a:r>
+            <a:r>
+              <a:rPr lang="ru" sz="1600">
+                <a:solidFill>
+                  <a:srgbClr val="B11A04"/>
+                </a:solidFill>
+                <a:highlight>
+                  <a:srgbClr val="FFFFFF"/>
+                </a:highlight>
+                <a:latin typeface="Roboto Mono"/>
+                <a:ea typeface="Roboto Mono"/>
+                <a:cs typeface="Roboto Mono"/>
+                <a:sym typeface="Roboto Mono"/>
+              </a:rPr>
+              <a:t>return</a:t>
+            </a:r>
+            <a:r>
+              <a:rPr lang="ru" sz="1600">
+                <a:solidFill>
+                  <a:srgbClr val="202020"/>
+                </a:solidFill>
+                <a:highlight>
+                  <a:srgbClr val="FFFFFF"/>
+                </a:highlight>
+                <a:latin typeface="Roboto Mono"/>
+                <a:ea typeface="Roboto Mono"/>
+                <a:cs typeface="Roboto Mono"/>
+                <a:sym typeface="Roboto Mono"/>
+              </a:rPr>
+              <a:t> obj</a:t>
+            </a:r>
+            <a:r>
+              <a:rPr lang="ru" sz="1600">
+                <a:solidFill>
+                  <a:srgbClr val="555555"/>
+                </a:solidFill>
+                <a:highlight>
+                  <a:srgbClr val="FFFFFF"/>
+                </a:highlight>
+                <a:latin typeface="Roboto Mono"/>
+                <a:ea typeface="Roboto Mono"/>
+                <a:cs typeface="Roboto Mono"/>
+                <a:sym typeface="Roboto Mono"/>
+              </a:rPr>
+              <a:t>.</a:t>
+            </a:r>
+            <a:r>
+              <a:rPr lang="ru" sz="1600">
+                <a:solidFill>
+                  <a:srgbClr val="202020"/>
+                </a:solidFill>
+                <a:highlight>
+                  <a:srgbClr val="FFFFFF"/>
+                </a:highlight>
+                <a:latin typeface="Roboto Mono"/>
+                <a:ea typeface="Roboto Mono"/>
+                <a:cs typeface="Roboto Mono"/>
+                <a:sym typeface="Roboto Mono"/>
+              </a:rPr>
+              <a:t>name</a:t>
+            </a:r>
+            <a:endParaRPr sz="1600">
+              <a:solidFill>
+                <a:srgbClr val="202020"/>
+              </a:solidFill>
+              <a:highlight>
+                <a:srgbClr val="FFFFFF"/>
+              </a:highlight>
+              <a:latin typeface="Roboto Mono"/>
+              <a:ea typeface="Roboto Mono"/>
+              <a:cs typeface="Roboto Mono"/>
+              <a:sym typeface="Roboto Mono"/>
+            </a:endParaRPr>
+          </a:p>
+          <a:p>
+            <a:pPr indent="0" lvl="0" marL="101600" marR="101600" rtl="0" algn="l">
+              <a:lnSpc>
+                <a:spcPct val="127500"/>
+              </a:lnSpc>
+              <a:spcBef>
+                <a:spcPts val="1100"/>
+              </a:spcBef>
+              <a:spcAft>
+                <a:spcPts val="0"/>
+              </a:spcAft>
+              <a:buNone/>
+            </a:pPr>
+            <a:r>
+              <a:rPr lang="ru" sz="1600">
+                <a:solidFill>
+                  <a:srgbClr val="202020"/>
+                </a:solidFill>
+                <a:highlight>
+                  <a:srgbClr val="FFFFFF"/>
+                </a:highlight>
+                <a:latin typeface="Roboto Mono"/>
+                <a:ea typeface="Roboto Mono"/>
+                <a:cs typeface="Roboto Mono"/>
+                <a:sym typeface="Roboto Mono"/>
+              </a:rPr>
+              <a:t> </a:t>
+            </a:r>
+            <a:r>
+              <a:rPr lang="ru" sz="1600">
+                <a:solidFill>
+                  <a:srgbClr val="555555"/>
+                </a:solidFill>
+                <a:highlight>
+                  <a:srgbClr val="FFFFFF"/>
+                </a:highlight>
+                <a:latin typeface="Roboto Mono"/>
+                <a:ea typeface="Roboto Mono"/>
+                <a:cs typeface="Roboto Mono"/>
+                <a:sym typeface="Roboto Mono"/>
+              </a:rPr>
+              <a:t>}</a:t>
+            </a:r>
+            <a:endParaRPr sz="1600">
+              <a:solidFill>
+                <a:srgbClr val="555555"/>
+              </a:solidFill>
+              <a:highlight>
+                <a:srgbClr val="FFFFFF"/>
+              </a:highlight>
+              <a:latin typeface="Roboto Mono"/>
+              <a:ea typeface="Roboto Mono"/>
+              <a:cs typeface="Roboto Mono"/>
+              <a:sym typeface="Roboto Mono"/>
+            </a:endParaRPr>
+          </a:p>
+          <a:p>
+            <a:pPr indent="0" lvl="0" marL="101600" marR="101600" rtl="0" algn="l">
+              <a:lnSpc>
+                <a:spcPct val="127500"/>
+              </a:lnSpc>
+              <a:spcBef>
+                <a:spcPts val="1100"/>
+              </a:spcBef>
+              <a:spcAft>
+                <a:spcPts val="1100"/>
+              </a:spcAft>
+              <a:buNone/>
+            </a:pPr>
+            <a:r>
+              <a:rPr lang="ru" sz="1600">
+                <a:solidFill>
+                  <a:srgbClr val="555555"/>
+                </a:solidFill>
+                <a:highlight>
+                  <a:srgbClr val="FFFFFF"/>
+                </a:highlight>
+                <a:latin typeface="Roboto Mono"/>
+                <a:ea typeface="Roboto Mono"/>
+                <a:cs typeface="Roboto Mono"/>
+                <a:sym typeface="Roboto Mono"/>
+              </a:rPr>
+              <a:t>}</a:t>
+            </a:r>
+            <a:endParaRPr sz="1600">
+              <a:solidFill>
+                <a:srgbClr val="555555"/>
+              </a:solidFill>
+              <a:highlight>
+                <a:srgbClr val="FFFFFF"/>
+              </a:highlight>
+              <a:latin typeface="Roboto Mono"/>
+              <a:ea typeface="Roboto Mono"/>
+              <a:cs typeface="Roboto Mono"/>
+              <a:sym typeface="Roboto Mono"/>
+            </a:endParaRPr>
           </a:p>
         </p:txBody>
       </p:sp>
@@ -14221,6 +20739,285 @@
 </file>
 
 <file path=ppt/theme/theme1.xml><?xml version="1.0" encoding="utf-8"?>
+<a:theme xmlns:a="http://schemas.openxmlformats.org/drawingml/2006/main" xmlns:r="http://schemas.openxmlformats.org/officeDocument/2006/relationships">
+  <a:themeElements>
+    <a:clrScheme name="Default">
+      <a:dk1>
+        <a:srgbClr val="000000"/>
+      </a:dk1>
+      <a:lt1>
+        <a:srgbClr val="FFFFFF"/>
+      </a:lt1>
+      <a:dk2>
+        <a:srgbClr val="158158"/>
+      </a:dk2>
+      <a:lt2>
+        <a:srgbClr val="F3F3F3"/>
+      </a:lt2>
+      <a:accent1>
+        <a:srgbClr val="058DC7"/>
+      </a:accent1>
+      <a:accent2>
+        <a:srgbClr val="50B432"/>
+      </a:accent2>
+      <a:accent3>
+        <a:srgbClr val="ED561B"/>
+      </a:accent3>
+      <a:accent4>
+        <a:srgbClr val="EDEF00"/>
+      </a:accent4>
+      <a:accent5>
+        <a:srgbClr val="24CBE5"/>
+      </a:accent5>
+      <a:accent6>
+        <a:srgbClr val="64E572"/>
+      </a:accent6>
+      <a:hlink>
+        <a:srgbClr val="2200CC"/>
+      </a:hlink>
+      <a:folHlink>
+        <a:srgbClr val="551A8B"/>
+      </a:folHlink>
+    </a:clrScheme>
+    <a:fontScheme name="Office">
+      <a:majorFont>
+        <a:latin typeface="Arial"/>
+        <a:ea typeface=""/>
+        <a:cs typeface=""/>
+        <a:font script="Jpan" typeface="ＭＳ Ｐゴシック"/>
+        <a:font script="Hang" typeface="맑은 고딕"/>
+        <a:font script="Hans" typeface="宋体"/>
+        <a:font script="Hant" typeface="新細明體"/>
+        <a:font script="Arab" typeface="Times New Roman"/>
+        <a:font script="Hebr" typeface="Times New Roman"/>
+        <a:font script="Thai" typeface="Angsana New"/>
+        <a:font script="Ethi" typeface="Nyala"/>
+        <a:font script="Beng" typeface="Vrinda"/>
+        <a:font script="Gujr" typeface="Shruti"/>
+        <a:font script="Khmr" typeface="MoolBoran"/>
+        <a:font script="Knda" typeface="Tunga"/>
+        <a:font script="Guru" typeface="Raavi"/>
+        <a:font script="Cans" typeface="Euphemia"/>
+        <a:font script="Cher" typeface="Plantagenet Cherokee"/>
+        <a:font script="Yiii" typeface="Microsoft Yi Baiti"/>
+        <a:font script="Tibt" typeface="Microsoft Himalaya"/>
+        <a:font script="Thaa" typeface="MV Boli"/>
+        <a:font script="Deva" typeface="Mangal"/>
+        <a:font script="Telu" typeface="Gautami"/>
+        <a:font script="Taml" typeface="Latha"/>
+        <a:font script="Syrc" typeface="Estrangelo Edessa"/>
+        <a:font script="Orya" typeface="Kalinga"/>
+        <a:font script="Mlym" typeface="Kartika"/>
+        <a:font script="Laoo" typeface="DokChampa"/>
+        <a:font script="Sinh" typeface="Iskoola Pota"/>
+        <a:font script="Mong" typeface="Mongolian Baiti"/>
+        <a:font script="Viet" typeface="Times New Roman"/>
+        <a:font script="Uigh" typeface="Microsoft Uighur"/>
+        <a:font script="Geor" typeface="Sylfaen"/>
+      </a:majorFont>
+      <a:minorFont>
+        <a:latin typeface="Arial"/>
+        <a:ea typeface=""/>
+        <a:cs typeface=""/>
+        <a:font script="Jpan" typeface="ＭＳ Ｐゴシック"/>
+        <a:font script="Hang" typeface="맑은 고딕"/>
+        <a:font script="Hans" typeface="宋体"/>
+        <a:font script="Hant" typeface="新細明體"/>
+        <a:font script="Arab" typeface="Arial"/>
+        <a:font script="Hebr" typeface="Arial"/>
+        <a:font script="Thai" typeface="Cordia New"/>
+        <a:font script="Ethi" typeface="Nyala"/>
+        <a:font script="Beng" typeface="Vrinda"/>
+        <a:font script="Gujr" typeface="Shruti"/>
+        <a:font script="Khmr" typeface="DaunPenh"/>
+        <a:font script="Knda" typeface="Tunga"/>
+        <a:font script="Guru" typeface="Raavi"/>
+        <a:font script="Cans" typeface="Euphemia"/>
+        <a:font script="Cher" typeface="Plantagenet Cherokee"/>
+        <a:font script="Yiii" typeface="Microsoft Yi Baiti"/>
+        <a:font script="Tibt" typeface="Microsoft Himalaya"/>
+        <a:font script="Thaa" typeface="MV Boli"/>
+        <a:font script="Deva" typeface="Mangal"/>
+        <a:font script="Telu" typeface="Gautami"/>
+        <a:font script="Taml" typeface="Latha"/>
+        <a:font script="Syrc" typeface="Estrangelo Edessa"/>
+        <a:font script="Orya" typeface="Kalinga"/>
+        <a:font script="Mlym" typeface="Kartika"/>
+        <a:font script="Laoo" typeface="DokChampa"/>
+        <a:font script="Sinh" typeface="Iskoola Pota"/>
+        <a:font script="Mong" typeface="Mongolian Baiti"/>
+        <a:font script="Viet" typeface="Arial"/>
+        <a:font script="Uigh" typeface="Microsoft Uighur"/>
+        <a:font script="Geor" typeface="Sylfaen"/>
+      </a:minorFont>
+    </a:fontScheme>
+    <a:fmtScheme name="Office">
+      <a:fillStyleLst>
+        <a:solidFill>
+          <a:schemeClr val="phClr"/>
+        </a:solidFill>
+        <a:gradFill rotWithShape="1">
+          <a:gsLst>
+            <a:gs pos="0">
+              <a:schemeClr val="phClr">
+                <a:tint val="50000"/>
+                <a:satMod val="300000"/>
+              </a:schemeClr>
+            </a:gs>
+            <a:gs pos="35000">
+              <a:schemeClr val="phClr">
+                <a:tint val="37000"/>
+                <a:satMod val="300000"/>
+              </a:schemeClr>
+            </a:gs>
+            <a:gs pos="100000">
+              <a:schemeClr val="phClr">
+                <a:tint val="15000"/>
+                <a:satMod val="350000"/>
+              </a:schemeClr>
+            </a:gs>
+          </a:gsLst>
+          <a:lin ang="16200000" scaled="1"/>
+        </a:gradFill>
+        <a:gradFill rotWithShape="1">
+          <a:gsLst>
+            <a:gs pos="0">
+              <a:schemeClr val="phClr">
+                <a:tint val="100000"/>
+                <a:shade val="100000"/>
+                <a:satMod val="130000"/>
+              </a:schemeClr>
+            </a:gs>
+            <a:gs pos="100000">
+              <a:schemeClr val="phClr">
+                <a:tint val="50000"/>
+                <a:shade val="100000"/>
+                <a:satMod val="350000"/>
+              </a:schemeClr>
+            </a:gs>
+          </a:gsLst>
+          <a:lin ang="16200000" scaled="0"/>
+        </a:gradFill>
+      </a:fillStyleLst>
+      <a:lnStyleLst>
+        <a:ln w="9525" cap="flat" cmpd="sng" algn="ctr">
+          <a:solidFill>
+            <a:schemeClr val="phClr">
+              <a:shade val="95000"/>
+              <a:satMod val="105000"/>
+            </a:schemeClr>
+          </a:solidFill>
+          <a:prstDash val="solid"/>
+        </a:ln>
+        <a:ln w="25400" cap="flat" cmpd="sng" algn="ctr">
+          <a:solidFill>
+            <a:schemeClr val="phClr"/>
+          </a:solidFill>
+          <a:prstDash val="solid"/>
+        </a:ln>
+        <a:ln w="38100" cap="flat" cmpd="sng" algn="ctr">
+          <a:solidFill>
+            <a:schemeClr val="phClr"/>
+          </a:solidFill>
+          <a:prstDash val="solid"/>
+        </a:ln>
+      </a:lnStyleLst>
+      <a:effectStyleLst>
+        <a:effectStyle>
+          <a:effectLst>
+            <a:outerShdw blurRad="40000" dist="20000" dir="5400000" rotWithShape="0">
+              <a:srgbClr val="000000">
+                <a:alpha val="38000"/>
+              </a:srgbClr>
+            </a:outerShdw>
+          </a:effectLst>
+        </a:effectStyle>
+        <a:effectStyle>
+          <a:effectLst>
+            <a:outerShdw blurRad="40000" dist="23000" dir="5400000" rotWithShape="0">
+              <a:srgbClr val="000000">
+                <a:alpha val="35000"/>
+              </a:srgbClr>
+            </a:outerShdw>
+          </a:effectLst>
+        </a:effectStyle>
+        <a:effectStyle>
+          <a:effectLst>
+            <a:outerShdw blurRad="40000" dist="23000" dir="5400000" rotWithShape="0">
+              <a:srgbClr val="000000">
+                <a:alpha val="35000"/>
+              </a:srgbClr>
+            </a:outerShdw>
+          </a:effectLst>
+          <a:scene3d>
+            <a:camera prst="orthographicFront">
+              <a:rot lat="0" lon="0" rev="0"/>
+            </a:camera>
+            <a:lightRig rig="threePt" dir="t">
+              <a:rot lat="0" lon="0" rev="1200000"/>
+            </a:lightRig>
+          </a:scene3d>
+          <a:sp3d>
+            <a:bevelT w="63500" h="25400"/>
+          </a:sp3d>
+        </a:effectStyle>
+      </a:effectStyleLst>
+      <a:bgFillStyleLst>
+        <a:solidFill>
+          <a:schemeClr val="phClr"/>
+        </a:solidFill>
+        <a:gradFill rotWithShape="1">
+          <a:gsLst>
+            <a:gs pos="0">
+              <a:schemeClr val="phClr">
+                <a:tint val="40000"/>
+                <a:satMod val="350000"/>
+              </a:schemeClr>
+            </a:gs>
+            <a:gs pos="40000">
+              <a:schemeClr val="phClr">
+                <a:tint val="45000"/>
+                <a:shade val="99000"/>
+                <a:satMod val="350000"/>
+              </a:schemeClr>
+            </a:gs>
+            <a:gs pos="100000">
+              <a:schemeClr val="phClr">
+                <a:shade val="20000"/>
+                <a:satMod val="255000"/>
+              </a:schemeClr>
+            </a:gs>
+          </a:gsLst>
+          <a:path path="circle">
+            <a:fillToRect l="50000" t="-80000" r="50000" b="180000"/>
+          </a:path>
+        </a:gradFill>
+        <a:gradFill rotWithShape="1">
+          <a:gsLst>
+            <a:gs pos="0">
+              <a:schemeClr val="phClr">
+                <a:tint val="80000"/>
+                <a:satMod val="300000"/>
+              </a:schemeClr>
+            </a:gs>
+            <a:gs pos="100000">
+              <a:schemeClr val="phClr">
+                <a:shade val="30000"/>
+                <a:satMod val="200000"/>
+              </a:schemeClr>
+            </a:gs>
+          </a:gsLst>
+          <a:path path="circle">
+            <a:fillToRect l="50000" t="50000" r="50000" b="50000"/>
+          </a:path>
+        </a:gradFill>
+      </a:bgFillStyleLst>
+    </a:fmtScheme>
+  </a:themeElements>
+</a:theme>
+</file>
+
+<file path=ppt/theme/theme2.xml><?xml version="1.0" encoding="utf-8"?>
 <a:theme xmlns:a="http://schemas.openxmlformats.org/drawingml/2006/main" xmlns:r="http://schemas.openxmlformats.org/officeDocument/2006/relationships" name="Simple Light">
   <a:themeElements>
     <a:clrScheme name="Simple Light">
@@ -14497,283 +21294,4 @@
     </a:fmtScheme>
   </a:themeElements>
 </a:theme>
-</file>
-
-<file path=ppt/theme/theme2.xml><?xml version="1.0" encoding="utf-8"?>
-<a:theme xmlns:a="http://schemas.openxmlformats.org/drawingml/2006/main" xmlns:r="http://schemas.openxmlformats.org/officeDocument/2006/relationships">
-  <a:themeElements>
-    <a:clrScheme name="Default">
-      <a:dk1>
-        <a:srgbClr val="000000"/>
-      </a:dk1>
-      <a:lt1>
-        <a:srgbClr val="FFFFFF"/>
-      </a:lt1>
-      <a:dk2>
-        <a:srgbClr val="158158"/>
-      </a:dk2>
-      <a:lt2>
-        <a:srgbClr val="F3F3F3"/>
-      </a:lt2>
-      <a:accent1>
-        <a:srgbClr val="058DC7"/>
-      </a:accent1>
-      <a:accent2>
-        <a:srgbClr val="50B432"/>
-      </a:accent2>
-      <a:accent3>
-        <a:srgbClr val="ED561B"/>
-      </a:accent3>
-      <a:accent4>
-        <a:srgbClr val="EDEF00"/>
-      </a:accent4>
-      <a:accent5>
-        <a:srgbClr val="24CBE5"/>
-      </a:accent5>
-      <a:accent6>
-        <a:srgbClr val="64E572"/>
-      </a:accent6>
-      <a:hlink>
-        <a:srgbClr val="2200CC"/>
-      </a:hlink>
-      <a:folHlink>
-        <a:srgbClr val="551A8B"/>
-      </a:folHlink>
-    </a:clrScheme>
-    <a:fontScheme name="Office">
-      <a:majorFont>
-        <a:latin typeface="Arial"/>
-        <a:ea typeface=""/>
-        <a:cs typeface=""/>
-        <a:font script="Jpan" typeface="ＭＳ Ｐゴシック"/>
-        <a:font script="Hang" typeface="맑은 고딕"/>
-        <a:font script="Hans" typeface="宋体"/>
-        <a:font script="Hant" typeface="新細明體"/>
-        <a:font script="Arab" typeface="Times New Roman"/>
-        <a:font script="Hebr" typeface="Times New Roman"/>
-        <a:font script="Thai" typeface="Angsana New"/>
-        <a:font script="Ethi" typeface="Nyala"/>
-        <a:font script="Beng" typeface="Vrinda"/>
-        <a:font script="Gujr" typeface="Shruti"/>
-        <a:font script="Khmr" typeface="MoolBoran"/>
-        <a:font script="Knda" typeface="Tunga"/>
-        <a:font script="Guru" typeface="Raavi"/>
-        <a:font script="Cans" typeface="Euphemia"/>
-        <a:font script="Cher" typeface="Plantagenet Cherokee"/>
-        <a:font script="Yiii" typeface="Microsoft Yi Baiti"/>
-        <a:font script="Tibt" typeface="Microsoft Himalaya"/>
-        <a:font script="Thaa" typeface="MV Boli"/>
-        <a:font script="Deva" typeface="Mangal"/>
-        <a:font script="Telu" typeface="Gautami"/>
-        <a:font script="Taml" typeface="Latha"/>
-        <a:font script="Syrc" typeface="Estrangelo Edessa"/>
-        <a:font script="Orya" typeface="Kalinga"/>
-        <a:font script="Mlym" typeface="Kartika"/>
-        <a:font script="Laoo" typeface="DokChampa"/>
-        <a:font script="Sinh" typeface="Iskoola Pota"/>
-        <a:font script="Mong" typeface="Mongolian Baiti"/>
-        <a:font script="Viet" typeface="Times New Roman"/>
-        <a:font script="Uigh" typeface="Microsoft Uighur"/>
-        <a:font script="Geor" typeface="Sylfaen"/>
-      </a:majorFont>
-      <a:minorFont>
-        <a:latin typeface="Arial"/>
-        <a:ea typeface=""/>
-        <a:cs typeface=""/>
-        <a:font script="Jpan" typeface="ＭＳ Ｐゴシック"/>
-        <a:font script="Hang" typeface="맑은 고딕"/>
-        <a:font script="Hans" typeface="宋体"/>
-        <a:font script="Hant" typeface="新細明體"/>
-        <a:font script="Arab" typeface="Arial"/>
-        <a:font script="Hebr" typeface="Arial"/>
-        <a:font script="Thai" typeface="Cordia New"/>
-        <a:font script="Ethi" typeface="Nyala"/>
-        <a:font script="Beng" typeface="Vrinda"/>
-        <a:font script="Gujr" typeface="Shruti"/>
-        <a:font script="Khmr" typeface="DaunPenh"/>
-        <a:font script="Knda" typeface="Tunga"/>
-        <a:font script="Guru" typeface="Raavi"/>
-        <a:font script="Cans" typeface="Euphemia"/>
-        <a:font script="Cher" typeface="Plantagenet Cherokee"/>
-        <a:font script="Yiii" typeface="Microsoft Yi Baiti"/>
-        <a:font script="Tibt" typeface="Microsoft Himalaya"/>
-        <a:font script="Thaa" typeface="MV Boli"/>
-        <a:font script="Deva" typeface="Mangal"/>
-        <a:font script="Telu" typeface="Gautami"/>
-        <a:font script="Taml" typeface="Latha"/>
-        <a:font script="Syrc" typeface="Estrangelo Edessa"/>
-        <a:font script="Orya" typeface="Kalinga"/>
-        <a:font script="Mlym" typeface="Kartika"/>
-        <a:font script="Laoo" typeface="DokChampa"/>
-        <a:font script="Sinh" typeface="Iskoola Pota"/>
-        <a:font script="Mong" typeface="Mongolian Baiti"/>
-        <a:font script="Viet" typeface="Arial"/>
-        <a:font script="Uigh" typeface="Microsoft Uighur"/>
-        <a:font script="Geor" typeface="Sylfaen"/>
-      </a:minorFont>
-    </a:fontScheme>
-    <a:fmtScheme name="Office">
-      <a:fillStyleLst>
-        <a:solidFill>
-          <a:schemeClr val="phClr"/>
-        </a:solidFill>
-        <a:gradFill rotWithShape="1">
-          <a:gsLst>
-            <a:gs pos="0">
-              <a:schemeClr val="phClr">
-                <a:tint val="50000"/>
-                <a:satMod val="300000"/>
-              </a:schemeClr>
-            </a:gs>
-            <a:gs pos="35000">
-              <a:schemeClr val="phClr">
-                <a:tint val="37000"/>
-                <a:satMod val="300000"/>
-              </a:schemeClr>
-            </a:gs>
-            <a:gs pos="100000">
-              <a:schemeClr val="phClr">
-                <a:tint val="15000"/>
-                <a:satMod val="350000"/>
-              </a:schemeClr>
-            </a:gs>
-          </a:gsLst>
-          <a:lin ang="16200000" scaled="1"/>
-        </a:gradFill>
-        <a:gradFill rotWithShape="1">
-          <a:gsLst>
-            <a:gs pos="0">
-              <a:schemeClr val="phClr">
-                <a:tint val="100000"/>
-                <a:shade val="100000"/>
-                <a:satMod val="130000"/>
-              </a:schemeClr>
-            </a:gs>
-            <a:gs pos="100000">
-              <a:schemeClr val="phClr">
-                <a:tint val="50000"/>
-                <a:shade val="100000"/>
-                <a:satMod val="350000"/>
-              </a:schemeClr>
-            </a:gs>
-          </a:gsLst>
-          <a:lin ang="16200000" scaled="0"/>
-        </a:gradFill>
-      </a:fillStyleLst>
-      <a:lnStyleLst>
-        <a:ln w="9525" cap="flat" cmpd="sng" algn="ctr">
-          <a:solidFill>
-            <a:schemeClr val="phClr">
-              <a:shade val="95000"/>
-              <a:satMod val="105000"/>
-            </a:schemeClr>
-          </a:solidFill>
-          <a:prstDash val="solid"/>
-        </a:ln>
-        <a:ln w="25400" cap="flat" cmpd="sng" algn="ctr">
-          <a:solidFill>
-            <a:schemeClr val="phClr"/>
-          </a:solidFill>
-          <a:prstDash val="solid"/>
-        </a:ln>
-        <a:ln w="38100" cap="flat" cmpd="sng" algn="ctr">
-          <a:solidFill>
-            <a:schemeClr val="phClr"/>
-          </a:solidFill>
-          <a:prstDash val="solid"/>
-        </a:ln>
-      </a:lnStyleLst>
-      <a:effectStyleLst>
-        <a:effectStyle>
-          <a:effectLst>
-            <a:outerShdw blurRad="40000" dist="20000" dir="5400000" rotWithShape="0">
-              <a:srgbClr val="000000">
-                <a:alpha val="38000"/>
-              </a:srgbClr>
-            </a:outerShdw>
-          </a:effectLst>
-        </a:effectStyle>
-        <a:effectStyle>
-          <a:effectLst>
-            <a:outerShdw blurRad="40000" dist="23000" dir="5400000" rotWithShape="0">
-              <a:srgbClr val="000000">
-                <a:alpha val="35000"/>
-              </a:srgbClr>
-            </a:outerShdw>
-          </a:effectLst>
-        </a:effectStyle>
-        <a:effectStyle>
-          <a:effectLst>
-            <a:outerShdw blurRad="40000" dist="23000" dir="5400000" rotWithShape="0">
-              <a:srgbClr val="000000">
-                <a:alpha val="35000"/>
-              </a:srgbClr>
-            </a:outerShdw>
-          </a:effectLst>
-          <a:scene3d>
-            <a:camera prst="orthographicFront">
-              <a:rot lat="0" lon="0" rev="0"/>
-            </a:camera>
-            <a:lightRig rig="threePt" dir="t">
-              <a:rot lat="0" lon="0" rev="1200000"/>
-            </a:lightRig>
-          </a:scene3d>
-          <a:sp3d>
-            <a:bevelT w="63500" h="25400"/>
-          </a:sp3d>
-        </a:effectStyle>
-      </a:effectStyleLst>
-      <a:bgFillStyleLst>
-        <a:solidFill>
-          <a:schemeClr val="phClr"/>
-        </a:solidFill>
-        <a:gradFill rotWithShape="1">
-          <a:gsLst>
-            <a:gs pos="0">
-              <a:schemeClr val="phClr">
-                <a:tint val="40000"/>
-                <a:satMod val="350000"/>
-              </a:schemeClr>
-            </a:gs>
-            <a:gs pos="40000">
-              <a:schemeClr val="phClr">
-                <a:tint val="45000"/>
-                <a:shade val="99000"/>
-                <a:satMod val="350000"/>
-              </a:schemeClr>
-            </a:gs>
-            <a:gs pos="100000">
-              <a:schemeClr val="phClr">
-                <a:shade val="20000"/>
-                <a:satMod val="255000"/>
-              </a:schemeClr>
-            </a:gs>
-          </a:gsLst>
-          <a:path path="circle">
-            <a:fillToRect l="50000" t="-80000" r="50000" b="180000"/>
-          </a:path>
-        </a:gradFill>
-        <a:gradFill rotWithShape="1">
-          <a:gsLst>
-            <a:gs pos="0">
-              <a:schemeClr val="phClr">
-                <a:tint val="80000"/>
-                <a:satMod val="300000"/>
-              </a:schemeClr>
-            </a:gs>
-            <a:gs pos="100000">
-              <a:schemeClr val="phClr">
-                <a:shade val="30000"/>
-                <a:satMod val="200000"/>
-              </a:schemeClr>
-            </a:gs>
-          </a:gsLst>
-          <a:path path="circle">
-            <a:fillToRect l="50000" t="50000" r="50000" b="50000"/>
-          </a:path>
-        </a:gradFill>
-      </a:bgFillStyleLst>
-    </a:fmtScheme>
-  </a:themeElements>
-</a:theme>
 </file>